--- a/rsc/control-system.pptx
+++ b/rsc/control-system.pptx
@@ -6,6 +6,10 @@
   </p:sldMasterIdLst>
   <p:sldIdLst>
     <p:sldId id="256" r:id="rId3"/>
+    <p:sldId id="257" r:id="rId4"/>
+    <p:sldId id="258" r:id="rId5"/>
+    <p:sldId id="259" r:id="rId6"/>
+    <p:sldId id="260" r:id="rId7"/>
   </p:sldIdLst>
   <p:sldSz cx="10080625" cy="5670550"/>
   <p:notesSz cx="7772400" cy="10058400"/>
@@ -63,7 +67,7 @@
         <p:txBody>
           <a:bodyPr/>
           <a:p>
-            <a:fld id="{F8CADBE2-AD81-45AC-8295-9EDA4561B2FA}" type="slidenum">
+            <a:fld id="{16AE6ADE-2F46-48E8-85FB-167BD895EABB}" type="slidenum">
               <a:t>&lt;#&gt;</a:t>
             </a:fld>
           </a:p>
@@ -272,7 +276,7 @@
         <p:txBody>
           <a:bodyPr/>
           <a:p>
-            <a:fld id="{E80D8360-FB90-4D19-8575-EBC1A314FDF6}" type="slidenum">
+            <a:fld id="{B4BE7647-EE24-432D-BFF5-CF2EE82CC61B}" type="slidenum">
               <a:t>&lt;#&gt;</a:t>
             </a:fld>
           </a:p>
@@ -567,7 +571,7 @@
         <p:txBody>
           <a:bodyPr/>
           <a:p>
-            <a:fld id="{285BAB53-B15F-4D11-BA94-DC1EBB42695B}" type="slidenum">
+            <a:fld id="{803C76D6-9A24-4B1B-B806-81BB68959CB8}" type="slidenum">
               <a:t>&lt;#&gt;</a:t>
             </a:fld>
           </a:p>
@@ -948,7 +952,7 @@
         <p:txBody>
           <a:bodyPr/>
           <a:p>
-            <a:fld id="{37AFE17B-900C-4DA4-997A-49B62C42D263}" type="slidenum">
+            <a:fld id="{27FD06F9-891B-4F6C-8543-F656C44415CD}" type="slidenum">
               <a:t>&lt;#&gt;</a:t>
             </a:fld>
           </a:p>
@@ -1111,7 +1115,7 @@
         <p:txBody>
           <a:bodyPr/>
           <a:p>
-            <a:fld id="{3059B45A-0EBD-4011-82FB-1E64B50163E4}" type="slidenum">
+            <a:fld id="{0C9C1665-F41E-4369-A476-4EE83F2E50F3}" type="slidenum">
               <a:t>&lt;#&gt;</a:t>
             </a:fld>
           </a:p>
@@ -1277,7 +1281,7 @@
         <p:txBody>
           <a:bodyPr/>
           <a:p>
-            <a:fld id="{0BEFF040-2A98-42E9-ACD9-4BBD90B47D45}" type="slidenum">
+            <a:fld id="{698B823B-3745-4BF0-9BB7-C94CF8C9C2B7}" type="slidenum">
               <a:t>&lt;#&gt;</a:t>
             </a:fld>
           </a:p>
@@ -1486,7 +1490,7 @@
         <p:txBody>
           <a:bodyPr/>
           <a:p>
-            <a:fld id="{26E80918-BC0F-473B-B43D-1FD67740B93C}" type="slidenum">
+            <a:fld id="{199115F4-F2D1-4480-A0CA-B12F3F6BC70C}" type="slidenum">
               <a:t>&lt;#&gt;</a:t>
             </a:fld>
           </a:p>
@@ -1609,7 +1613,7 @@
         <p:txBody>
           <a:bodyPr/>
           <a:p>
-            <a:fld id="{CBF84149-3E8B-4DBC-A105-4DEADD9B3B03}" type="slidenum">
+            <a:fld id="{41581C9A-47DF-41D0-90EC-78B12BAFE491}" type="slidenum">
               <a:t>&lt;#&gt;</a:t>
             </a:fld>
           </a:p>
@@ -1730,7 +1734,7 @@
         <p:txBody>
           <a:bodyPr/>
           <a:p>
-            <a:fld id="{357107B9-0160-4913-AF12-B3A76F0E07D0}" type="slidenum">
+            <a:fld id="{99582BB1-9470-44EC-8C1B-C43950E1BF30}" type="slidenum">
               <a:t>&lt;#&gt;</a:t>
             </a:fld>
           </a:p>
@@ -1982,7 +1986,7 @@
         <p:txBody>
           <a:bodyPr/>
           <a:p>
-            <a:fld id="{30D6C050-934A-4841-BD0F-2F789CAC10BD}" type="slidenum">
+            <a:fld id="{BF3F62B3-AD37-4D17-8DD6-B28CE4CA95FD}" type="slidenum">
               <a:t>&lt;#&gt;</a:t>
             </a:fld>
           </a:p>
@@ -2234,7 +2238,7 @@
         <p:txBody>
           <a:bodyPr/>
           <a:p>
-            <a:fld id="{7FE8C39F-4BAC-409C-8959-D80279170589}" type="slidenum">
+            <a:fld id="{A89957D0-988E-42A5-A979-B11F84B16B27}" type="slidenum">
               <a:t>&lt;#&gt;</a:t>
             </a:fld>
           </a:p>
@@ -2486,7 +2490,7 @@
         <p:txBody>
           <a:bodyPr/>
           <a:p>
-            <a:fld id="{C9400C80-F6F3-4122-88EC-EB6A6190EDA7}" type="slidenum">
+            <a:fld id="{4E0E64FD-3363-413B-B81D-CDDF17237F40}" type="slidenum">
               <a:t>&lt;#&gt;</a:t>
             </a:fld>
           </a:p>
@@ -2971,7 +2975,7 @@
             <a:pPr indent="0" algn="r">
               <a:buNone/>
             </a:pPr>
-            <a:fld id="{6E38ECDF-443A-44DB-B7D2-FE42797F36CD}" type="slidenum">
+            <a:fld id="{BD3E8F61-A106-47F7-871E-9680F514FFEE}" type="slidenum">
               <a:rPr b="0" lang="en-US" sz="1400" spc="-1" strike="noStrike">
                 <a:solidFill>
                   <a:srgbClr val="000000"/>
@@ -3045,6 +3049,461 @@
         </p:nvSpPr>
         <p:spPr>
           <a:xfrm>
+            <a:off x="504360" y="1190880"/>
+            <a:ext cx="9071640" cy="3288240"/>
+          </a:xfrm>
+          <a:prstGeom prst="rect">
+            <a:avLst/>
+          </a:prstGeom>
+          <a:noFill/>
+          <a:ln w="0">
+            <a:noFill/>
+          </a:ln>
+        </p:spPr>
+        <p:txBody>
+          <a:bodyPr lIns="0" rIns="0" tIns="0" bIns="0" anchor="ctr">
+            <a:noAutofit/>
+          </a:bodyPr>
+          <a:p>
+            <a:pPr algn="ctr"/>
+            <a:r>
+              <a:rPr b="0" lang="en-US" sz="4200" spc="-1" strike="noStrike">
+                <a:solidFill>
+                  <a:srgbClr val="ffffff"/>
+                </a:solidFill>
+                <a:latin typeface="Bitstream Vera Sans"/>
+              </a:rPr>
+              <a:t>FRC Control System</a:t>
+            </a:r>
+            <a:endParaRPr b="0" lang="en-US" sz="4200" spc="-1" strike="noStrike">
+              <a:solidFill>
+                <a:srgbClr val="ffffff"/>
+              </a:solidFill>
+              <a:latin typeface="Bitstream Vera Sans"/>
+            </a:endParaRPr>
+          </a:p>
+        </p:txBody>
+      </p:sp>
+    </p:spTree>
+  </p:cSld>
+  <mc:AlternateContent>
+    <mc:Choice Requires="p14">
+      <p:transition spd="slow" p14:dur="2000"/>
+    </mc:Choice>
+    <mc:Fallback>
+      <p:transition spd="slow"/>
+    </mc:Fallback>
+  </mc:AlternateContent>
+</p:sld>
+</file>
+
+<file path=ppt/slides/slide2.xml><?xml version="1.0" encoding="utf-8"?>
+<p:sld xmlns:a="http://schemas.openxmlformats.org/drawingml/2006/main" xmlns:p="http://schemas.openxmlformats.org/presentationml/2006/main" xmlns:r="http://schemas.openxmlformats.org/officeDocument/2006/relationships" xmlns:p14="http://schemas.microsoft.com/office/powerpoint/2010/main" xmlns:p15="http://schemas.microsoft.com/office/powerpoint/2012/main" xmlns:mc="http://schemas.openxmlformats.org/markup-compatibility/2006">
+  <p:cSld>
+    <p:bg>
+      <p:bgPr>
+        <a:solidFill>
+          <a:srgbClr val="000000"/>
+        </a:solidFill>
+      </p:bgPr>
+    </p:bg>
+    <p:spTree>
+      <p:nvGrpSpPr>
+        <p:cNvPr id="1" name=""/>
+        <p:cNvGrpSpPr/>
+        <p:nvPr/>
+      </p:nvGrpSpPr>
+      <p:grpSpPr>
+        <a:xfrm>
+          <a:off x="0" y="0"/>
+          <a:ext cx="0" cy="0"/>
+          <a:chOff x="0" y="0"/>
+          <a:chExt cx="0" cy="0"/>
+        </a:xfrm>
+      </p:grpSpPr>
+      <p:pic>
+        <p:nvPicPr>
+          <p:cNvPr id="42" name="" descr=""/>
+          <p:cNvPicPr/>
+          <p:nvPr/>
+        </p:nvPicPr>
+        <p:blipFill>
+          <a:blip r:embed="rId1"/>
+          <a:stretch/>
+        </p:blipFill>
+        <p:spPr>
+          <a:xfrm>
+            <a:off x="1445400" y="0"/>
+            <a:ext cx="8634600" cy="5669640"/>
+          </a:xfrm>
+          <a:prstGeom prst="rect">
+            <a:avLst/>
+          </a:prstGeom>
+          <a:ln w="0">
+            <a:noFill/>
+          </a:ln>
+        </p:spPr>
+      </p:pic>
+      <p:sp>
+        <p:nvSpPr>
+          <p:cNvPr id="43" name=""/>
+          <p:cNvSpPr txBox="1"/>
+          <p:nvPr/>
+        </p:nvSpPr>
+        <p:spPr>
+          <a:xfrm>
+            <a:off x="228600" y="714600"/>
+            <a:ext cx="1032480" cy="1416960"/>
+          </a:xfrm>
+          <a:prstGeom prst="rect">
+            <a:avLst/>
+          </a:prstGeom>
+          <a:noFill/>
+          <a:ln w="0">
+            <a:noFill/>
+          </a:ln>
+        </p:spPr>
+        <p:txBody>
+          <a:bodyPr lIns="90000" rIns="90000" tIns="45000" bIns="45000" anchor="t">
+            <a:noAutofit/>
+          </a:bodyPr>
+          <a:p>
+            <a:r>
+              <a:rPr b="0" lang="en-US" sz="1800" spc="-1" strike="noStrike">
+                <a:solidFill>
+                  <a:srgbClr val="ffffff"/>
+                </a:solidFill>
+                <a:latin typeface="Bitstream Vera Sans"/>
+              </a:rPr>
+              <a:t>NEW</a:t>
+            </a:r>
+            <a:endParaRPr b="0" lang="en-US" sz="1800" spc="-1" strike="noStrike">
+              <a:solidFill>
+                <a:srgbClr val="ffffff"/>
+              </a:solidFill>
+              <a:latin typeface="Bitstream Vera Sans"/>
+            </a:endParaRPr>
+          </a:p>
+          <a:p>
+            <a:endParaRPr b="0" lang="en-US" sz="1800" spc="-1" strike="noStrike">
+              <a:solidFill>
+                <a:srgbClr val="ffffff"/>
+              </a:solidFill>
+              <a:latin typeface="Bitstream Vera Sans"/>
+            </a:endParaRPr>
+          </a:p>
+          <a:p>
+            <a:r>
+              <a:rPr b="0" lang="en-US" sz="1800" spc="-1" strike="noStrike">
+                <a:solidFill>
+                  <a:srgbClr val="ffffff"/>
+                </a:solidFill>
+                <a:latin typeface="Bitstream Vera Sans"/>
+              </a:rPr>
+              <a:t>REV</a:t>
+            </a:r>
+            <a:endParaRPr b="0" lang="en-US" sz="1800" spc="-1" strike="noStrike">
+              <a:solidFill>
+                <a:srgbClr val="ffffff"/>
+              </a:solidFill>
+              <a:latin typeface="Bitstream Vera Sans"/>
+            </a:endParaRPr>
+          </a:p>
+          <a:p>
+            <a:r>
+              <a:rPr b="0" lang="en-US" sz="1800" spc="-1" strike="noStrike">
+                <a:solidFill>
+                  <a:srgbClr val="ffffff"/>
+                </a:solidFill>
+                <a:latin typeface="Bitstream Vera Sans"/>
+              </a:rPr>
+              <a:t>Control</a:t>
+            </a:r>
+            <a:endParaRPr b="0" lang="en-US" sz="1800" spc="-1" strike="noStrike">
+              <a:solidFill>
+                <a:srgbClr val="ffffff"/>
+              </a:solidFill>
+              <a:latin typeface="Bitstream Vera Sans"/>
+            </a:endParaRPr>
+          </a:p>
+          <a:p>
+            <a:r>
+              <a:rPr b="0" lang="en-US" sz="1800" spc="-1" strike="noStrike">
+                <a:solidFill>
+                  <a:srgbClr val="ffffff"/>
+                </a:solidFill>
+                <a:latin typeface="Bitstream Vera Sans"/>
+              </a:rPr>
+              <a:t>System</a:t>
+            </a:r>
+            <a:endParaRPr b="0" lang="en-US" sz="1800" spc="-1" strike="noStrike">
+              <a:solidFill>
+                <a:srgbClr val="ffffff"/>
+              </a:solidFill>
+              <a:latin typeface="Bitstream Vera Sans"/>
+            </a:endParaRPr>
+          </a:p>
+        </p:txBody>
+      </p:sp>
+    </p:spTree>
+  </p:cSld>
+  <mc:AlternateContent>
+    <mc:Choice Requires="p14">
+      <p:transition spd="slow" p14:dur="2000"/>
+    </mc:Choice>
+    <mc:Fallback>
+      <p:transition spd="slow"/>
+    </mc:Fallback>
+  </mc:AlternateContent>
+</p:sld>
+</file>
+
+<file path=ppt/slides/slide3.xml><?xml version="1.0" encoding="utf-8"?>
+<p:sld xmlns:a="http://schemas.openxmlformats.org/drawingml/2006/main" xmlns:p="http://schemas.openxmlformats.org/presentationml/2006/main" xmlns:r="http://schemas.openxmlformats.org/officeDocument/2006/relationships" xmlns:p14="http://schemas.microsoft.com/office/powerpoint/2010/main" xmlns:p15="http://schemas.microsoft.com/office/powerpoint/2012/main" xmlns:mc="http://schemas.openxmlformats.org/markup-compatibility/2006">
+  <p:cSld>
+    <p:bg>
+      <p:bgPr>
+        <a:solidFill>
+          <a:srgbClr val="000000"/>
+        </a:solidFill>
+      </p:bgPr>
+    </p:bg>
+    <p:spTree>
+      <p:nvGrpSpPr>
+        <p:cNvPr id="1" name=""/>
+        <p:cNvGrpSpPr/>
+        <p:nvPr/>
+      </p:nvGrpSpPr>
+      <p:grpSpPr>
+        <a:xfrm>
+          <a:off x="0" y="0"/>
+          <a:ext cx="0" cy="0"/>
+          <a:chOff x="0" y="0"/>
+          <a:chExt cx="0" cy="0"/>
+        </a:xfrm>
+      </p:grpSpPr>
+      <p:sp>
+        <p:nvSpPr>
+          <p:cNvPr id="44" name=""/>
+          <p:cNvSpPr txBox="1"/>
+          <p:nvPr/>
+        </p:nvSpPr>
+        <p:spPr>
+          <a:xfrm>
+            <a:off x="228600" y="714600"/>
+            <a:ext cx="1076760" cy="1416960"/>
+          </a:xfrm>
+          <a:prstGeom prst="rect">
+            <a:avLst/>
+          </a:prstGeom>
+          <a:noFill/>
+          <a:ln w="0">
+            <a:noFill/>
+          </a:ln>
+        </p:spPr>
+        <p:txBody>
+          <a:bodyPr lIns="90000" rIns="90000" tIns="45000" bIns="45000" anchor="t">
+            <a:noAutofit/>
+          </a:bodyPr>
+          <a:p>
+            <a:r>
+              <a:rPr b="0" lang="en-US" sz="1800" spc="-1" strike="noStrike">
+                <a:solidFill>
+                  <a:srgbClr val="ffffff"/>
+                </a:solidFill>
+                <a:latin typeface="Bitstream Vera Sans"/>
+              </a:rPr>
+              <a:t>LEGACY</a:t>
+            </a:r>
+            <a:endParaRPr b="0" lang="en-US" sz="1800" spc="-1" strike="noStrike">
+              <a:solidFill>
+                <a:srgbClr val="ffffff"/>
+              </a:solidFill>
+              <a:latin typeface="Bitstream Vera Sans"/>
+            </a:endParaRPr>
+          </a:p>
+          <a:p>
+            <a:endParaRPr b="0" lang="en-US" sz="1800" spc="-1" strike="noStrike">
+              <a:solidFill>
+                <a:srgbClr val="ffffff"/>
+              </a:solidFill>
+              <a:latin typeface="Bitstream Vera Sans"/>
+            </a:endParaRPr>
+          </a:p>
+          <a:p>
+            <a:r>
+              <a:rPr b="0" lang="en-US" sz="1800" spc="-1" strike="noStrike">
+                <a:solidFill>
+                  <a:srgbClr val="ffffff"/>
+                </a:solidFill>
+                <a:latin typeface="Bitstream Vera Sans"/>
+              </a:rPr>
+              <a:t>CTRE</a:t>
+            </a:r>
+            <a:endParaRPr b="0" lang="en-US" sz="1800" spc="-1" strike="noStrike">
+              <a:solidFill>
+                <a:srgbClr val="ffffff"/>
+              </a:solidFill>
+              <a:latin typeface="Bitstream Vera Sans"/>
+            </a:endParaRPr>
+          </a:p>
+          <a:p>
+            <a:r>
+              <a:rPr b="0" lang="en-US" sz="1800" spc="-1" strike="noStrike">
+                <a:solidFill>
+                  <a:srgbClr val="ffffff"/>
+                </a:solidFill>
+                <a:latin typeface="Bitstream Vera Sans"/>
+              </a:rPr>
+              <a:t>Control</a:t>
+            </a:r>
+            <a:endParaRPr b="0" lang="en-US" sz="1800" spc="-1" strike="noStrike">
+              <a:solidFill>
+                <a:srgbClr val="ffffff"/>
+              </a:solidFill>
+              <a:latin typeface="Bitstream Vera Sans"/>
+            </a:endParaRPr>
+          </a:p>
+          <a:p>
+            <a:r>
+              <a:rPr b="0" lang="en-US" sz="1800" spc="-1" strike="noStrike">
+                <a:solidFill>
+                  <a:srgbClr val="ffffff"/>
+                </a:solidFill>
+                <a:latin typeface="Bitstream Vera Sans"/>
+              </a:rPr>
+              <a:t>System</a:t>
+            </a:r>
+            <a:endParaRPr b="0" lang="en-US" sz="1800" spc="-1" strike="noStrike">
+              <a:solidFill>
+                <a:srgbClr val="ffffff"/>
+              </a:solidFill>
+              <a:latin typeface="Bitstream Vera Sans"/>
+            </a:endParaRPr>
+          </a:p>
+        </p:txBody>
+      </p:sp>
+      <p:pic>
+        <p:nvPicPr>
+          <p:cNvPr id="45" name="" descr=""/>
+          <p:cNvPicPr/>
+          <p:nvPr/>
+        </p:nvPicPr>
+        <p:blipFill>
+          <a:blip r:embed="rId1"/>
+          <a:stretch/>
+        </p:blipFill>
+        <p:spPr>
+          <a:xfrm>
+            <a:off x="1940760" y="0"/>
+            <a:ext cx="8139240" cy="5669640"/>
+          </a:xfrm>
+          <a:prstGeom prst="rect">
+            <a:avLst/>
+          </a:prstGeom>
+          <a:ln w="0">
+            <a:noFill/>
+          </a:ln>
+        </p:spPr>
+      </p:pic>
+    </p:spTree>
+  </p:cSld>
+  <mc:AlternateContent>
+    <mc:Choice Requires="p14">
+      <p:transition spd="slow" p14:dur="2000"/>
+    </mc:Choice>
+    <mc:Fallback>
+      <p:transition spd="slow"/>
+    </mc:Fallback>
+  </mc:AlternateContent>
+</p:sld>
+</file>
+
+<file path=ppt/slides/slide4.xml><?xml version="1.0" encoding="utf-8"?>
+<p:sld xmlns:a="http://schemas.openxmlformats.org/drawingml/2006/main" xmlns:p="http://schemas.openxmlformats.org/presentationml/2006/main" xmlns:r="http://schemas.openxmlformats.org/officeDocument/2006/relationships" xmlns:p14="http://schemas.microsoft.com/office/powerpoint/2010/main" xmlns:p15="http://schemas.microsoft.com/office/powerpoint/2012/main" xmlns:mc="http://schemas.openxmlformats.org/markup-compatibility/2006">
+  <p:cSld>
+    <p:bg>
+      <p:bgPr>
+        <a:solidFill>
+          <a:srgbClr val="000000"/>
+        </a:solidFill>
+      </p:bgPr>
+    </p:bg>
+    <p:spTree>
+      <p:nvGrpSpPr>
+        <p:cNvPr id="1" name=""/>
+        <p:cNvGrpSpPr/>
+        <p:nvPr/>
+      </p:nvGrpSpPr>
+      <p:grpSpPr>
+        <a:xfrm>
+          <a:off x="0" y="0"/>
+          <a:ext cx="0" cy="0"/>
+          <a:chOff x="0" y="0"/>
+          <a:chExt cx="0" cy="0"/>
+        </a:xfrm>
+      </p:grpSpPr>
+      <p:sp>
+        <p:nvSpPr>
+          <p:cNvPr id="46" name="PlaceHolder 1"/>
+          <p:cNvSpPr>
+            <a:spLocks noGrp="1"/>
+          </p:cNvSpPr>
+          <p:nvPr>
+            <p:ph type="title"/>
+          </p:nvPr>
+        </p:nvSpPr>
+        <p:spPr>
+          <a:xfrm>
+            <a:off x="504000" y="226080"/>
+            <a:ext cx="9071640" cy="946440"/>
+          </a:xfrm>
+          <a:prstGeom prst="rect">
+            <a:avLst/>
+          </a:prstGeom>
+          <a:noFill/>
+          <a:ln w="0">
+            <a:noFill/>
+          </a:ln>
+        </p:spPr>
+        <p:txBody>
+          <a:bodyPr lIns="0" rIns="0" tIns="0" bIns="0" anchor="ctr">
+            <a:noAutofit/>
+          </a:bodyPr>
+          <a:p>
+            <a:pPr indent="0">
+              <a:buNone/>
+            </a:pPr>
+            <a:r>
+              <a:rPr b="0" lang="en-US" sz="4400" spc="-1" strike="noStrike">
+                <a:solidFill>
+                  <a:srgbClr val="ffffff"/>
+                </a:solidFill>
+                <a:latin typeface="Bitstream Vera Sans"/>
+              </a:rPr>
+              <a:t>Notes</a:t>
+            </a:r>
+            <a:endParaRPr b="0" lang="en-US" sz="4400" spc="-1" strike="noStrike">
+              <a:solidFill>
+                <a:srgbClr val="ffffff"/>
+              </a:solidFill>
+              <a:latin typeface="Bitstream Vera Sans"/>
+            </a:endParaRPr>
+          </a:p>
+        </p:txBody>
+      </p:sp>
+      <p:sp>
+        <p:nvSpPr>
+          <p:cNvPr id="47" name="PlaceHolder 2"/>
+          <p:cNvSpPr>
+            <a:spLocks noGrp="1"/>
+          </p:cNvSpPr>
+          <p:nvPr>
+            <p:ph type="subTitle"/>
+          </p:nvPr>
+        </p:nvSpPr>
+        <p:spPr>
+          <a:xfrm>
             <a:off x="504000" y="1326600"/>
             <a:ext cx="9071640" cy="3288240"/>
           </a:xfrm>
@@ -3057,11 +3516,18 @@
           </a:ln>
         </p:spPr>
         <p:txBody>
-          <a:bodyPr lIns="0" rIns="0" tIns="0" bIns="0" anchor="ctr">
+          <a:bodyPr lIns="0" rIns="0" tIns="0" bIns="0" anchor="t">
             <a:noAutofit/>
           </a:bodyPr>
           <a:p>
-            <a:pPr algn="ctr"/>
+            <a:pPr marL="216000" indent="-216000">
+              <a:buClr>
+                <a:srgbClr val="ffffff"/>
+              </a:buClr>
+              <a:buSzPct val="45000"/>
+              <a:buFont typeface="Wingdings" charset="2"/>
+              <a:buChar char=""/>
+            </a:pPr>
             <a:r>
               <a:rPr b="0" lang="en-US" sz="3200" spc="-1" strike="noStrike">
                 <a:solidFill>
@@ -3069,13 +3535,321 @@
                 </a:solidFill>
                 <a:latin typeface="Arial"/>
               </a:rPr>
-              <a:t>FRC Control System</a:t>
+              <a:t>PoE &amp; Direct Power Redundancy</a:t>
             </a:r>
             <a:endParaRPr b="0" lang="en-US" sz="3200" spc="-1" strike="noStrike">
               <a:solidFill>
                 <a:srgbClr val="ffffff"/>
               </a:solidFill>
               <a:latin typeface="Arial"/>
+            </a:endParaRPr>
+          </a:p>
+          <a:p>
+            <a:pPr marL="216000" indent="-216000">
+              <a:buClr>
+                <a:srgbClr val="ffffff"/>
+              </a:buClr>
+              <a:buSzPct val="45000"/>
+              <a:buFont typeface="Wingdings" charset="2"/>
+              <a:buChar char=""/>
+            </a:pPr>
+            <a:r>
+              <a:rPr b="0" lang="en-US" sz="3200" spc="-1" strike="noStrike">
+                <a:solidFill>
+                  <a:srgbClr val="ffffff"/>
+                </a:solidFill>
+                <a:latin typeface="Arial"/>
+              </a:rPr>
+              <a:t>CAN Start/Stop (Integrated 120 </a:t>
+            </a:r>
+            <a:r>
+              <a:rPr b="0" lang="en-US" sz="3200" spc="-1" strike="noStrike">
+                <a:solidFill>
+                  <a:srgbClr val="ffffff"/>
+                </a:solidFill>
+                <a:latin typeface="Times New Roman"/>
+                <a:ea typeface="Times New Roman"/>
+              </a:rPr>
+              <a:t>Ω</a:t>
+            </a:r>
+            <a:r>
+              <a:rPr b="0" lang="en-US" sz="3200" spc="-1" strike="noStrike">
+                <a:solidFill>
+                  <a:srgbClr val="ffffff"/>
+                </a:solidFill>
+                <a:latin typeface="Arial"/>
+                <a:ea typeface="Times New Roman"/>
+              </a:rPr>
+              <a:t>)</a:t>
+            </a:r>
+            <a:endParaRPr b="0" lang="en-US" sz="3200" spc="-1" strike="noStrike">
+              <a:solidFill>
+                <a:srgbClr val="ffffff"/>
+              </a:solidFill>
+              <a:latin typeface="Arial"/>
+            </a:endParaRPr>
+          </a:p>
+          <a:p>
+            <a:pPr marL="216000" indent="-216000">
+              <a:buClr>
+                <a:srgbClr val="ffffff"/>
+              </a:buClr>
+              <a:buSzPct val="45000"/>
+              <a:buFont typeface="Wingdings" charset="2"/>
+              <a:buChar char=""/>
+            </a:pPr>
+            <a:r>
+              <a:rPr b="0" lang="en-US" sz="3200" spc="-1" strike="noStrike">
+                <a:solidFill>
+                  <a:srgbClr val="ffffff"/>
+                </a:solidFill>
+                <a:latin typeface="Arial"/>
+                <a:ea typeface="Times New Roman"/>
+              </a:rPr>
+              <a:t>Ethernet Switch</a:t>
+            </a:r>
+            <a:endParaRPr b="0" lang="en-US" sz="3200" spc="-1" strike="noStrike">
+              <a:solidFill>
+                <a:srgbClr val="ffffff"/>
+              </a:solidFill>
+              <a:latin typeface="Arial"/>
+            </a:endParaRPr>
+          </a:p>
+          <a:p>
+            <a:pPr lvl="1" marL="432000" indent="-216000">
+              <a:buClr>
+                <a:srgbClr val="ffffff"/>
+              </a:buClr>
+              <a:buSzPct val="45000"/>
+              <a:buFont typeface="Wingdings" charset="2"/>
+              <a:buChar char=""/>
+            </a:pPr>
+            <a:r>
+              <a:rPr b="0" lang="en-US" sz="3200" spc="-1" strike="noStrike">
+                <a:solidFill>
+                  <a:srgbClr val="ffffff"/>
+                </a:solidFill>
+                <a:latin typeface="Arial"/>
+                <a:ea typeface="Times New Roman"/>
+              </a:rPr>
+              <a:t>RPi, etc.</a:t>
+            </a:r>
+            <a:r>
+              <a:rPr b="0" lang="en-US" sz="3200" spc="-1" strike="noStrike">
+                <a:solidFill>
+                  <a:srgbClr val="ffffff"/>
+                </a:solidFill>
+                <a:latin typeface="Arial"/>
+              </a:rPr>
+              <a:t> </a:t>
+            </a:r>
+            <a:endParaRPr b="0" lang="en-US" sz="3200" spc="-1" strike="noStrike">
+              <a:solidFill>
+                <a:srgbClr val="ffffff"/>
+              </a:solidFill>
+              <a:latin typeface="Arial"/>
+            </a:endParaRPr>
+          </a:p>
+        </p:txBody>
+      </p:sp>
+    </p:spTree>
+  </p:cSld>
+  <mc:AlternateContent>
+    <mc:Choice Requires="p14">
+      <p:transition spd="slow" p14:dur="2000"/>
+    </mc:Choice>
+    <mc:Fallback>
+      <p:transition spd="slow"/>
+    </mc:Fallback>
+  </mc:AlternateContent>
+</p:sld>
+</file>
+
+<file path=ppt/slides/slide5.xml><?xml version="1.0" encoding="utf-8"?>
+<p:sld xmlns:a="http://schemas.openxmlformats.org/drawingml/2006/main" xmlns:p="http://schemas.openxmlformats.org/presentationml/2006/main" xmlns:r="http://schemas.openxmlformats.org/officeDocument/2006/relationships" xmlns:p14="http://schemas.microsoft.com/office/powerpoint/2010/main" xmlns:p15="http://schemas.microsoft.com/office/powerpoint/2012/main" xmlns:mc="http://schemas.openxmlformats.org/markup-compatibility/2006">
+  <p:cSld>
+    <p:bg>
+      <p:bgPr>
+        <a:solidFill>
+          <a:srgbClr val="000000"/>
+        </a:solidFill>
+      </p:bgPr>
+    </p:bg>
+    <p:spTree>
+      <p:nvGrpSpPr>
+        <p:cNvPr id="1" name=""/>
+        <p:cNvGrpSpPr/>
+        <p:nvPr/>
+      </p:nvGrpSpPr>
+      <p:grpSpPr>
+        <a:xfrm>
+          <a:off x="0" y="0"/>
+          <a:ext cx="0" cy="0"/>
+          <a:chOff x="0" y="0"/>
+          <a:chExt cx="0" cy="0"/>
+        </a:xfrm>
+      </p:grpSpPr>
+      <p:pic>
+        <p:nvPicPr>
+          <p:cNvPr id="48" name="" descr=""/>
+          <p:cNvPicPr/>
+          <p:nvPr/>
+        </p:nvPicPr>
+        <p:blipFill>
+          <a:blip r:embed="rId1"/>
+          <a:srcRect l="0" t="0" r="36931" b="0"/>
+          <a:stretch/>
+        </p:blipFill>
+        <p:spPr>
+          <a:xfrm>
+            <a:off x="4186800" y="1371600"/>
+            <a:ext cx="5871240" cy="3657600"/>
+          </a:xfrm>
+          <a:prstGeom prst="rect">
+            <a:avLst/>
+          </a:prstGeom>
+          <a:ln w="0">
+            <a:noFill/>
+          </a:ln>
+        </p:spPr>
+      </p:pic>
+      <p:sp>
+        <p:nvSpPr>
+          <p:cNvPr id="49" name="PlaceHolder 1"/>
+          <p:cNvSpPr>
+            <a:spLocks noGrp="1"/>
+          </p:cNvSpPr>
+          <p:nvPr>
+            <p:ph type="title"/>
+          </p:nvPr>
+        </p:nvSpPr>
+        <p:spPr>
+          <a:xfrm>
+            <a:off x="504000" y="226080"/>
+            <a:ext cx="9071640" cy="946440"/>
+          </a:xfrm>
+          <a:prstGeom prst="rect">
+            <a:avLst/>
+          </a:prstGeom>
+          <a:noFill/>
+          <a:ln w="0">
+            <a:noFill/>
+          </a:ln>
+        </p:spPr>
+        <p:txBody>
+          <a:bodyPr lIns="0" rIns="0" tIns="0" bIns="0" anchor="ctr">
+            <a:noAutofit/>
+          </a:bodyPr>
+          <a:p>
+            <a:pPr indent="0">
+              <a:buNone/>
+            </a:pPr>
+            <a:r>
+              <a:rPr b="0" lang="en-US" sz="4400" spc="-1" strike="noStrike">
+                <a:solidFill>
+                  <a:srgbClr val="ffffff"/>
+                </a:solidFill>
+                <a:latin typeface="Bitstream Vera Sans"/>
+              </a:rPr>
+              <a:t>Networking</a:t>
+            </a:r>
+            <a:endParaRPr b="0" lang="en-US" sz="4400" spc="-1" strike="noStrike">
+              <a:solidFill>
+                <a:srgbClr val="ffffff"/>
+              </a:solidFill>
+              <a:latin typeface="Bitstream Vera Sans"/>
+            </a:endParaRPr>
+          </a:p>
+        </p:txBody>
+      </p:sp>
+      <p:sp>
+        <p:nvSpPr>
+          <p:cNvPr id="50" name=""/>
+          <p:cNvSpPr txBox="1"/>
+          <p:nvPr/>
+        </p:nvSpPr>
+        <p:spPr>
+          <a:xfrm>
+            <a:off x="457200" y="1600200"/>
+            <a:ext cx="3657600" cy="2478240"/>
+          </a:xfrm>
+          <a:prstGeom prst="rect">
+            <a:avLst/>
+          </a:prstGeom>
+          <a:noFill/>
+          <a:ln w="0">
+            <a:noFill/>
+          </a:ln>
+        </p:spPr>
+        <p:txBody>
+          <a:bodyPr lIns="90000" rIns="90000" tIns="45000" bIns="45000" anchor="t">
+            <a:noAutofit/>
+          </a:bodyPr>
+          <a:p>
+            <a:r>
+              <a:rPr b="0" lang="en-US" sz="1800" spc="-1" strike="noStrike">
+                <a:solidFill>
+                  <a:srgbClr val="ffffff"/>
+                </a:solidFill>
+                <a:latin typeface="Bitstream Vera Sans"/>
+              </a:rPr>
+              <a:t>Make Your Life Easier:</a:t>
+            </a:r>
+            <a:endParaRPr b="0" lang="en-US" sz="1800" spc="-1" strike="noStrike">
+              <a:solidFill>
+                <a:srgbClr val="ffffff"/>
+              </a:solidFill>
+              <a:latin typeface="Bitstream Vera Sans"/>
+            </a:endParaRPr>
+          </a:p>
+          <a:p>
+            <a:endParaRPr b="0" lang="en-US" sz="1800" spc="-1" strike="noStrike">
+              <a:solidFill>
+                <a:srgbClr val="ffffff"/>
+              </a:solidFill>
+              <a:latin typeface="Bitstream Vera Sans"/>
+            </a:endParaRPr>
+          </a:p>
+          <a:p>
+            <a:r>
+              <a:rPr b="0" lang="en-US" sz="1800" spc="-1" strike="noStrike">
+                <a:solidFill>
+                  <a:srgbClr val="ffffff"/>
+                </a:solidFill>
+                <a:latin typeface="Bitstream Vera Sans"/>
+              </a:rPr>
+              <a:t>Have a separate radio with the FMS image (for competition)</a:t>
+            </a:r>
+            <a:endParaRPr b="0" lang="en-US" sz="1800" spc="-1" strike="noStrike">
+              <a:solidFill>
+                <a:srgbClr val="ffffff"/>
+              </a:solidFill>
+              <a:latin typeface="Bitstream Vera Sans"/>
+            </a:endParaRPr>
+          </a:p>
+          <a:p>
+            <a:endParaRPr b="0" lang="en-US" sz="1800" spc="-1" strike="noStrike">
+              <a:solidFill>
+                <a:srgbClr val="ffffff"/>
+              </a:solidFill>
+              <a:latin typeface="Bitstream Vera Sans"/>
+            </a:endParaRPr>
+          </a:p>
+          <a:p>
+            <a:r>
+              <a:rPr b="0" lang="en-US" sz="1800" spc="-1" strike="noStrike">
+                <a:solidFill>
+                  <a:srgbClr val="ffffff"/>
+                </a:solidFill>
+                <a:latin typeface="Bitstream Vera Sans"/>
+              </a:rPr>
+              <a:t>Statically Assign IP Addresses of Additional Components (Raspberry Pi, etc.)</a:t>
+            </a:r>
+            <a:endParaRPr b="0" lang="en-US" sz="1800" spc="-1" strike="noStrike">
+              <a:solidFill>
+                <a:srgbClr val="ffffff"/>
+              </a:solidFill>
+              <a:latin typeface="Bitstream Vera Sans"/>
             </a:endParaRPr>
           </a:p>
         </p:txBody>

--- a/rsc/control-system.pptx
+++ b/rsc/control-system.pptx
@@ -3,13 +3,15 @@
 <p:presentation xmlns:a="http://schemas.openxmlformats.org/drawingml/2006/main" xmlns:p="http://schemas.openxmlformats.org/presentationml/2006/main" xmlns:r="http://schemas.openxmlformats.org/officeDocument/2006/relationships" xmlns:p14="http://schemas.microsoft.com/office/powerpoint/2010/main" xmlns:p15="http://schemas.microsoft.com/office/powerpoint/2012/main" xmlns:mc="http://schemas.openxmlformats.org/markup-compatibility/2006">
   <p:sldMasterIdLst>
     <p:sldMasterId id="2147483648" r:id="rId2"/>
+    <p:sldMasterId id="2147483661" r:id="rId3"/>
+    <p:sldMasterId id="2147483674" r:id="rId4"/>
   </p:sldMasterIdLst>
   <p:sldIdLst>
-    <p:sldId id="256" r:id="rId3"/>
-    <p:sldId id="257" r:id="rId4"/>
-    <p:sldId id="258" r:id="rId5"/>
-    <p:sldId id="259" r:id="rId6"/>
-    <p:sldId id="260" r:id="rId7"/>
+    <p:sldId id="256" r:id="rId5"/>
+    <p:sldId id="257" r:id="rId6"/>
+    <p:sldId id="258" r:id="rId7"/>
+    <p:sldId id="259" r:id="rId8"/>
+    <p:sldId id="260" r:id="rId9"/>
   </p:sldIdLst>
   <p:sldSz cx="10080625" cy="5670550"/>
   <p:notesSz cx="7772400" cy="10058400"/>
@@ -40,7 +42,7 @@
             <a:spLocks noGrp="1"/>
           </p:cNvSpPr>
           <p:nvPr>
-            <p:ph type="ftr" idx="2"/>
+            <p:ph type="ftr" idx="1"/>
           </p:nvPr>
         </p:nvSpPr>
         <p:spPr/>
@@ -60,14 +62,14 @@
             <a:spLocks noGrp="1"/>
           </p:cNvSpPr>
           <p:nvPr>
-            <p:ph type="sldNum" idx="3"/>
+            <p:ph type="sldNum" idx="2"/>
           </p:nvPr>
         </p:nvSpPr>
         <p:spPr/>
         <p:txBody>
           <a:bodyPr/>
           <a:p>
-            <a:fld id="{16AE6ADE-2F46-48E8-85FB-167BD895EABB}" type="slidenum">
+            <a:fld id="{A6F97DD0-CBAB-428E-86E0-8C9959F19F53}" type="slidenum">
               <a:t>&lt;#&gt;</a:t>
             </a:fld>
           </a:p>
@@ -80,7 +82,7 @@
             <a:spLocks noGrp="1"/>
           </p:cNvSpPr>
           <p:nvPr>
-            <p:ph type="dt" idx="1"/>
+            <p:ph type="dt" idx="3"/>
           </p:nvPr>
         </p:nvSpPr>
         <p:spPr/>
@@ -129,7 +131,7 @@
         <p:spPr>
           <a:xfrm>
             <a:off x="504000" y="226080"/>
-            <a:ext cx="9071640" cy="946440"/>
+            <a:ext cx="9071280" cy="946080"/>
           </a:xfrm>
           <a:prstGeom prst="rect">
             <a:avLst/>
@@ -169,7 +171,7 @@
         <p:spPr>
           <a:xfrm>
             <a:off x="504000" y="1326600"/>
-            <a:ext cx="9071640" cy="1568160"/>
+            <a:ext cx="9072000" cy="1568520"/>
           </a:xfrm>
           <a:prstGeom prst="rect">
             <a:avLst/>
@@ -211,8 +213,8 @@
         </p:nvSpPr>
         <p:spPr>
           <a:xfrm>
-            <a:off x="504000" y="3044160"/>
-            <a:ext cx="9071640" cy="1568160"/>
+            <a:off x="504000" y="3044520"/>
+            <a:ext cx="9072000" cy="1568520"/>
           </a:xfrm>
           <a:prstGeom prst="rect">
             <a:avLst/>
@@ -249,7 +251,7 @@
             <a:spLocks noGrp="1"/>
           </p:cNvSpPr>
           <p:nvPr>
-            <p:ph type="ftr" idx="2"/>
+            <p:ph type="ftr" idx="1"/>
           </p:nvPr>
         </p:nvSpPr>
         <p:spPr/>
@@ -269,14 +271,14 @@
             <a:spLocks noGrp="1"/>
           </p:cNvSpPr>
           <p:nvPr>
-            <p:ph type="sldNum" idx="3"/>
+            <p:ph type="sldNum" idx="2"/>
           </p:nvPr>
         </p:nvSpPr>
         <p:spPr/>
         <p:txBody>
           <a:bodyPr/>
           <a:p>
-            <a:fld id="{B4BE7647-EE24-432D-BFF5-CF2EE82CC61B}" type="slidenum">
+            <a:fld id="{D65AE916-C6EE-4109-87F9-92E62E3934E7}" type="slidenum">
               <a:t>&lt;#&gt;</a:t>
             </a:fld>
           </a:p>
@@ -289,7 +291,7 @@
             <a:spLocks noGrp="1"/>
           </p:cNvSpPr>
           <p:nvPr>
-            <p:ph type="dt" idx="1"/>
+            <p:ph type="dt" idx="3"/>
           </p:nvPr>
         </p:nvSpPr>
         <p:spPr/>
@@ -338,7 +340,7 @@
         <p:spPr>
           <a:xfrm>
             <a:off x="504000" y="226080"/>
-            <a:ext cx="9071640" cy="946440"/>
+            <a:ext cx="9071280" cy="946080"/>
           </a:xfrm>
           <a:prstGeom prst="rect">
             <a:avLst/>
@@ -378,7 +380,7 @@
         <p:spPr>
           <a:xfrm>
             <a:off x="504000" y="1326600"/>
-            <a:ext cx="4426920" cy="1568160"/>
+            <a:ext cx="4426920" cy="1568520"/>
           </a:xfrm>
           <a:prstGeom prst="rect">
             <a:avLst/>
@@ -421,7 +423,7 @@
         <p:spPr>
           <a:xfrm>
             <a:off x="5152680" y="1326600"/>
-            <a:ext cx="4426920" cy="1568160"/>
+            <a:ext cx="4426920" cy="1568520"/>
           </a:xfrm>
           <a:prstGeom prst="rect">
             <a:avLst/>
@@ -463,8 +465,8 @@
         </p:nvSpPr>
         <p:spPr>
           <a:xfrm>
-            <a:off x="504000" y="3044160"/>
-            <a:ext cx="4426920" cy="1568160"/>
+            <a:off x="504000" y="3044520"/>
+            <a:ext cx="4426920" cy="1568520"/>
           </a:xfrm>
           <a:prstGeom prst="rect">
             <a:avLst/>
@@ -506,8 +508,8 @@
         </p:nvSpPr>
         <p:spPr>
           <a:xfrm>
-            <a:off x="5152680" y="3044160"/>
-            <a:ext cx="4426920" cy="1568160"/>
+            <a:off x="5152680" y="3044520"/>
+            <a:ext cx="4426920" cy="1568520"/>
           </a:xfrm>
           <a:prstGeom prst="rect">
             <a:avLst/>
@@ -544,7 +546,7 @@
             <a:spLocks noGrp="1"/>
           </p:cNvSpPr>
           <p:nvPr>
-            <p:ph type="ftr" idx="2"/>
+            <p:ph type="ftr" idx="1"/>
           </p:nvPr>
         </p:nvSpPr>
         <p:spPr/>
@@ -564,14 +566,14 @@
             <a:spLocks noGrp="1"/>
           </p:cNvSpPr>
           <p:nvPr>
-            <p:ph type="sldNum" idx="3"/>
+            <p:ph type="sldNum" idx="2"/>
           </p:nvPr>
         </p:nvSpPr>
         <p:spPr/>
         <p:txBody>
           <a:bodyPr/>
           <a:p>
-            <a:fld id="{803C76D6-9A24-4B1B-B806-81BB68959CB8}" type="slidenum">
+            <a:fld id="{CE209524-03ED-4DAC-A370-E9BDB2CC9F9B}" type="slidenum">
               <a:t>&lt;#&gt;</a:t>
             </a:fld>
           </a:p>
@@ -584,7 +586,7 @@
             <a:spLocks noGrp="1"/>
           </p:cNvSpPr>
           <p:nvPr>
-            <p:ph type="dt" idx="1"/>
+            <p:ph type="dt" idx="3"/>
           </p:nvPr>
         </p:nvSpPr>
         <p:spPr/>
@@ -633,7 +635,7 @@
         <p:spPr>
           <a:xfrm>
             <a:off x="504000" y="226080"/>
-            <a:ext cx="9071640" cy="946440"/>
+            <a:ext cx="9071280" cy="946080"/>
           </a:xfrm>
           <a:prstGeom prst="rect">
             <a:avLst/>
@@ -673,7 +675,7 @@
         <p:spPr>
           <a:xfrm>
             <a:off x="504000" y="1326600"/>
-            <a:ext cx="2920680" cy="1568160"/>
+            <a:ext cx="2921040" cy="1568520"/>
           </a:xfrm>
           <a:prstGeom prst="rect">
             <a:avLst/>
@@ -715,8 +717,8 @@
         </p:nvSpPr>
         <p:spPr>
           <a:xfrm>
-            <a:off x="3571200" y="1326600"/>
-            <a:ext cx="2920680" cy="1568160"/>
+            <a:off x="3571560" y="1326600"/>
+            <a:ext cx="2921040" cy="1568520"/>
           </a:xfrm>
           <a:prstGeom prst="rect">
             <a:avLst/>
@@ -758,8 +760,8 @@
         </p:nvSpPr>
         <p:spPr>
           <a:xfrm>
-            <a:off x="6638040" y="1326600"/>
-            <a:ext cx="2920680" cy="1568160"/>
+            <a:off x="6639120" y="1326600"/>
+            <a:ext cx="2921040" cy="1568520"/>
           </a:xfrm>
           <a:prstGeom prst="rect">
             <a:avLst/>
@@ -801,8 +803,8 @@
         </p:nvSpPr>
         <p:spPr>
           <a:xfrm>
-            <a:off x="504000" y="3044160"/>
-            <a:ext cx="2920680" cy="1568160"/>
+            <a:off x="504000" y="3044520"/>
+            <a:ext cx="2921040" cy="1568520"/>
           </a:xfrm>
           <a:prstGeom prst="rect">
             <a:avLst/>
@@ -844,8 +846,8 @@
         </p:nvSpPr>
         <p:spPr>
           <a:xfrm>
-            <a:off x="3571200" y="3044160"/>
-            <a:ext cx="2920680" cy="1568160"/>
+            <a:off x="3571560" y="3044520"/>
+            <a:ext cx="2921040" cy="1568520"/>
           </a:xfrm>
           <a:prstGeom prst="rect">
             <a:avLst/>
@@ -887,8 +889,8 @@
         </p:nvSpPr>
         <p:spPr>
           <a:xfrm>
-            <a:off x="6638040" y="3044160"/>
-            <a:ext cx="2920680" cy="1568160"/>
+            <a:off x="6639120" y="3044520"/>
+            <a:ext cx="2921040" cy="1568520"/>
           </a:xfrm>
           <a:prstGeom prst="rect">
             <a:avLst/>
@@ -925,7 +927,7 @@
             <a:spLocks noGrp="1"/>
           </p:cNvSpPr>
           <p:nvPr>
-            <p:ph type="ftr" idx="2"/>
+            <p:ph type="ftr" idx="1"/>
           </p:nvPr>
         </p:nvSpPr>
         <p:spPr/>
@@ -945,14 +947,14 @@
             <a:spLocks noGrp="1"/>
           </p:cNvSpPr>
           <p:nvPr>
-            <p:ph type="sldNum" idx="3"/>
+            <p:ph type="sldNum" idx="2"/>
           </p:nvPr>
         </p:nvSpPr>
         <p:spPr/>
         <p:txBody>
           <a:bodyPr/>
           <a:p>
-            <a:fld id="{27FD06F9-891B-4F6C-8543-F656C44415CD}" type="slidenum">
+            <a:fld id="{4DAA268C-89CB-4AA7-ABD8-D1AFBF4E0FC9}" type="slidenum">
               <a:t>&lt;#&gt;</a:t>
             </a:fld>
           </a:p>
@@ -965,7 +967,1124 @@
             <a:spLocks noGrp="1"/>
           </p:cNvSpPr>
           <p:nvPr>
-            <p:ph type="dt" idx="1"/>
+            <p:ph type="dt" idx="3"/>
+          </p:nvPr>
+        </p:nvSpPr>
+        <p:spPr/>
+        <p:txBody>
+          <a:bodyPr/>
+          <a:p>
+            <a:r>
+              <a:rPr lang="en-US"/>
+              <a:t/>
+            </a:r>
+          </a:p>
+        </p:txBody>
+      </p:sp>
+    </p:spTree>
+  </p:cSld>
+</p:sldLayout>
+</file>
+
+<file path=ppt/slideLayouts/slideLayout13.xml><?xml version="1.0" encoding="utf-8"?>
+<p:sldLayout xmlns:a="http://schemas.openxmlformats.org/drawingml/2006/main" xmlns:p="http://schemas.openxmlformats.org/presentationml/2006/main" xmlns:r="http://schemas.openxmlformats.org/officeDocument/2006/relationships" xmlns:p14="http://schemas.microsoft.com/office/powerpoint/2010/main" xmlns:p15="http://schemas.microsoft.com/office/powerpoint/2012/main" xmlns:mc="http://schemas.openxmlformats.org/markup-compatibility/2006" type="blank" preserve="1">
+  <p:cSld name="Blank Slide">
+    <p:spTree>
+      <p:nvGrpSpPr>
+        <p:cNvPr id="1" name=""/>
+        <p:cNvGrpSpPr/>
+        <p:nvPr/>
+      </p:nvGrpSpPr>
+      <p:grpSpPr>
+        <a:xfrm>
+          <a:off x="0" y="0"/>
+          <a:ext cx="0" cy="0"/>
+          <a:chOff x="0" y="0"/>
+          <a:chExt cx="0" cy="0"/>
+        </a:xfrm>
+      </p:grpSpPr>
+      <p:sp>
+        <p:nvSpPr>
+          <p:cNvPr id="2" name="PlaceHolder 1"/>
+          <p:cNvSpPr>
+            <a:spLocks noGrp="1"/>
+          </p:cNvSpPr>
+          <p:nvPr>
+            <p:ph type="ftr" idx="4"/>
+          </p:nvPr>
+        </p:nvSpPr>
+        <p:spPr/>
+        <p:txBody>
+          <a:bodyPr/>
+          <a:p>
+            <a:r>
+              <a:t>Footer</a:t>
+            </a:r>
+          </a:p>
+        </p:txBody>
+      </p:sp>
+      <p:sp>
+        <p:nvSpPr>
+          <p:cNvPr id="3" name="PlaceHolder 2"/>
+          <p:cNvSpPr>
+            <a:spLocks noGrp="1"/>
+          </p:cNvSpPr>
+          <p:nvPr>
+            <p:ph type="sldNum" idx="5"/>
+          </p:nvPr>
+        </p:nvSpPr>
+        <p:spPr/>
+        <p:txBody>
+          <a:bodyPr/>
+          <a:p>
+            <a:fld id="{E96AC4C3-D1AE-4EFB-8921-9DF3E6488165}" type="slidenum">
+              <a:t>&lt;#&gt;</a:t>
+            </a:fld>
+          </a:p>
+        </p:txBody>
+      </p:sp>
+      <p:sp>
+        <p:nvSpPr>
+          <p:cNvPr id="4" name="PlaceHolder 3"/>
+          <p:cNvSpPr>
+            <a:spLocks noGrp="1"/>
+          </p:cNvSpPr>
+          <p:nvPr>
+            <p:ph type="dt" idx="6"/>
+          </p:nvPr>
+        </p:nvSpPr>
+        <p:spPr/>
+        <p:txBody>
+          <a:bodyPr/>
+          <a:p>
+            <a:r>
+              <a:rPr lang="en-US"/>
+              <a:t/>
+            </a:r>
+          </a:p>
+        </p:txBody>
+      </p:sp>
+    </p:spTree>
+  </p:cSld>
+</p:sldLayout>
+</file>
+
+<file path=ppt/slideLayouts/slideLayout14.xml><?xml version="1.0" encoding="utf-8"?>
+<p:sldLayout xmlns:a="http://schemas.openxmlformats.org/drawingml/2006/main" xmlns:p="http://schemas.openxmlformats.org/presentationml/2006/main" xmlns:r="http://schemas.openxmlformats.org/officeDocument/2006/relationships" xmlns:p14="http://schemas.microsoft.com/office/powerpoint/2010/main" xmlns:p15="http://schemas.microsoft.com/office/powerpoint/2012/main" xmlns:mc="http://schemas.openxmlformats.org/markup-compatibility/2006" type="tx" preserve="1">
+  <p:cSld name="Title Slide">
+    <p:spTree>
+      <p:nvGrpSpPr>
+        <p:cNvPr id="1" name=""/>
+        <p:cNvGrpSpPr/>
+        <p:nvPr/>
+      </p:nvGrpSpPr>
+      <p:grpSpPr>
+        <a:xfrm>
+          <a:off x="0" y="0"/>
+          <a:ext cx="0" cy="0"/>
+          <a:chOff x="0" y="0"/>
+          <a:chExt cx="0" cy="0"/>
+        </a:xfrm>
+      </p:grpSpPr>
+      <p:sp>
+        <p:nvSpPr>
+          <p:cNvPr id="46" name="PlaceHolder 1"/>
+          <p:cNvSpPr>
+            <a:spLocks noGrp="1"/>
+          </p:cNvSpPr>
+          <p:nvPr>
+            <p:ph type="title"/>
+          </p:nvPr>
+        </p:nvSpPr>
+        <p:spPr>
+          <a:xfrm>
+            <a:off x="504000" y="226080"/>
+            <a:ext cx="9071280" cy="946080"/>
+          </a:xfrm>
+          <a:prstGeom prst="rect">
+            <a:avLst/>
+          </a:prstGeom>
+          <a:noFill/>
+          <a:ln w="0">
+            <a:noFill/>
+          </a:ln>
+        </p:spPr>
+        <p:txBody>
+          <a:bodyPr lIns="0" rIns="0" tIns="0" bIns="0" anchor="ctr">
+            <a:noAutofit/>
+          </a:bodyPr>
+          <a:p>
+            <a:pPr indent="0" algn="ctr">
+              <a:buNone/>
+            </a:pPr>
+            <a:endParaRPr b="0" lang="en-US" sz="4400" spc="-1" strike="noStrike">
+              <a:solidFill>
+                <a:srgbClr val="000000"/>
+              </a:solidFill>
+              <a:latin typeface="Arial"/>
+            </a:endParaRPr>
+          </a:p>
+        </p:txBody>
+      </p:sp>
+      <p:sp>
+        <p:nvSpPr>
+          <p:cNvPr id="47" name="PlaceHolder 2"/>
+          <p:cNvSpPr>
+            <a:spLocks noGrp="1"/>
+          </p:cNvSpPr>
+          <p:nvPr>
+            <p:ph type="subTitle"/>
+          </p:nvPr>
+        </p:nvSpPr>
+        <p:spPr>
+          <a:xfrm>
+            <a:off x="504000" y="1326600"/>
+            <a:ext cx="9072000" cy="3288600"/>
+          </a:xfrm>
+          <a:prstGeom prst="rect">
+            <a:avLst/>
+          </a:prstGeom>
+          <a:noFill/>
+          <a:ln w="0">
+            <a:noFill/>
+          </a:ln>
+        </p:spPr>
+        <p:txBody>
+          <a:bodyPr lIns="0" rIns="0" tIns="0" bIns="0" anchor="ctr">
+            <a:noAutofit/>
+          </a:bodyPr>
+          <a:p>
+            <a:pPr indent="0" algn="ctr">
+              <a:buNone/>
+            </a:pPr>
+            <a:endParaRPr b="0" lang="en-US" sz="3200" spc="-1" strike="noStrike">
+              <a:solidFill>
+                <a:srgbClr val="000000"/>
+              </a:solidFill>
+              <a:latin typeface="Arial"/>
+            </a:endParaRPr>
+          </a:p>
+        </p:txBody>
+      </p:sp>
+      <p:sp>
+        <p:nvSpPr>
+          <p:cNvPr id="4" name="PlaceHolder 3"/>
+          <p:cNvSpPr>
+            <a:spLocks noGrp="1"/>
+          </p:cNvSpPr>
+          <p:nvPr>
+            <p:ph type="ftr" idx="4"/>
+          </p:nvPr>
+        </p:nvSpPr>
+        <p:spPr/>
+        <p:txBody>
+          <a:bodyPr/>
+          <a:p>
+            <a:r>
+              <a:t>Footer</a:t>
+            </a:r>
+          </a:p>
+        </p:txBody>
+      </p:sp>
+      <p:sp>
+        <p:nvSpPr>
+          <p:cNvPr id="5" name="PlaceHolder 4"/>
+          <p:cNvSpPr>
+            <a:spLocks noGrp="1"/>
+          </p:cNvSpPr>
+          <p:nvPr>
+            <p:ph type="sldNum" idx="5"/>
+          </p:nvPr>
+        </p:nvSpPr>
+        <p:spPr/>
+        <p:txBody>
+          <a:bodyPr/>
+          <a:p>
+            <a:fld id="{28766D0F-EFCD-4E1A-BA43-EF678339D8E2}" type="slidenum">
+              <a:t>&lt;#&gt;</a:t>
+            </a:fld>
+          </a:p>
+        </p:txBody>
+      </p:sp>
+      <p:sp>
+        <p:nvSpPr>
+          <p:cNvPr id="6" name="PlaceHolder 5"/>
+          <p:cNvSpPr>
+            <a:spLocks noGrp="1"/>
+          </p:cNvSpPr>
+          <p:nvPr>
+            <p:ph type="dt" idx="6"/>
+          </p:nvPr>
+        </p:nvSpPr>
+        <p:spPr/>
+        <p:txBody>
+          <a:bodyPr/>
+          <a:p>
+            <a:r>
+              <a:rPr lang="en-US"/>
+              <a:t/>
+            </a:r>
+          </a:p>
+        </p:txBody>
+      </p:sp>
+    </p:spTree>
+  </p:cSld>
+</p:sldLayout>
+</file>
+
+<file path=ppt/slideLayouts/slideLayout15.xml><?xml version="1.0" encoding="utf-8"?>
+<p:sldLayout xmlns:a="http://schemas.openxmlformats.org/drawingml/2006/main" xmlns:p="http://schemas.openxmlformats.org/presentationml/2006/main" xmlns:r="http://schemas.openxmlformats.org/officeDocument/2006/relationships" xmlns:p14="http://schemas.microsoft.com/office/powerpoint/2010/main" xmlns:p15="http://schemas.microsoft.com/office/powerpoint/2012/main" xmlns:mc="http://schemas.openxmlformats.org/markup-compatibility/2006" type="obj" preserve="1">
+  <p:cSld name="Title, Content">
+    <p:spTree>
+      <p:nvGrpSpPr>
+        <p:cNvPr id="1" name=""/>
+        <p:cNvGrpSpPr/>
+        <p:nvPr/>
+      </p:nvGrpSpPr>
+      <p:grpSpPr>
+        <a:xfrm>
+          <a:off x="0" y="0"/>
+          <a:ext cx="0" cy="0"/>
+          <a:chOff x="0" y="0"/>
+          <a:chExt cx="0" cy="0"/>
+        </a:xfrm>
+      </p:grpSpPr>
+      <p:sp>
+        <p:nvSpPr>
+          <p:cNvPr id="48" name="PlaceHolder 1"/>
+          <p:cNvSpPr>
+            <a:spLocks noGrp="1"/>
+          </p:cNvSpPr>
+          <p:nvPr>
+            <p:ph type="title"/>
+          </p:nvPr>
+        </p:nvSpPr>
+        <p:spPr>
+          <a:xfrm>
+            <a:off x="504000" y="226080"/>
+            <a:ext cx="9071280" cy="946080"/>
+          </a:xfrm>
+          <a:prstGeom prst="rect">
+            <a:avLst/>
+          </a:prstGeom>
+          <a:noFill/>
+          <a:ln w="0">
+            <a:noFill/>
+          </a:ln>
+        </p:spPr>
+        <p:txBody>
+          <a:bodyPr lIns="0" rIns="0" tIns="0" bIns="0" anchor="ctr">
+            <a:noAutofit/>
+          </a:bodyPr>
+          <a:p>
+            <a:pPr indent="0" algn="ctr">
+              <a:buNone/>
+            </a:pPr>
+            <a:endParaRPr b="0" lang="en-US" sz="4400" spc="-1" strike="noStrike">
+              <a:solidFill>
+                <a:srgbClr val="000000"/>
+              </a:solidFill>
+              <a:latin typeface="Arial"/>
+            </a:endParaRPr>
+          </a:p>
+        </p:txBody>
+      </p:sp>
+      <p:sp>
+        <p:nvSpPr>
+          <p:cNvPr id="49" name="PlaceHolder 2"/>
+          <p:cNvSpPr>
+            <a:spLocks noGrp="1"/>
+          </p:cNvSpPr>
+          <p:nvPr>
+            <p:ph/>
+          </p:nvPr>
+        </p:nvSpPr>
+        <p:spPr>
+          <a:xfrm>
+            <a:off x="504000" y="1326600"/>
+            <a:ext cx="9072000" cy="3288600"/>
+          </a:xfrm>
+          <a:prstGeom prst="rect">
+            <a:avLst/>
+          </a:prstGeom>
+          <a:noFill/>
+          <a:ln w="0">
+            <a:noFill/>
+          </a:ln>
+        </p:spPr>
+        <p:txBody>
+          <a:bodyPr lIns="0" rIns="0" tIns="0" bIns="0" anchor="t">
+            <a:normAutofit/>
+          </a:bodyPr>
+          <a:p>
+            <a:pPr indent="0">
+              <a:spcBef>
+                <a:spcPts val="1417"/>
+              </a:spcBef>
+              <a:buNone/>
+            </a:pPr>
+            <a:endParaRPr b="0" lang="en-US" sz="3200" spc="-1" strike="noStrike">
+              <a:solidFill>
+                <a:srgbClr val="000000"/>
+              </a:solidFill>
+              <a:latin typeface="Arial"/>
+            </a:endParaRPr>
+          </a:p>
+        </p:txBody>
+      </p:sp>
+      <p:sp>
+        <p:nvSpPr>
+          <p:cNvPr id="4" name="PlaceHolder 3"/>
+          <p:cNvSpPr>
+            <a:spLocks noGrp="1"/>
+          </p:cNvSpPr>
+          <p:nvPr>
+            <p:ph type="ftr" idx="4"/>
+          </p:nvPr>
+        </p:nvSpPr>
+        <p:spPr/>
+        <p:txBody>
+          <a:bodyPr/>
+          <a:p>
+            <a:r>
+              <a:t>Footer</a:t>
+            </a:r>
+          </a:p>
+        </p:txBody>
+      </p:sp>
+      <p:sp>
+        <p:nvSpPr>
+          <p:cNvPr id="5" name="PlaceHolder 4"/>
+          <p:cNvSpPr>
+            <a:spLocks noGrp="1"/>
+          </p:cNvSpPr>
+          <p:nvPr>
+            <p:ph type="sldNum" idx="5"/>
+          </p:nvPr>
+        </p:nvSpPr>
+        <p:spPr/>
+        <p:txBody>
+          <a:bodyPr/>
+          <a:p>
+            <a:fld id="{0F9B9064-CAB4-4AD5-91B6-B4F8C81527E3}" type="slidenum">
+              <a:t>&lt;#&gt;</a:t>
+            </a:fld>
+          </a:p>
+        </p:txBody>
+      </p:sp>
+      <p:sp>
+        <p:nvSpPr>
+          <p:cNvPr id="6" name="PlaceHolder 5"/>
+          <p:cNvSpPr>
+            <a:spLocks noGrp="1"/>
+          </p:cNvSpPr>
+          <p:nvPr>
+            <p:ph type="dt" idx="6"/>
+          </p:nvPr>
+        </p:nvSpPr>
+        <p:spPr/>
+        <p:txBody>
+          <a:bodyPr/>
+          <a:p>
+            <a:r>
+              <a:rPr lang="en-US"/>
+              <a:t/>
+            </a:r>
+          </a:p>
+        </p:txBody>
+      </p:sp>
+    </p:spTree>
+  </p:cSld>
+</p:sldLayout>
+</file>
+
+<file path=ppt/slideLayouts/slideLayout16.xml><?xml version="1.0" encoding="utf-8"?>
+<p:sldLayout xmlns:a="http://schemas.openxmlformats.org/drawingml/2006/main" xmlns:p="http://schemas.openxmlformats.org/presentationml/2006/main" xmlns:r="http://schemas.openxmlformats.org/officeDocument/2006/relationships" xmlns:p14="http://schemas.microsoft.com/office/powerpoint/2010/main" xmlns:p15="http://schemas.microsoft.com/office/powerpoint/2012/main" xmlns:mc="http://schemas.openxmlformats.org/markup-compatibility/2006" type="twoObj" preserve="1">
+  <p:cSld name="Title, 2 Content">
+    <p:spTree>
+      <p:nvGrpSpPr>
+        <p:cNvPr id="1" name=""/>
+        <p:cNvGrpSpPr/>
+        <p:nvPr/>
+      </p:nvGrpSpPr>
+      <p:grpSpPr>
+        <a:xfrm>
+          <a:off x="0" y="0"/>
+          <a:ext cx="0" cy="0"/>
+          <a:chOff x="0" y="0"/>
+          <a:chExt cx="0" cy="0"/>
+        </a:xfrm>
+      </p:grpSpPr>
+      <p:sp>
+        <p:nvSpPr>
+          <p:cNvPr id="50" name="PlaceHolder 1"/>
+          <p:cNvSpPr>
+            <a:spLocks noGrp="1"/>
+          </p:cNvSpPr>
+          <p:nvPr>
+            <p:ph type="title"/>
+          </p:nvPr>
+        </p:nvSpPr>
+        <p:spPr>
+          <a:xfrm>
+            <a:off x="504000" y="226080"/>
+            <a:ext cx="9071280" cy="946080"/>
+          </a:xfrm>
+          <a:prstGeom prst="rect">
+            <a:avLst/>
+          </a:prstGeom>
+          <a:noFill/>
+          <a:ln w="0">
+            <a:noFill/>
+          </a:ln>
+        </p:spPr>
+        <p:txBody>
+          <a:bodyPr lIns="0" rIns="0" tIns="0" bIns="0" anchor="ctr">
+            <a:noAutofit/>
+          </a:bodyPr>
+          <a:p>
+            <a:pPr indent="0" algn="ctr">
+              <a:buNone/>
+            </a:pPr>
+            <a:endParaRPr b="0" lang="en-US" sz="4400" spc="-1" strike="noStrike">
+              <a:solidFill>
+                <a:srgbClr val="000000"/>
+              </a:solidFill>
+              <a:latin typeface="Arial"/>
+            </a:endParaRPr>
+          </a:p>
+        </p:txBody>
+      </p:sp>
+      <p:sp>
+        <p:nvSpPr>
+          <p:cNvPr id="51" name="PlaceHolder 2"/>
+          <p:cNvSpPr>
+            <a:spLocks noGrp="1"/>
+          </p:cNvSpPr>
+          <p:nvPr>
+            <p:ph/>
+          </p:nvPr>
+        </p:nvSpPr>
+        <p:spPr>
+          <a:xfrm>
+            <a:off x="504000" y="1326600"/>
+            <a:ext cx="4426920" cy="3288600"/>
+          </a:xfrm>
+          <a:prstGeom prst="rect">
+            <a:avLst/>
+          </a:prstGeom>
+          <a:noFill/>
+          <a:ln w="0">
+            <a:noFill/>
+          </a:ln>
+        </p:spPr>
+        <p:txBody>
+          <a:bodyPr lIns="0" rIns="0" tIns="0" bIns="0" anchor="t">
+            <a:normAutofit/>
+          </a:bodyPr>
+          <a:p>
+            <a:pPr indent="0">
+              <a:spcBef>
+                <a:spcPts val="1417"/>
+              </a:spcBef>
+              <a:buNone/>
+            </a:pPr>
+            <a:endParaRPr b="0" lang="en-US" sz="3200" spc="-1" strike="noStrike">
+              <a:solidFill>
+                <a:srgbClr val="000000"/>
+              </a:solidFill>
+              <a:latin typeface="Arial"/>
+            </a:endParaRPr>
+          </a:p>
+        </p:txBody>
+      </p:sp>
+      <p:sp>
+        <p:nvSpPr>
+          <p:cNvPr id="52" name="PlaceHolder 3"/>
+          <p:cNvSpPr>
+            <a:spLocks noGrp="1"/>
+          </p:cNvSpPr>
+          <p:nvPr>
+            <p:ph/>
+          </p:nvPr>
+        </p:nvSpPr>
+        <p:spPr>
+          <a:xfrm>
+            <a:off x="5152680" y="1326600"/>
+            <a:ext cx="4426920" cy="3288600"/>
+          </a:xfrm>
+          <a:prstGeom prst="rect">
+            <a:avLst/>
+          </a:prstGeom>
+          <a:noFill/>
+          <a:ln w="0">
+            <a:noFill/>
+          </a:ln>
+        </p:spPr>
+        <p:txBody>
+          <a:bodyPr lIns="0" rIns="0" tIns="0" bIns="0" anchor="t">
+            <a:normAutofit/>
+          </a:bodyPr>
+          <a:p>
+            <a:pPr indent="0">
+              <a:spcBef>
+                <a:spcPts val="1417"/>
+              </a:spcBef>
+              <a:buNone/>
+            </a:pPr>
+            <a:endParaRPr b="0" lang="en-US" sz="3200" spc="-1" strike="noStrike">
+              <a:solidFill>
+                <a:srgbClr val="000000"/>
+              </a:solidFill>
+              <a:latin typeface="Arial"/>
+            </a:endParaRPr>
+          </a:p>
+        </p:txBody>
+      </p:sp>
+      <p:sp>
+        <p:nvSpPr>
+          <p:cNvPr id="5" name="PlaceHolder 4"/>
+          <p:cNvSpPr>
+            <a:spLocks noGrp="1"/>
+          </p:cNvSpPr>
+          <p:nvPr>
+            <p:ph type="ftr" idx="4"/>
+          </p:nvPr>
+        </p:nvSpPr>
+        <p:spPr/>
+        <p:txBody>
+          <a:bodyPr/>
+          <a:p>
+            <a:r>
+              <a:t>Footer</a:t>
+            </a:r>
+          </a:p>
+        </p:txBody>
+      </p:sp>
+      <p:sp>
+        <p:nvSpPr>
+          <p:cNvPr id="6" name="PlaceHolder 5"/>
+          <p:cNvSpPr>
+            <a:spLocks noGrp="1"/>
+          </p:cNvSpPr>
+          <p:nvPr>
+            <p:ph type="sldNum" idx="5"/>
+          </p:nvPr>
+        </p:nvSpPr>
+        <p:spPr/>
+        <p:txBody>
+          <a:bodyPr/>
+          <a:p>
+            <a:fld id="{9F88DAD0-D8AD-4CE9-B606-79BD0717116C}" type="slidenum">
+              <a:t>&lt;#&gt;</a:t>
+            </a:fld>
+          </a:p>
+        </p:txBody>
+      </p:sp>
+      <p:sp>
+        <p:nvSpPr>
+          <p:cNvPr id="7" name="PlaceHolder 6"/>
+          <p:cNvSpPr>
+            <a:spLocks noGrp="1"/>
+          </p:cNvSpPr>
+          <p:nvPr>
+            <p:ph type="dt" idx="6"/>
+          </p:nvPr>
+        </p:nvSpPr>
+        <p:spPr/>
+        <p:txBody>
+          <a:bodyPr/>
+          <a:p>
+            <a:r>
+              <a:rPr lang="en-US"/>
+              <a:t/>
+            </a:r>
+          </a:p>
+        </p:txBody>
+      </p:sp>
+    </p:spTree>
+  </p:cSld>
+</p:sldLayout>
+</file>
+
+<file path=ppt/slideLayouts/slideLayout17.xml><?xml version="1.0" encoding="utf-8"?>
+<p:sldLayout xmlns:a="http://schemas.openxmlformats.org/drawingml/2006/main" xmlns:p="http://schemas.openxmlformats.org/presentationml/2006/main" xmlns:r="http://schemas.openxmlformats.org/officeDocument/2006/relationships" xmlns:p14="http://schemas.microsoft.com/office/powerpoint/2010/main" xmlns:p15="http://schemas.microsoft.com/office/powerpoint/2012/main" xmlns:mc="http://schemas.openxmlformats.org/markup-compatibility/2006" type="titleOnly" preserve="1">
+  <p:cSld name="Title Only">
+    <p:spTree>
+      <p:nvGrpSpPr>
+        <p:cNvPr id="1" name=""/>
+        <p:cNvGrpSpPr/>
+        <p:nvPr/>
+      </p:nvGrpSpPr>
+      <p:grpSpPr>
+        <a:xfrm>
+          <a:off x="0" y="0"/>
+          <a:ext cx="0" cy="0"/>
+          <a:chOff x="0" y="0"/>
+          <a:chExt cx="0" cy="0"/>
+        </a:xfrm>
+      </p:grpSpPr>
+      <p:sp>
+        <p:nvSpPr>
+          <p:cNvPr id="53" name="PlaceHolder 1"/>
+          <p:cNvSpPr>
+            <a:spLocks noGrp="1"/>
+          </p:cNvSpPr>
+          <p:nvPr>
+            <p:ph type="title"/>
+          </p:nvPr>
+        </p:nvSpPr>
+        <p:spPr>
+          <a:xfrm>
+            <a:off x="504000" y="226080"/>
+            <a:ext cx="9071280" cy="946080"/>
+          </a:xfrm>
+          <a:prstGeom prst="rect">
+            <a:avLst/>
+          </a:prstGeom>
+          <a:noFill/>
+          <a:ln w="0">
+            <a:noFill/>
+          </a:ln>
+        </p:spPr>
+        <p:txBody>
+          <a:bodyPr lIns="0" rIns="0" tIns="0" bIns="0" anchor="ctr">
+            <a:noAutofit/>
+          </a:bodyPr>
+          <a:p>
+            <a:pPr indent="0" algn="ctr">
+              <a:buNone/>
+            </a:pPr>
+            <a:endParaRPr b="0" lang="en-US" sz="4400" spc="-1" strike="noStrike">
+              <a:solidFill>
+                <a:srgbClr val="000000"/>
+              </a:solidFill>
+              <a:latin typeface="Arial"/>
+            </a:endParaRPr>
+          </a:p>
+        </p:txBody>
+      </p:sp>
+      <p:sp>
+        <p:nvSpPr>
+          <p:cNvPr id="3" name="PlaceHolder 2"/>
+          <p:cNvSpPr>
+            <a:spLocks noGrp="1"/>
+          </p:cNvSpPr>
+          <p:nvPr>
+            <p:ph type="ftr" idx="4"/>
+          </p:nvPr>
+        </p:nvSpPr>
+        <p:spPr/>
+        <p:txBody>
+          <a:bodyPr/>
+          <a:p>
+            <a:r>
+              <a:t>Footer</a:t>
+            </a:r>
+          </a:p>
+        </p:txBody>
+      </p:sp>
+      <p:sp>
+        <p:nvSpPr>
+          <p:cNvPr id="4" name="PlaceHolder 3"/>
+          <p:cNvSpPr>
+            <a:spLocks noGrp="1"/>
+          </p:cNvSpPr>
+          <p:nvPr>
+            <p:ph type="sldNum" idx="5"/>
+          </p:nvPr>
+        </p:nvSpPr>
+        <p:spPr/>
+        <p:txBody>
+          <a:bodyPr/>
+          <a:p>
+            <a:fld id="{0286C625-C8DA-4690-A941-1CBDE3F57B00}" type="slidenum">
+              <a:t>&lt;#&gt;</a:t>
+            </a:fld>
+          </a:p>
+        </p:txBody>
+      </p:sp>
+      <p:sp>
+        <p:nvSpPr>
+          <p:cNvPr id="5" name="PlaceHolder 4"/>
+          <p:cNvSpPr>
+            <a:spLocks noGrp="1"/>
+          </p:cNvSpPr>
+          <p:nvPr>
+            <p:ph type="dt" idx="6"/>
+          </p:nvPr>
+        </p:nvSpPr>
+        <p:spPr/>
+        <p:txBody>
+          <a:bodyPr/>
+          <a:p>
+            <a:r>
+              <a:rPr lang="en-US"/>
+              <a:t/>
+            </a:r>
+          </a:p>
+        </p:txBody>
+      </p:sp>
+    </p:spTree>
+  </p:cSld>
+</p:sldLayout>
+</file>
+
+<file path=ppt/slideLayouts/slideLayout18.xml><?xml version="1.0" encoding="utf-8"?>
+<p:sldLayout xmlns:a="http://schemas.openxmlformats.org/drawingml/2006/main" xmlns:p="http://schemas.openxmlformats.org/presentationml/2006/main" xmlns:r="http://schemas.openxmlformats.org/officeDocument/2006/relationships" xmlns:p14="http://schemas.microsoft.com/office/powerpoint/2010/main" xmlns:p15="http://schemas.microsoft.com/office/powerpoint/2012/main" xmlns:mc="http://schemas.openxmlformats.org/markup-compatibility/2006" type="objOnly" preserve="1">
+  <p:cSld name="Centered Text">
+    <p:spTree>
+      <p:nvGrpSpPr>
+        <p:cNvPr id="1" name=""/>
+        <p:cNvGrpSpPr/>
+        <p:nvPr/>
+      </p:nvGrpSpPr>
+      <p:grpSpPr>
+        <a:xfrm>
+          <a:off x="0" y="0"/>
+          <a:ext cx="0" cy="0"/>
+          <a:chOff x="0" y="0"/>
+          <a:chExt cx="0" cy="0"/>
+        </a:xfrm>
+      </p:grpSpPr>
+      <p:sp>
+        <p:nvSpPr>
+          <p:cNvPr id="54" name="PlaceHolder 1"/>
+          <p:cNvSpPr>
+            <a:spLocks noGrp="1"/>
+          </p:cNvSpPr>
+          <p:nvPr>
+            <p:ph type="subTitle"/>
+          </p:nvPr>
+        </p:nvSpPr>
+        <p:spPr>
+          <a:xfrm>
+            <a:off x="504000" y="226080"/>
+            <a:ext cx="9071280" cy="4386600"/>
+          </a:xfrm>
+          <a:prstGeom prst="rect">
+            <a:avLst/>
+          </a:prstGeom>
+          <a:noFill/>
+          <a:ln w="0">
+            <a:noFill/>
+          </a:ln>
+        </p:spPr>
+        <p:txBody>
+          <a:bodyPr lIns="0" rIns="0" tIns="0" bIns="0" anchor="ctr">
+            <a:noAutofit/>
+          </a:bodyPr>
+          <a:p>
+            <a:pPr algn="ctr"/>
+            <a:endParaRPr b="0" lang="en-US" sz="3200" spc="-1" strike="noStrike">
+              <a:solidFill>
+                <a:srgbClr val="000000"/>
+              </a:solidFill>
+              <a:latin typeface="Arial"/>
+            </a:endParaRPr>
+          </a:p>
+        </p:txBody>
+      </p:sp>
+      <p:sp>
+        <p:nvSpPr>
+          <p:cNvPr id="3" name="PlaceHolder 2"/>
+          <p:cNvSpPr>
+            <a:spLocks noGrp="1"/>
+          </p:cNvSpPr>
+          <p:nvPr>
+            <p:ph type="ftr" idx="4"/>
+          </p:nvPr>
+        </p:nvSpPr>
+        <p:spPr/>
+        <p:txBody>
+          <a:bodyPr/>
+          <a:p>
+            <a:r>
+              <a:t>Footer</a:t>
+            </a:r>
+          </a:p>
+        </p:txBody>
+      </p:sp>
+      <p:sp>
+        <p:nvSpPr>
+          <p:cNvPr id="4" name="PlaceHolder 3"/>
+          <p:cNvSpPr>
+            <a:spLocks noGrp="1"/>
+          </p:cNvSpPr>
+          <p:nvPr>
+            <p:ph type="sldNum" idx="5"/>
+          </p:nvPr>
+        </p:nvSpPr>
+        <p:spPr/>
+        <p:txBody>
+          <a:bodyPr/>
+          <a:p>
+            <a:fld id="{77DEB631-A949-4ED3-AA12-8D9305E9D627}" type="slidenum">
+              <a:t>&lt;#&gt;</a:t>
+            </a:fld>
+          </a:p>
+        </p:txBody>
+      </p:sp>
+      <p:sp>
+        <p:nvSpPr>
+          <p:cNvPr id="5" name="PlaceHolder 4"/>
+          <p:cNvSpPr>
+            <a:spLocks noGrp="1"/>
+          </p:cNvSpPr>
+          <p:nvPr>
+            <p:ph type="dt" idx="6"/>
+          </p:nvPr>
+        </p:nvSpPr>
+        <p:spPr/>
+        <p:txBody>
+          <a:bodyPr/>
+          <a:p>
+            <a:r>
+              <a:rPr lang="en-US"/>
+              <a:t/>
+            </a:r>
+          </a:p>
+        </p:txBody>
+      </p:sp>
+    </p:spTree>
+  </p:cSld>
+</p:sldLayout>
+</file>
+
+<file path=ppt/slideLayouts/slideLayout19.xml><?xml version="1.0" encoding="utf-8"?>
+<p:sldLayout xmlns:a="http://schemas.openxmlformats.org/drawingml/2006/main" xmlns:p="http://schemas.openxmlformats.org/presentationml/2006/main" xmlns:r="http://schemas.openxmlformats.org/officeDocument/2006/relationships" xmlns:p14="http://schemas.microsoft.com/office/powerpoint/2010/main" xmlns:p15="http://schemas.microsoft.com/office/powerpoint/2012/main" xmlns:mc="http://schemas.openxmlformats.org/markup-compatibility/2006" type="twoObjAndObj" preserve="1">
+  <p:cSld name="Title, 2 Content and Content">
+    <p:spTree>
+      <p:nvGrpSpPr>
+        <p:cNvPr id="1" name=""/>
+        <p:cNvGrpSpPr/>
+        <p:nvPr/>
+      </p:nvGrpSpPr>
+      <p:grpSpPr>
+        <a:xfrm>
+          <a:off x="0" y="0"/>
+          <a:ext cx="0" cy="0"/>
+          <a:chOff x="0" y="0"/>
+          <a:chExt cx="0" cy="0"/>
+        </a:xfrm>
+      </p:grpSpPr>
+      <p:sp>
+        <p:nvSpPr>
+          <p:cNvPr id="55" name="PlaceHolder 1"/>
+          <p:cNvSpPr>
+            <a:spLocks noGrp="1"/>
+          </p:cNvSpPr>
+          <p:nvPr>
+            <p:ph type="title"/>
+          </p:nvPr>
+        </p:nvSpPr>
+        <p:spPr>
+          <a:xfrm>
+            <a:off x="504000" y="226080"/>
+            <a:ext cx="9071280" cy="946080"/>
+          </a:xfrm>
+          <a:prstGeom prst="rect">
+            <a:avLst/>
+          </a:prstGeom>
+          <a:noFill/>
+          <a:ln w="0">
+            <a:noFill/>
+          </a:ln>
+        </p:spPr>
+        <p:txBody>
+          <a:bodyPr lIns="0" rIns="0" tIns="0" bIns="0" anchor="ctr">
+            <a:noAutofit/>
+          </a:bodyPr>
+          <a:p>
+            <a:pPr indent="0" algn="ctr">
+              <a:buNone/>
+            </a:pPr>
+            <a:endParaRPr b="0" lang="en-US" sz="4400" spc="-1" strike="noStrike">
+              <a:solidFill>
+                <a:srgbClr val="000000"/>
+              </a:solidFill>
+              <a:latin typeface="Arial"/>
+            </a:endParaRPr>
+          </a:p>
+        </p:txBody>
+      </p:sp>
+      <p:sp>
+        <p:nvSpPr>
+          <p:cNvPr id="56" name="PlaceHolder 2"/>
+          <p:cNvSpPr>
+            <a:spLocks noGrp="1"/>
+          </p:cNvSpPr>
+          <p:nvPr>
+            <p:ph/>
+          </p:nvPr>
+        </p:nvSpPr>
+        <p:spPr>
+          <a:xfrm>
+            <a:off x="504000" y="1326600"/>
+            <a:ext cx="4426920" cy="1568520"/>
+          </a:xfrm>
+          <a:prstGeom prst="rect">
+            <a:avLst/>
+          </a:prstGeom>
+          <a:noFill/>
+          <a:ln w="0">
+            <a:noFill/>
+          </a:ln>
+        </p:spPr>
+        <p:txBody>
+          <a:bodyPr lIns="0" rIns="0" tIns="0" bIns="0" anchor="t">
+            <a:normAutofit/>
+          </a:bodyPr>
+          <a:p>
+            <a:pPr indent="0">
+              <a:spcBef>
+                <a:spcPts val="1417"/>
+              </a:spcBef>
+              <a:buNone/>
+            </a:pPr>
+            <a:endParaRPr b="0" lang="en-US" sz="3200" spc="-1" strike="noStrike">
+              <a:solidFill>
+                <a:srgbClr val="000000"/>
+              </a:solidFill>
+              <a:latin typeface="Arial"/>
+            </a:endParaRPr>
+          </a:p>
+        </p:txBody>
+      </p:sp>
+      <p:sp>
+        <p:nvSpPr>
+          <p:cNvPr id="57" name="PlaceHolder 3"/>
+          <p:cNvSpPr>
+            <a:spLocks noGrp="1"/>
+          </p:cNvSpPr>
+          <p:nvPr>
+            <p:ph/>
+          </p:nvPr>
+        </p:nvSpPr>
+        <p:spPr>
+          <a:xfrm>
+            <a:off x="5152680" y="1326600"/>
+            <a:ext cx="4426920" cy="3288600"/>
+          </a:xfrm>
+          <a:prstGeom prst="rect">
+            <a:avLst/>
+          </a:prstGeom>
+          <a:noFill/>
+          <a:ln w="0">
+            <a:noFill/>
+          </a:ln>
+        </p:spPr>
+        <p:txBody>
+          <a:bodyPr lIns="0" rIns="0" tIns="0" bIns="0" anchor="t">
+            <a:normAutofit/>
+          </a:bodyPr>
+          <a:p>
+            <a:pPr indent="0">
+              <a:spcBef>
+                <a:spcPts val="1417"/>
+              </a:spcBef>
+              <a:buNone/>
+            </a:pPr>
+            <a:endParaRPr b="0" lang="en-US" sz="3200" spc="-1" strike="noStrike">
+              <a:solidFill>
+                <a:srgbClr val="000000"/>
+              </a:solidFill>
+              <a:latin typeface="Arial"/>
+            </a:endParaRPr>
+          </a:p>
+        </p:txBody>
+      </p:sp>
+      <p:sp>
+        <p:nvSpPr>
+          <p:cNvPr id="58" name="PlaceHolder 4"/>
+          <p:cNvSpPr>
+            <a:spLocks noGrp="1"/>
+          </p:cNvSpPr>
+          <p:nvPr>
+            <p:ph/>
+          </p:nvPr>
+        </p:nvSpPr>
+        <p:spPr>
+          <a:xfrm>
+            <a:off x="504000" y="3044520"/>
+            <a:ext cx="4426920" cy="1568520"/>
+          </a:xfrm>
+          <a:prstGeom prst="rect">
+            <a:avLst/>
+          </a:prstGeom>
+          <a:noFill/>
+          <a:ln w="0">
+            <a:noFill/>
+          </a:ln>
+        </p:spPr>
+        <p:txBody>
+          <a:bodyPr lIns="0" rIns="0" tIns="0" bIns="0" anchor="t">
+            <a:normAutofit/>
+          </a:bodyPr>
+          <a:p>
+            <a:pPr indent="0">
+              <a:spcBef>
+                <a:spcPts val="1417"/>
+              </a:spcBef>
+              <a:buNone/>
+            </a:pPr>
+            <a:endParaRPr b="0" lang="en-US" sz="3200" spc="-1" strike="noStrike">
+              <a:solidFill>
+                <a:srgbClr val="000000"/>
+              </a:solidFill>
+              <a:latin typeface="Arial"/>
+            </a:endParaRPr>
+          </a:p>
+        </p:txBody>
+      </p:sp>
+      <p:sp>
+        <p:nvSpPr>
+          <p:cNvPr id="6" name="PlaceHolder 5"/>
+          <p:cNvSpPr>
+            <a:spLocks noGrp="1"/>
+          </p:cNvSpPr>
+          <p:nvPr>
+            <p:ph type="ftr" idx="4"/>
+          </p:nvPr>
+        </p:nvSpPr>
+        <p:spPr/>
+        <p:txBody>
+          <a:bodyPr/>
+          <a:p>
+            <a:r>
+              <a:t>Footer</a:t>
+            </a:r>
+          </a:p>
+        </p:txBody>
+      </p:sp>
+      <p:sp>
+        <p:nvSpPr>
+          <p:cNvPr id="7" name="PlaceHolder 6"/>
+          <p:cNvSpPr>
+            <a:spLocks noGrp="1"/>
+          </p:cNvSpPr>
+          <p:nvPr>
+            <p:ph type="sldNum" idx="5"/>
+          </p:nvPr>
+        </p:nvSpPr>
+        <p:spPr/>
+        <p:txBody>
+          <a:bodyPr/>
+          <a:p>
+            <a:fld id="{970846E1-9DB5-4DF3-AAB9-EBE355530878}" type="slidenum">
+              <a:t>&lt;#&gt;</a:t>
+            </a:fld>
+          </a:p>
+        </p:txBody>
+      </p:sp>
+      <p:sp>
+        <p:nvSpPr>
+          <p:cNvPr id="8" name="PlaceHolder 7"/>
+          <p:cNvSpPr>
+            <a:spLocks noGrp="1"/>
+          </p:cNvSpPr>
+          <p:nvPr>
+            <p:ph type="dt" idx="6"/>
           </p:nvPr>
         </p:nvSpPr>
         <p:spPr/>
@@ -1014,7 +2133,7 @@
         <p:spPr>
           <a:xfrm>
             <a:off x="504000" y="226080"/>
-            <a:ext cx="9071640" cy="946440"/>
+            <a:ext cx="9071280" cy="946080"/>
           </a:xfrm>
           <a:prstGeom prst="rect">
             <a:avLst/>
@@ -1054,7 +2173,7 @@
         <p:spPr>
           <a:xfrm>
             <a:off x="504000" y="1326600"/>
-            <a:ext cx="9071640" cy="3288240"/>
+            <a:ext cx="9072000" cy="3288600"/>
           </a:xfrm>
           <a:prstGeom prst="rect">
             <a:avLst/>
@@ -1088,7 +2207,7 @@
             <a:spLocks noGrp="1"/>
           </p:cNvSpPr>
           <p:nvPr>
-            <p:ph type="ftr" idx="2"/>
+            <p:ph type="ftr" idx="1"/>
           </p:nvPr>
         </p:nvSpPr>
         <p:spPr/>
@@ -1108,14 +2227,14 @@
             <a:spLocks noGrp="1"/>
           </p:cNvSpPr>
           <p:nvPr>
-            <p:ph type="sldNum" idx="3"/>
+            <p:ph type="sldNum" idx="2"/>
           </p:nvPr>
         </p:nvSpPr>
         <p:spPr/>
         <p:txBody>
           <a:bodyPr/>
           <a:p>
-            <a:fld id="{0C9C1665-F41E-4369-A476-4EE83F2E50F3}" type="slidenum">
+            <a:fld id="{B80D16F5-7073-4B1E-8457-56D1902418C0}" type="slidenum">
               <a:t>&lt;#&gt;</a:t>
             </a:fld>
           </a:p>
@@ -1128,7 +2247,2140 @@
             <a:spLocks noGrp="1"/>
           </p:cNvSpPr>
           <p:nvPr>
-            <p:ph type="dt" idx="1"/>
+            <p:ph type="dt" idx="3"/>
+          </p:nvPr>
+        </p:nvSpPr>
+        <p:spPr/>
+        <p:txBody>
+          <a:bodyPr/>
+          <a:p>
+            <a:r>
+              <a:rPr lang="en-US"/>
+              <a:t/>
+            </a:r>
+          </a:p>
+        </p:txBody>
+      </p:sp>
+    </p:spTree>
+  </p:cSld>
+</p:sldLayout>
+</file>
+
+<file path=ppt/slideLayouts/slideLayout20.xml><?xml version="1.0" encoding="utf-8"?>
+<p:sldLayout xmlns:a="http://schemas.openxmlformats.org/drawingml/2006/main" xmlns:p="http://schemas.openxmlformats.org/presentationml/2006/main" xmlns:r="http://schemas.openxmlformats.org/officeDocument/2006/relationships" xmlns:p14="http://schemas.microsoft.com/office/powerpoint/2010/main" xmlns:p15="http://schemas.microsoft.com/office/powerpoint/2012/main" xmlns:mc="http://schemas.openxmlformats.org/markup-compatibility/2006" type="objAndTwoObj" preserve="1">
+  <p:cSld name="Title Content and 2 Content">
+    <p:spTree>
+      <p:nvGrpSpPr>
+        <p:cNvPr id="1" name=""/>
+        <p:cNvGrpSpPr/>
+        <p:nvPr/>
+      </p:nvGrpSpPr>
+      <p:grpSpPr>
+        <a:xfrm>
+          <a:off x="0" y="0"/>
+          <a:ext cx="0" cy="0"/>
+          <a:chOff x="0" y="0"/>
+          <a:chExt cx="0" cy="0"/>
+        </a:xfrm>
+      </p:grpSpPr>
+      <p:sp>
+        <p:nvSpPr>
+          <p:cNvPr id="59" name="PlaceHolder 1"/>
+          <p:cNvSpPr>
+            <a:spLocks noGrp="1"/>
+          </p:cNvSpPr>
+          <p:nvPr>
+            <p:ph type="title"/>
+          </p:nvPr>
+        </p:nvSpPr>
+        <p:spPr>
+          <a:xfrm>
+            <a:off x="504000" y="226080"/>
+            <a:ext cx="9071280" cy="946080"/>
+          </a:xfrm>
+          <a:prstGeom prst="rect">
+            <a:avLst/>
+          </a:prstGeom>
+          <a:noFill/>
+          <a:ln w="0">
+            <a:noFill/>
+          </a:ln>
+        </p:spPr>
+        <p:txBody>
+          <a:bodyPr lIns="0" rIns="0" tIns="0" bIns="0" anchor="ctr">
+            <a:noAutofit/>
+          </a:bodyPr>
+          <a:p>
+            <a:pPr indent="0" algn="ctr">
+              <a:buNone/>
+            </a:pPr>
+            <a:endParaRPr b="0" lang="en-US" sz="4400" spc="-1" strike="noStrike">
+              <a:solidFill>
+                <a:srgbClr val="000000"/>
+              </a:solidFill>
+              <a:latin typeface="Arial"/>
+            </a:endParaRPr>
+          </a:p>
+        </p:txBody>
+      </p:sp>
+      <p:sp>
+        <p:nvSpPr>
+          <p:cNvPr id="60" name="PlaceHolder 2"/>
+          <p:cNvSpPr>
+            <a:spLocks noGrp="1"/>
+          </p:cNvSpPr>
+          <p:nvPr>
+            <p:ph/>
+          </p:nvPr>
+        </p:nvSpPr>
+        <p:spPr>
+          <a:xfrm>
+            <a:off x="504000" y="1326600"/>
+            <a:ext cx="4426920" cy="3288600"/>
+          </a:xfrm>
+          <a:prstGeom prst="rect">
+            <a:avLst/>
+          </a:prstGeom>
+          <a:noFill/>
+          <a:ln w="0">
+            <a:noFill/>
+          </a:ln>
+        </p:spPr>
+        <p:txBody>
+          <a:bodyPr lIns="0" rIns="0" tIns="0" bIns="0" anchor="t">
+            <a:normAutofit/>
+          </a:bodyPr>
+          <a:p>
+            <a:pPr indent="0">
+              <a:spcBef>
+                <a:spcPts val="1417"/>
+              </a:spcBef>
+              <a:buNone/>
+            </a:pPr>
+            <a:endParaRPr b="0" lang="en-US" sz="3200" spc="-1" strike="noStrike">
+              <a:solidFill>
+                <a:srgbClr val="000000"/>
+              </a:solidFill>
+              <a:latin typeface="Arial"/>
+            </a:endParaRPr>
+          </a:p>
+        </p:txBody>
+      </p:sp>
+      <p:sp>
+        <p:nvSpPr>
+          <p:cNvPr id="61" name="PlaceHolder 3"/>
+          <p:cNvSpPr>
+            <a:spLocks noGrp="1"/>
+          </p:cNvSpPr>
+          <p:nvPr>
+            <p:ph/>
+          </p:nvPr>
+        </p:nvSpPr>
+        <p:spPr>
+          <a:xfrm>
+            <a:off x="5152680" y="1326600"/>
+            <a:ext cx="4426920" cy="1568520"/>
+          </a:xfrm>
+          <a:prstGeom prst="rect">
+            <a:avLst/>
+          </a:prstGeom>
+          <a:noFill/>
+          <a:ln w="0">
+            <a:noFill/>
+          </a:ln>
+        </p:spPr>
+        <p:txBody>
+          <a:bodyPr lIns="0" rIns="0" tIns="0" bIns="0" anchor="t">
+            <a:normAutofit/>
+          </a:bodyPr>
+          <a:p>
+            <a:pPr indent="0">
+              <a:spcBef>
+                <a:spcPts val="1417"/>
+              </a:spcBef>
+              <a:buNone/>
+            </a:pPr>
+            <a:endParaRPr b="0" lang="en-US" sz="3200" spc="-1" strike="noStrike">
+              <a:solidFill>
+                <a:srgbClr val="000000"/>
+              </a:solidFill>
+              <a:latin typeface="Arial"/>
+            </a:endParaRPr>
+          </a:p>
+        </p:txBody>
+      </p:sp>
+      <p:sp>
+        <p:nvSpPr>
+          <p:cNvPr id="62" name="PlaceHolder 4"/>
+          <p:cNvSpPr>
+            <a:spLocks noGrp="1"/>
+          </p:cNvSpPr>
+          <p:nvPr>
+            <p:ph/>
+          </p:nvPr>
+        </p:nvSpPr>
+        <p:spPr>
+          <a:xfrm>
+            <a:off x="5152680" y="3044520"/>
+            <a:ext cx="4426920" cy="1568520"/>
+          </a:xfrm>
+          <a:prstGeom prst="rect">
+            <a:avLst/>
+          </a:prstGeom>
+          <a:noFill/>
+          <a:ln w="0">
+            <a:noFill/>
+          </a:ln>
+        </p:spPr>
+        <p:txBody>
+          <a:bodyPr lIns="0" rIns="0" tIns="0" bIns="0" anchor="t">
+            <a:normAutofit/>
+          </a:bodyPr>
+          <a:p>
+            <a:pPr indent="0">
+              <a:spcBef>
+                <a:spcPts val="1417"/>
+              </a:spcBef>
+              <a:buNone/>
+            </a:pPr>
+            <a:endParaRPr b="0" lang="en-US" sz="3200" spc="-1" strike="noStrike">
+              <a:solidFill>
+                <a:srgbClr val="000000"/>
+              </a:solidFill>
+              <a:latin typeface="Arial"/>
+            </a:endParaRPr>
+          </a:p>
+        </p:txBody>
+      </p:sp>
+      <p:sp>
+        <p:nvSpPr>
+          <p:cNvPr id="6" name="PlaceHolder 5"/>
+          <p:cNvSpPr>
+            <a:spLocks noGrp="1"/>
+          </p:cNvSpPr>
+          <p:nvPr>
+            <p:ph type="ftr" idx="4"/>
+          </p:nvPr>
+        </p:nvSpPr>
+        <p:spPr/>
+        <p:txBody>
+          <a:bodyPr/>
+          <a:p>
+            <a:r>
+              <a:t>Footer</a:t>
+            </a:r>
+          </a:p>
+        </p:txBody>
+      </p:sp>
+      <p:sp>
+        <p:nvSpPr>
+          <p:cNvPr id="7" name="PlaceHolder 6"/>
+          <p:cNvSpPr>
+            <a:spLocks noGrp="1"/>
+          </p:cNvSpPr>
+          <p:nvPr>
+            <p:ph type="sldNum" idx="5"/>
+          </p:nvPr>
+        </p:nvSpPr>
+        <p:spPr/>
+        <p:txBody>
+          <a:bodyPr/>
+          <a:p>
+            <a:fld id="{ABB7EB5C-51EC-4C34-B722-414E9A67C857}" type="slidenum">
+              <a:t>&lt;#&gt;</a:t>
+            </a:fld>
+          </a:p>
+        </p:txBody>
+      </p:sp>
+      <p:sp>
+        <p:nvSpPr>
+          <p:cNvPr id="8" name="PlaceHolder 7"/>
+          <p:cNvSpPr>
+            <a:spLocks noGrp="1"/>
+          </p:cNvSpPr>
+          <p:nvPr>
+            <p:ph type="dt" idx="6"/>
+          </p:nvPr>
+        </p:nvSpPr>
+        <p:spPr/>
+        <p:txBody>
+          <a:bodyPr/>
+          <a:p>
+            <a:r>
+              <a:rPr lang="en-US"/>
+              <a:t/>
+            </a:r>
+          </a:p>
+        </p:txBody>
+      </p:sp>
+    </p:spTree>
+  </p:cSld>
+</p:sldLayout>
+</file>
+
+<file path=ppt/slideLayouts/slideLayout21.xml><?xml version="1.0" encoding="utf-8"?>
+<p:sldLayout xmlns:a="http://schemas.openxmlformats.org/drawingml/2006/main" xmlns:p="http://schemas.openxmlformats.org/presentationml/2006/main" xmlns:r="http://schemas.openxmlformats.org/officeDocument/2006/relationships" xmlns:p14="http://schemas.microsoft.com/office/powerpoint/2010/main" xmlns:p15="http://schemas.microsoft.com/office/powerpoint/2012/main" xmlns:mc="http://schemas.openxmlformats.org/markup-compatibility/2006" type="twoObjOverTx" preserve="1">
+  <p:cSld name="Title, 2 Content over Content">
+    <p:spTree>
+      <p:nvGrpSpPr>
+        <p:cNvPr id="1" name=""/>
+        <p:cNvGrpSpPr/>
+        <p:nvPr/>
+      </p:nvGrpSpPr>
+      <p:grpSpPr>
+        <a:xfrm>
+          <a:off x="0" y="0"/>
+          <a:ext cx="0" cy="0"/>
+          <a:chOff x="0" y="0"/>
+          <a:chExt cx="0" cy="0"/>
+        </a:xfrm>
+      </p:grpSpPr>
+      <p:sp>
+        <p:nvSpPr>
+          <p:cNvPr id="63" name="PlaceHolder 1"/>
+          <p:cNvSpPr>
+            <a:spLocks noGrp="1"/>
+          </p:cNvSpPr>
+          <p:nvPr>
+            <p:ph type="title"/>
+          </p:nvPr>
+        </p:nvSpPr>
+        <p:spPr>
+          <a:xfrm>
+            <a:off x="504000" y="226080"/>
+            <a:ext cx="9071280" cy="946080"/>
+          </a:xfrm>
+          <a:prstGeom prst="rect">
+            <a:avLst/>
+          </a:prstGeom>
+          <a:noFill/>
+          <a:ln w="0">
+            <a:noFill/>
+          </a:ln>
+        </p:spPr>
+        <p:txBody>
+          <a:bodyPr lIns="0" rIns="0" tIns="0" bIns="0" anchor="ctr">
+            <a:noAutofit/>
+          </a:bodyPr>
+          <a:p>
+            <a:pPr indent="0" algn="ctr">
+              <a:buNone/>
+            </a:pPr>
+            <a:endParaRPr b="0" lang="en-US" sz="4400" spc="-1" strike="noStrike">
+              <a:solidFill>
+                <a:srgbClr val="000000"/>
+              </a:solidFill>
+              <a:latin typeface="Arial"/>
+            </a:endParaRPr>
+          </a:p>
+        </p:txBody>
+      </p:sp>
+      <p:sp>
+        <p:nvSpPr>
+          <p:cNvPr id="64" name="PlaceHolder 2"/>
+          <p:cNvSpPr>
+            <a:spLocks noGrp="1"/>
+          </p:cNvSpPr>
+          <p:nvPr>
+            <p:ph/>
+          </p:nvPr>
+        </p:nvSpPr>
+        <p:spPr>
+          <a:xfrm>
+            <a:off x="504000" y="1326600"/>
+            <a:ext cx="4426920" cy="1568520"/>
+          </a:xfrm>
+          <a:prstGeom prst="rect">
+            <a:avLst/>
+          </a:prstGeom>
+          <a:noFill/>
+          <a:ln w="0">
+            <a:noFill/>
+          </a:ln>
+        </p:spPr>
+        <p:txBody>
+          <a:bodyPr lIns="0" rIns="0" tIns="0" bIns="0" anchor="t">
+            <a:normAutofit/>
+          </a:bodyPr>
+          <a:p>
+            <a:pPr indent="0">
+              <a:spcBef>
+                <a:spcPts val="1417"/>
+              </a:spcBef>
+              <a:buNone/>
+            </a:pPr>
+            <a:endParaRPr b="0" lang="en-US" sz="3200" spc="-1" strike="noStrike">
+              <a:solidFill>
+                <a:srgbClr val="000000"/>
+              </a:solidFill>
+              <a:latin typeface="Arial"/>
+            </a:endParaRPr>
+          </a:p>
+        </p:txBody>
+      </p:sp>
+      <p:sp>
+        <p:nvSpPr>
+          <p:cNvPr id="65" name="PlaceHolder 3"/>
+          <p:cNvSpPr>
+            <a:spLocks noGrp="1"/>
+          </p:cNvSpPr>
+          <p:nvPr>
+            <p:ph/>
+          </p:nvPr>
+        </p:nvSpPr>
+        <p:spPr>
+          <a:xfrm>
+            <a:off x="5152680" y="1326600"/>
+            <a:ext cx="4426920" cy="1568520"/>
+          </a:xfrm>
+          <a:prstGeom prst="rect">
+            <a:avLst/>
+          </a:prstGeom>
+          <a:noFill/>
+          <a:ln w="0">
+            <a:noFill/>
+          </a:ln>
+        </p:spPr>
+        <p:txBody>
+          <a:bodyPr lIns="0" rIns="0" tIns="0" bIns="0" anchor="t">
+            <a:normAutofit/>
+          </a:bodyPr>
+          <a:p>
+            <a:pPr indent="0">
+              <a:spcBef>
+                <a:spcPts val="1417"/>
+              </a:spcBef>
+              <a:buNone/>
+            </a:pPr>
+            <a:endParaRPr b="0" lang="en-US" sz="3200" spc="-1" strike="noStrike">
+              <a:solidFill>
+                <a:srgbClr val="000000"/>
+              </a:solidFill>
+              <a:latin typeface="Arial"/>
+            </a:endParaRPr>
+          </a:p>
+        </p:txBody>
+      </p:sp>
+      <p:sp>
+        <p:nvSpPr>
+          <p:cNvPr id="66" name="PlaceHolder 4"/>
+          <p:cNvSpPr>
+            <a:spLocks noGrp="1"/>
+          </p:cNvSpPr>
+          <p:nvPr>
+            <p:ph/>
+          </p:nvPr>
+        </p:nvSpPr>
+        <p:spPr>
+          <a:xfrm>
+            <a:off x="504000" y="3044520"/>
+            <a:ext cx="9072000" cy="1568520"/>
+          </a:xfrm>
+          <a:prstGeom prst="rect">
+            <a:avLst/>
+          </a:prstGeom>
+          <a:noFill/>
+          <a:ln w="0">
+            <a:noFill/>
+          </a:ln>
+        </p:spPr>
+        <p:txBody>
+          <a:bodyPr lIns="0" rIns="0" tIns="0" bIns="0" anchor="t">
+            <a:normAutofit/>
+          </a:bodyPr>
+          <a:p>
+            <a:pPr indent="0">
+              <a:spcBef>
+                <a:spcPts val="1417"/>
+              </a:spcBef>
+              <a:buNone/>
+            </a:pPr>
+            <a:endParaRPr b="0" lang="en-US" sz="3200" spc="-1" strike="noStrike">
+              <a:solidFill>
+                <a:srgbClr val="000000"/>
+              </a:solidFill>
+              <a:latin typeface="Arial"/>
+            </a:endParaRPr>
+          </a:p>
+        </p:txBody>
+      </p:sp>
+      <p:sp>
+        <p:nvSpPr>
+          <p:cNvPr id="6" name="PlaceHolder 5"/>
+          <p:cNvSpPr>
+            <a:spLocks noGrp="1"/>
+          </p:cNvSpPr>
+          <p:nvPr>
+            <p:ph type="ftr" idx="4"/>
+          </p:nvPr>
+        </p:nvSpPr>
+        <p:spPr/>
+        <p:txBody>
+          <a:bodyPr/>
+          <a:p>
+            <a:r>
+              <a:t>Footer</a:t>
+            </a:r>
+          </a:p>
+        </p:txBody>
+      </p:sp>
+      <p:sp>
+        <p:nvSpPr>
+          <p:cNvPr id="7" name="PlaceHolder 6"/>
+          <p:cNvSpPr>
+            <a:spLocks noGrp="1"/>
+          </p:cNvSpPr>
+          <p:nvPr>
+            <p:ph type="sldNum" idx="5"/>
+          </p:nvPr>
+        </p:nvSpPr>
+        <p:spPr/>
+        <p:txBody>
+          <a:bodyPr/>
+          <a:p>
+            <a:fld id="{1C4A66C4-94E0-474F-A4E3-ED1FE3F452E6}" type="slidenum">
+              <a:t>&lt;#&gt;</a:t>
+            </a:fld>
+          </a:p>
+        </p:txBody>
+      </p:sp>
+      <p:sp>
+        <p:nvSpPr>
+          <p:cNvPr id="8" name="PlaceHolder 7"/>
+          <p:cNvSpPr>
+            <a:spLocks noGrp="1"/>
+          </p:cNvSpPr>
+          <p:nvPr>
+            <p:ph type="dt" idx="6"/>
+          </p:nvPr>
+        </p:nvSpPr>
+        <p:spPr/>
+        <p:txBody>
+          <a:bodyPr/>
+          <a:p>
+            <a:r>
+              <a:rPr lang="en-US"/>
+              <a:t/>
+            </a:r>
+          </a:p>
+        </p:txBody>
+      </p:sp>
+    </p:spTree>
+  </p:cSld>
+</p:sldLayout>
+</file>
+
+<file path=ppt/slideLayouts/slideLayout22.xml><?xml version="1.0" encoding="utf-8"?>
+<p:sldLayout xmlns:a="http://schemas.openxmlformats.org/drawingml/2006/main" xmlns:p="http://schemas.openxmlformats.org/presentationml/2006/main" xmlns:r="http://schemas.openxmlformats.org/officeDocument/2006/relationships" xmlns:p14="http://schemas.microsoft.com/office/powerpoint/2010/main" xmlns:p15="http://schemas.microsoft.com/office/powerpoint/2012/main" xmlns:mc="http://schemas.openxmlformats.org/markup-compatibility/2006" type="objOverTx" preserve="1">
+  <p:cSld name="Title, Content over Content">
+    <p:spTree>
+      <p:nvGrpSpPr>
+        <p:cNvPr id="1" name=""/>
+        <p:cNvGrpSpPr/>
+        <p:nvPr/>
+      </p:nvGrpSpPr>
+      <p:grpSpPr>
+        <a:xfrm>
+          <a:off x="0" y="0"/>
+          <a:ext cx="0" cy="0"/>
+          <a:chOff x="0" y="0"/>
+          <a:chExt cx="0" cy="0"/>
+        </a:xfrm>
+      </p:grpSpPr>
+      <p:sp>
+        <p:nvSpPr>
+          <p:cNvPr id="67" name="PlaceHolder 1"/>
+          <p:cNvSpPr>
+            <a:spLocks noGrp="1"/>
+          </p:cNvSpPr>
+          <p:nvPr>
+            <p:ph type="title"/>
+          </p:nvPr>
+        </p:nvSpPr>
+        <p:spPr>
+          <a:xfrm>
+            <a:off x="504000" y="226080"/>
+            <a:ext cx="9071280" cy="946080"/>
+          </a:xfrm>
+          <a:prstGeom prst="rect">
+            <a:avLst/>
+          </a:prstGeom>
+          <a:noFill/>
+          <a:ln w="0">
+            <a:noFill/>
+          </a:ln>
+        </p:spPr>
+        <p:txBody>
+          <a:bodyPr lIns="0" rIns="0" tIns="0" bIns="0" anchor="ctr">
+            <a:noAutofit/>
+          </a:bodyPr>
+          <a:p>
+            <a:pPr indent="0" algn="ctr">
+              <a:buNone/>
+            </a:pPr>
+            <a:endParaRPr b="0" lang="en-US" sz="4400" spc="-1" strike="noStrike">
+              <a:solidFill>
+                <a:srgbClr val="000000"/>
+              </a:solidFill>
+              <a:latin typeface="Arial"/>
+            </a:endParaRPr>
+          </a:p>
+        </p:txBody>
+      </p:sp>
+      <p:sp>
+        <p:nvSpPr>
+          <p:cNvPr id="68" name="PlaceHolder 2"/>
+          <p:cNvSpPr>
+            <a:spLocks noGrp="1"/>
+          </p:cNvSpPr>
+          <p:nvPr>
+            <p:ph/>
+          </p:nvPr>
+        </p:nvSpPr>
+        <p:spPr>
+          <a:xfrm>
+            <a:off x="504000" y="1326600"/>
+            <a:ext cx="9072000" cy="1568520"/>
+          </a:xfrm>
+          <a:prstGeom prst="rect">
+            <a:avLst/>
+          </a:prstGeom>
+          <a:noFill/>
+          <a:ln w="0">
+            <a:noFill/>
+          </a:ln>
+        </p:spPr>
+        <p:txBody>
+          <a:bodyPr lIns="0" rIns="0" tIns="0" bIns="0" anchor="t">
+            <a:normAutofit/>
+          </a:bodyPr>
+          <a:p>
+            <a:pPr indent="0">
+              <a:spcBef>
+                <a:spcPts val="1417"/>
+              </a:spcBef>
+              <a:buNone/>
+            </a:pPr>
+            <a:endParaRPr b="0" lang="en-US" sz="3200" spc="-1" strike="noStrike">
+              <a:solidFill>
+                <a:srgbClr val="000000"/>
+              </a:solidFill>
+              <a:latin typeface="Arial"/>
+            </a:endParaRPr>
+          </a:p>
+        </p:txBody>
+      </p:sp>
+      <p:sp>
+        <p:nvSpPr>
+          <p:cNvPr id="69" name="PlaceHolder 3"/>
+          <p:cNvSpPr>
+            <a:spLocks noGrp="1"/>
+          </p:cNvSpPr>
+          <p:nvPr>
+            <p:ph/>
+          </p:nvPr>
+        </p:nvSpPr>
+        <p:spPr>
+          <a:xfrm>
+            <a:off x="504000" y="3044520"/>
+            <a:ext cx="9072000" cy="1568520"/>
+          </a:xfrm>
+          <a:prstGeom prst="rect">
+            <a:avLst/>
+          </a:prstGeom>
+          <a:noFill/>
+          <a:ln w="0">
+            <a:noFill/>
+          </a:ln>
+        </p:spPr>
+        <p:txBody>
+          <a:bodyPr lIns="0" rIns="0" tIns="0" bIns="0" anchor="t">
+            <a:normAutofit/>
+          </a:bodyPr>
+          <a:p>
+            <a:pPr indent="0">
+              <a:spcBef>
+                <a:spcPts val="1417"/>
+              </a:spcBef>
+              <a:buNone/>
+            </a:pPr>
+            <a:endParaRPr b="0" lang="en-US" sz="3200" spc="-1" strike="noStrike">
+              <a:solidFill>
+                <a:srgbClr val="000000"/>
+              </a:solidFill>
+              <a:latin typeface="Arial"/>
+            </a:endParaRPr>
+          </a:p>
+        </p:txBody>
+      </p:sp>
+      <p:sp>
+        <p:nvSpPr>
+          <p:cNvPr id="5" name="PlaceHolder 4"/>
+          <p:cNvSpPr>
+            <a:spLocks noGrp="1"/>
+          </p:cNvSpPr>
+          <p:nvPr>
+            <p:ph type="ftr" idx="4"/>
+          </p:nvPr>
+        </p:nvSpPr>
+        <p:spPr/>
+        <p:txBody>
+          <a:bodyPr/>
+          <a:p>
+            <a:r>
+              <a:t>Footer</a:t>
+            </a:r>
+          </a:p>
+        </p:txBody>
+      </p:sp>
+      <p:sp>
+        <p:nvSpPr>
+          <p:cNvPr id="6" name="PlaceHolder 5"/>
+          <p:cNvSpPr>
+            <a:spLocks noGrp="1"/>
+          </p:cNvSpPr>
+          <p:nvPr>
+            <p:ph type="sldNum" idx="5"/>
+          </p:nvPr>
+        </p:nvSpPr>
+        <p:spPr/>
+        <p:txBody>
+          <a:bodyPr/>
+          <a:p>
+            <a:fld id="{4AAA2DF9-7F5A-49FE-897F-7ABA45DA2CD4}" type="slidenum">
+              <a:t>&lt;#&gt;</a:t>
+            </a:fld>
+          </a:p>
+        </p:txBody>
+      </p:sp>
+      <p:sp>
+        <p:nvSpPr>
+          <p:cNvPr id="7" name="PlaceHolder 6"/>
+          <p:cNvSpPr>
+            <a:spLocks noGrp="1"/>
+          </p:cNvSpPr>
+          <p:nvPr>
+            <p:ph type="dt" idx="6"/>
+          </p:nvPr>
+        </p:nvSpPr>
+        <p:spPr/>
+        <p:txBody>
+          <a:bodyPr/>
+          <a:p>
+            <a:r>
+              <a:rPr lang="en-US"/>
+              <a:t/>
+            </a:r>
+          </a:p>
+        </p:txBody>
+      </p:sp>
+    </p:spTree>
+  </p:cSld>
+</p:sldLayout>
+</file>
+
+<file path=ppt/slideLayouts/slideLayout23.xml><?xml version="1.0" encoding="utf-8"?>
+<p:sldLayout xmlns:a="http://schemas.openxmlformats.org/drawingml/2006/main" xmlns:p="http://schemas.openxmlformats.org/presentationml/2006/main" xmlns:r="http://schemas.openxmlformats.org/officeDocument/2006/relationships" xmlns:p14="http://schemas.microsoft.com/office/powerpoint/2010/main" xmlns:p15="http://schemas.microsoft.com/office/powerpoint/2012/main" xmlns:mc="http://schemas.openxmlformats.org/markup-compatibility/2006" type="fourObj" preserve="1">
+  <p:cSld name="Title, 4 Content">
+    <p:spTree>
+      <p:nvGrpSpPr>
+        <p:cNvPr id="1" name=""/>
+        <p:cNvGrpSpPr/>
+        <p:nvPr/>
+      </p:nvGrpSpPr>
+      <p:grpSpPr>
+        <a:xfrm>
+          <a:off x="0" y="0"/>
+          <a:ext cx="0" cy="0"/>
+          <a:chOff x="0" y="0"/>
+          <a:chExt cx="0" cy="0"/>
+        </a:xfrm>
+      </p:grpSpPr>
+      <p:sp>
+        <p:nvSpPr>
+          <p:cNvPr id="70" name="PlaceHolder 1"/>
+          <p:cNvSpPr>
+            <a:spLocks noGrp="1"/>
+          </p:cNvSpPr>
+          <p:nvPr>
+            <p:ph type="title"/>
+          </p:nvPr>
+        </p:nvSpPr>
+        <p:spPr>
+          <a:xfrm>
+            <a:off x="504000" y="226080"/>
+            <a:ext cx="9071280" cy="946080"/>
+          </a:xfrm>
+          <a:prstGeom prst="rect">
+            <a:avLst/>
+          </a:prstGeom>
+          <a:noFill/>
+          <a:ln w="0">
+            <a:noFill/>
+          </a:ln>
+        </p:spPr>
+        <p:txBody>
+          <a:bodyPr lIns="0" rIns="0" tIns="0" bIns="0" anchor="ctr">
+            <a:noAutofit/>
+          </a:bodyPr>
+          <a:p>
+            <a:pPr indent="0" algn="ctr">
+              <a:buNone/>
+            </a:pPr>
+            <a:endParaRPr b="0" lang="en-US" sz="4400" spc="-1" strike="noStrike">
+              <a:solidFill>
+                <a:srgbClr val="000000"/>
+              </a:solidFill>
+              <a:latin typeface="Arial"/>
+            </a:endParaRPr>
+          </a:p>
+        </p:txBody>
+      </p:sp>
+      <p:sp>
+        <p:nvSpPr>
+          <p:cNvPr id="71" name="PlaceHolder 2"/>
+          <p:cNvSpPr>
+            <a:spLocks noGrp="1"/>
+          </p:cNvSpPr>
+          <p:nvPr>
+            <p:ph/>
+          </p:nvPr>
+        </p:nvSpPr>
+        <p:spPr>
+          <a:xfrm>
+            <a:off x="504000" y="1326600"/>
+            <a:ext cx="4426920" cy="1568520"/>
+          </a:xfrm>
+          <a:prstGeom prst="rect">
+            <a:avLst/>
+          </a:prstGeom>
+          <a:noFill/>
+          <a:ln w="0">
+            <a:noFill/>
+          </a:ln>
+        </p:spPr>
+        <p:txBody>
+          <a:bodyPr lIns="0" rIns="0" tIns="0" bIns="0" anchor="t">
+            <a:normAutofit/>
+          </a:bodyPr>
+          <a:p>
+            <a:pPr indent="0">
+              <a:spcBef>
+                <a:spcPts val="1417"/>
+              </a:spcBef>
+              <a:buNone/>
+            </a:pPr>
+            <a:endParaRPr b="0" lang="en-US" sz="3200" spc="-1" strike="noStrike">
+              <a:solidFill>
+                <a:srgbClr val="000000"/>
+              </a:solidFill>
+              <a:latin typeface="Arial"/>
+            </a:endParaRPr>
+          </a:p>
+        </p:txBody>
+      </p:sp>
+      <p:sp>
+        <p:nvSpPr>
+          <p:cNvPr id="72" name="PlaceHolder 3"/>
+          <p:cNvSpPr>
+            <a:spLocks noGrp="1"/>
+          </p:cNvSpPr>
+          <p:nvPr>
+            <p:ph/>
+          </p:nvPr>
+        </p:nvSpPr>
+        <p:spPr>
+          <a:xfrm>
+            <a:off x="5152680" y="1326600"/>
+            <a:ext cx="4426920" cy="1568520"/>
+          </a:xfrm>
+          <a:prstGeom prst="rect">
+            <a:avLst/>
+          </a:prstGeom>
+          <a:noFill/>
+          <a:ln w="0">
+            <a:noFill/>
+          </a:ln>
+        </p:spPr>
+        <p:txBody>
+          <a:bodyPr lIns="0" rIns="0" tIns="0" bIns="0" anchor="t">
+            <a:normAutofit/>
+          </a:bodyPr>
+          <a:p>
+            <a:pPr indent="0">
+              <a:spcBef>
+                <a:spcPts val="1417"/>
+              </a:spcBef>
+              <a:buNone/>
+            </a:pPr>
+            <a:endParaRPr b="0" lang="en-US" sz="3200" spc="-1" strike="noStrike">
+              <a:solidFill>
+                <a:srgbClr val="000000"/>
+              </a:solidFill>
+              <a:latin typeface="Arial"/>
+            </a:endParaRPr>
+          </a:p>
+        </p:txBody>
+      </p:sp>
+      <p:sp>
+        <p:nvSpPr>
+          <p:cNvPr id="73" name="PlaceHolder 4"/>
+          <p:cNvSpPr>
+            <a:spLocks noGrp="1"/>
+          </p:cNvSpPr>
+          <p:nvPr>
+            <p:ph/>
+          </p:nvPr>
+        </p:nvSpPr>
+        <p:spPr>
+          <a:xfrm>
+            <a:off x="504000" y="3044520"/>
+            <a:ext cx="4426920" cy="1568520"/>
+          </a:xfrm>
+          <a:prstGeom prst="rect">
+            <a:avLst/>
+          </a:prstGeom>
+          <a:noFill/>
+          <a:ln w="0">
+            <a:noFill/>
+          </a:ln>
+        </p:spPr>
+        <p:txBody>
+          <a:bodyPr lIns="0" rIns="0" tIns="0" bIns="0" anchor="t">
+            <a:normAutofit/>
+          </a:bodyPr>
+          <a:p>
+            <a:pPr indent="0">
+              <a:spcBef>
+                <a:spcPts val="1417"/>
+              </a:spcBef>
+              <a:buNone/>
+            </a:pPr>
+            <a:endParaRPr b="0" lang="en-US" sz="3200" spc="-1" strike="noStrike">
+              <a:solidFill>
+                <a:srgbClr val="000000"/>
+              </a:solidFill>
+              <a:latin typeface="Arial"/>
+            </a:endParaRPr>
+          </a:p>
+        </p:txBody>
+      </p:sp>
+      <p:sp>
+        <p:nvSpPr>
+          <p:cNvPr id="74" name="PlaceHolder 5"/>
+          <p:cNvSpPr>
+            <a:spLocks noGrp="1"/>
+          </p:cNvSpPr>
+          <p:nvPr>
+            <p:ph/>
+          </p:nvPr>
+        </p:nvSpPr>
+        <p:spPr>
+          <a:xfrm>
+            <a:off x="5152680" y="3044520"/>
+            <a:ext cx="4426920" cy="1568520"/>
+          </a:xfrm>
+          <a:prstGeom prst="rect">
+            <a:avLst/>
+          </a:prstGeom>
+          <a:noFill/>
+          <a:ln w="0">
+            <a:noFill/>
+          </a:ln>
+        </p:spPr>
+        <p:txBody>
+          <a:bodyPr lIns="0" rIns="0" tIns="0" bIns="0" anchor="t">
+            <a:normAutofit/>
+          </a:bodyPr>
+          <a:p>
+            <a:pPr indent="0">
+              <a:spcBef>
+                <a:spcPts val="1417"/>
+              </a:spcBef>
+              <a:buNone/>
+            </a:pPr>
+            <a:endParaRPr b="0" lang="en-US" sz="3200" spc="-1" strike="noStrike">
+              <a:solidFill>
+                <a:srgbClr val="000000"/>
+              </a:solidFill>
+              <a:latin typeface="Arial"/>
+            </a:endParaRPr>
+          </a:p>
+        </p:txBody>
+      </p:sp>
+      <p:sp>
+        <p:nvSpPr>
+          <p:cNvPr id="7" name="PlaceHolder 6"/>
+          <p:cNvSpPr>
+            <a:spLocks noGrp="1"/>
+          </p:cNvSpPr>
+          <p:nvPr>
+            <p:ph type="ftr" idx="4"/>
+          </p:nvPr>
+        </p:nvSpPr>
+        <p:spPr/>
+        <p:txBody>
+          <a:bodyPr/>
+          <a:p>
+            <a:r>
+              <a:t>Footer</a:t>
+            </a:r>
+          </a:p>
+        </p:txBody>
+      </p:sp>
+      <p:sp>
+        <p:nvSpPr>
+          <p:cNvPr id="8" name="PlaceHolder 7"/>
+          <p:cNvSpPr>
+            <a:spLocks noGrp="1"/>
+          </p:cNvSpPr>
+          <p:nvPr>
+            <p:ph type="sldNum" idx="5"/>
+          </p:nvPr>
+        </p:nvSpPr>
+        <p:spPr/>
+        <p:txBody>
+          <a:bodyPr/>
+          <a:p>
+            <a:fld id="{66DB6178-3DF8-419A-8C41-14A84DC27802}" type="slidenum">
+              <a:t>&lt;#&gt;</a:t>
+            </a:fld>
+          </a:p>
+        </p:txBody>
+      </p:sp>
+      <p:sp>
+        <p:nvSpPr>
+          <p:cNvPr id="9" name="PlaceHolder 8"/>
+          <p:cNvSpPr>
+            <a:spLocks noGrp="1"/>
+          </p:cNvSpPr>
+          <p:nvPr>
+            <p:ph type="dt" idx="6"/>
+          </p:nvPr>
+        </p:nvSpPr>
+        <p:spPr/>
+        <p:txBody>
+          <a:bodyPr/>
+          <a:p>
+            <a:r>
+              <a:rPr lang="en-US"/>
+              <a:t/>
+            </a:r>
+          </a:p>
+        </p:txBody>
+      </p:sp>
+    </p:spTree>
+  </p:cSld>
+</p:sldLayout>
+</file>
+
+<file path=ppt/slideLayouts/slideLayout24.xml><?xml version="1.0" encoding="utf-8"?>
+<p:sldLayout xmlns:a="http://schemas.openxmlformats.org/drawingml/2006/main" xmlns:p="http://schemas.openxmlformats.org/presentationml/2006/main" xmlns:r="http://schemas.openxmlformats.org/officeDocument/2006/relationships" xmlns:p14="http://schemas.microsoft.com/office/powerpoint/2010/main" xmlns:p15="http://schemas.microsoft.com/office/powerpoint/2012/main" xmlns:mc="http://schemas.openxmlformats.org/markup-compatibility/2006" type="blank" preserve="1">
+  <p:cSld name="Title, 6 Content">
+    <p:spTree>
+      <p:nvGrpSpPr>
+        <p:cNvPr id="1" name=""/>
+        <p:cNvGrpSpPr/>
+        <p:nvPr/>
+      </p:nvGrpSpPr>
+      <p:grpSpPr>
+        <a:xfrm>
+          <a:off x="0" y="0"/>
+          <a:ext cx="0" cy="0"/>
+          <a:chOff x="0" y="0"/>
+          <a:chExt cx="0" cy="0"/>
+        </a:xfrm>
+      </p:grpSpPr>
+      <p:sp>
+        <p:nvSpPr>
+          <p:cNvPr id="75" name="PlaceHolder 1"/>
+          <p:cNvSpPr>
+            <a:spLocks noGrp="1"/>
+          </p:cNvSpPr>
+          <p:nvPr>
+            <p:ph type="title"/>
+          </p:nvPr>
+        </p:nvSpPr>
+        <p:spPr>
+          <a:xfrm>
+            <a:off x="504000" y="226080"/>
+            <a:ext cx="9071280" cy="946080"/>
+          </a:xfrm>
+          <a:prstGeom prst="rect">
+            <a:avLst/>
+          </a:prstGeom>
+          <a:noFill/>
+          <a:ln w="0">
+            <a:noFill/>
+          </a:ln>
+        </p:spPr>
+        <p:txBody>
+          <a:bodyPr lIns="0" rIns="0" tIns="0" bIns="0" anchor="ctr">
+            <a:noAutofit/>
+          </a:bodyPr>
+          <a:p>
+            <a:pPr indent="0" algn="ctr">
+              <a:buNone/>
+            </a:pPr>
+            <a:endParaRPr b="0" lang="en-US" sz="4400" spc="-1" strike="noStrike">
+              <a:solidFill>
+                <a:srgbClr val="000000"/>
+              </a:solidFill>
+              <a:latin typeface="Arial"/>
+            </a:endParaRPr>
+          </a:p>
+        </p:txBody>
+      </p:sp>
+      <p:sp>
+        <p:nvSpPr>
+          <p:cNvPr id="76" name="PlaceHolder 2"/>
+          <p:cNvSpPr>
+            <a:spLocks noGrp="1"/>
+          </p:cNvSpPr>
+          <p:nvPr>
+            <p:ph/>
+          </p:nvPr>
+        </p:nvSpPr>
+        <p:spPr>
+          <a:xfrm>
+            <a:off x="504000" y="1326600"/>
+            <a:ext cx="2921040" cy="1568520"/>
+          </a:xfrm>
+          <a:prstGeom prst="rect">
+            <a:avLst/>
+          </a:prstGeom>
+          <a:noFill/>
+          <a:ln w="0">
+            <a:noFill/>
+          </a:ln>
+        </p:spPr>
+        <p:txBody>
+          <a:bodyPr lIns="0" rIns="0" tIns="0" bIns="0" anchor="t">
+            <a:normAutofit/>
+          </a:bodyPr>
+          <a:p>
+            <a:pPr indent="0">
+              <a:spcBef>
+                <a:spcPts val="1417"/>
+              </a:spcBef>
+              <a:buNone/>
+            </a:pPr>
+            <a:endParaRPr b="0" lang="en-US" sz="3200" spc="-1" strike="noStrike">
+              <a:solidFill>
+                <a:srgbClr val="000000"/>
+              </a:solidFill>
+              <a:latin typeface="Arial"/>
+            </a:endParaRPr>
+          </a:p>
+        </p:txBody>
+      </p:sp>
+      <p:sp>
+        <p:nvSpPr>
+          <p:cNvPr id="77" name="PlaceHolder 3"/>
+          <p:cNvSpPr>
+            <a:spLocks noGrp="1"/>
+          </p:cNvSpPr>
+          <p:nvPr>
+            <p:ph/>
+          </p:nvPr>
+        </p:nvSpPr>
+        <p:spPr>
+          <a:xfrm>
+            <a:off x="3571560" y="1326600"/>
+            <a:ext cx="2921040" cy="1568520"/>
+          </a:xfrm>
+          <a:prstGeom prst="rect">
+            <a:avLst/>
+          </a:prstGeom>
+          <a:noFill/>
+          <a:ln w="0">
+            <a:noFill/>
+          </a:ln>
+        </p:spPr>
+        <p:txBody>
+          <a:bodyPr lIns="0" rIns="0" tIns="0" bIns="0" anchor="t">
+            <a:normAutofit/>
+          </a:bodyPr>
+          <a:p>
+            <a:pPr indent="0">
+              <a:spcBef>
+                <a:spcPts val="1417"/>
+              </a:spcBef>
+              <a:buNone/>
+            </a:pPr>
+            <a:endParaRPr b="0" lang="en-US" sz="3200" spc="-1" strike="noStrike">
+              <a:solidFill>
+                <a:srgbClr val="000000"/>
+              </a:solidFill>
+              <a:latin typeface="Arial"/>
+            </a:endParaRPr>
+          </a:p>
+        </p:txBody>
+      </p:sp>
+      <p:sp>
+        <p:nvSpPr>
+          <p:cNvPr id="78" name="PlaceHolder 4"/>
+          <p:cNvSpPr>
+            <a:spLocks noGrp="1"/>
+          </p:cNvSpPr>
+          <p:nvPr>
+            <p:ph/>
+          </p:nvPr>
+        </p:nvSpPr>
+        <p:spPr>
+          <a:xfrm>
+            <a:off x="6639120" y="1326600"/>
+            <a:ext cx="2921040" cy="1568520"/>
+          </a:xfrm>
+          <a:prstGeom prst="rect">
+            <a:avLst/>
+          </a:prstGeom>
+          <a:noFill/>
+          <a:ln w="0">
+            <a:noFill/>
+          </a:ln>
+        </p:spPr>
+        <p:txBody>
+          <a:bodyPr lIns="0" rIns="0" tIns="0" bIns="0" anchor="t">
+            <a:normAutofit/>
+          </a:bodyPr>
+          <a:p>
+            <a:pPr indent="0">
+              <a:spcBef>
+                <a:spcPts val="1417"/>
+              </a:spcBef>
+              <a:buNone/>
+            </a:pPr>
+            <a:endParaRPr b="0" lang="en-US" sz="3200" spc="-1" strike="noStrike">
+              <a:solidFill>
+                <a:srgbClr val="000000"/>
+              </a:solidFill>
+              <a:latin typeface="Arial"/>
+            </a:endParaRPr>
+          </a:p>
+        </p:txBody>
+      </p:sp>
+      <p:sp>
+        <p:nvSpPr>
+          <p:cNvPr id="79" name="PlaceHolder 5"/>
+          <p:cNvSpPr>
+            <a:spLocks noGrp="1"/>
+          </p:cNvSpPr>
+          <p:nvPr>
+            <p:ph/>
+          </p:nvPr>
+        </p:nvSpPr>
+        <p:spPr>
+          <a:xfrm>
+            <a:off x="504000" y="3044520"/>
+            <a:ext cx="2921040" cy="1568520"/>
+          </a:xfrm>
+          <a:prstGeom prst="rect">
+            <a:avLst/>
+          </a:prstGeom>
+          <a:noFill/>
+          <a:ln w="0">
+            <a:noFill/>
+          </a:ln>
+        </p:spPr>
+        <p:txBody>
+          <a:bodyPr lIns="0" rIns="0" tIns="0" bIns="0" anchor="t">
+            <a:normAutofit/>
+          </a:bodyPr>
+          <a:p>
+            <a:pPr indent="0">
+              <a:spcBef>
+                <a:spcPts val="1417"/>
+              </a:spcBef>
+              <a:buNone/>
+            </a:pPr>
+            <a:endParaRPr b="0" lang="en-US" sz="3200" spc="-1" strike="noStrike">
+              <a:solidFill>
+                <a:srgbClr val="000000"/>
+              </a:solidFill>
+              <a:latin typeface="Arial"/>
+            </a:endParaRPr>
+          </a:p>
+        </p:txBody>
+      </p:sp>
+      <p:sp>
+        <p:nvSpPr>
+          <p:cNvPr id="80" name="PlaceHolder 6"/>
+          <p:cNvSpPr>
+            <a:spLocks noGrp="1"/>
+          </p:cNvSpPr>
+          <p:nvPr>
+            <p:ph/>
+          </p:nvPr>
+        </p:nvSpPr>
+        <p:spPr>
+          <a:xfrm>
+            <a:off x="3571560" y="3044520"/>
+            <a:ext cx="2921040" cy="1568520"/>
+          </a:xfrm>
+          <a:prstGeom prst="rect">
+            <a:avLst/>
+          </a:prstGeom>
+          <a:noFill/>
+          <a:ln w="0">
+            <a:noFill/>
+          </a:ln>
+        </p:spPr>
+        <p:txBody>
+          <a:bodyPr lIns="0" rIns="0" tIns="0" bIns="0" anchor="t">
+            <a:normAutofit/>
+          </a:bodyPr>
+          <a:p>
+            <a:pPr indent="0">
+              <a:spcBef>
+                <a:spcPts val="1417"/>
+              </a:spcBef>
+              <a:buNone/>
+            </a:pPr>
+            <a:endParaRPr b="0" lang="en-US" sz="3200" spc="-1" strike="noStrike">
+              <a:solidFill>
+                <a:srgbClr val="000000"/>
+              </a:solidFill>
+              <a:latin typeface="Arial"/>
+            </a:endParaRPr>
+          </a:p>
+        </p:txBody>
+      </p:sp>
+      <p:sp>
+        <p:nvSpPr>
+          <p:cNvPr id="81" name="PlaceHolder 7"/>
+          <p:cNvSpPr>
+            <a:spLocks noGrp="1"/>
+          </p:cNvSpPr>
+          <p:nvPr>
+            <p:ph/>
+          </p:nvPr>
+        </p:nvSpPr>
+        <p:spPr>
+          <a:xfrm>
+            <a:off x="6639120" y="3044520"/>
+            <a:ext cx="2921040" cy="1568520"/>
+          </a:xfrm>
+          <a:prstGeom prst="rect">
+            <a:avLst/>
+          </a:prstGeom>
+          <a:noFill/>
+          <a:ln w="0">
+            <a:noFill/>
+          </a:ln>
+        </p:spPr>
+        <p:txBody>
+          <a:bodyPr lIns="0" rIns="0" tIns="0" bIns="0" anchor="t">
+            <a:normAutofit/>
+          </a:bodyPr>
+          <a:p>
+            <a:pPr indent="0">
+              <a:spcBef>
+                <a:spcPts val="1417"/>
+              </a:spcBef>
+              <a:buNone/>
+            </a:pPr>
+            <a:endParaRPr b="0" lang="en-US" sz="3200" spc="-1" strike="noStrike">
+              <a:solidFill>
+                <a:srgbClr val="000000"/>
+              </a:solidFill>
+              <a:latin typeface="Arial"/>
+            </a:endParaRPr>
+          </a:p>
+        </p:txBody>
+      </p:sp>
+      <p:sp>
+        <p:nvSpPr>
+          <p:cNvPr id="9" name="PlaceHolder 8"/>
+          <p:cNvSpPr>
+            <a:spLocks noGrp="1"/>
+          </p:cNvSpPr>
+          <p:nvPr>
+            <p:ph type="ftr" idx="4"/>
+          </p:nvPr>
+        </p:nvSpPr>
+        <p:spPr/>
+        <p:txBody>
+          <a:bodyPr/>
+          <a:p>
+            <a:r>
+              <a:t>Footer</a:t>
+            </a:r>
+          </a:p>
+        </p:txBody>
+      </p:sp>
+      <p:sp>
+        <p:nvSpPr>
+          <p:cNvPr id="10" name="PlaceHolder 9"/>
+          <p:cNvSpPr>
+            <a:spLocks noGrp="1"/>
+          </p:cNvSpPr>
+          <p:nvPr>
+            <p:ph type="sldNum" idx="5"/>
+          </p:nvPr>
+        </p:nvSpPr>
+        <p:spPr/>
+        <p:txBody>
+          <a:bodyPr/>
+          <a:p>
+            <a:fld id="{186035CE-EEF1-4CF4-BFFA-00A8D2C13727}" type="slidenum">
+              <a:t>&lt;#&gt;</a:t>
+            </a:fld>
+          </a:p>
+        </p:txBody>
+      </p:sp>
+      <p:sp>
+        <p:nvSpPr>
+          <p:cNvPr id="11" name="PlaceHolder 10"/>
+          <p:cNvSpPr>
+            <a:spLocks noGrp="1"/>
+          </p:cNvSpPr>
+          <p:nvPr>
+            <p:ph type="dt" idx="6"/>
+          </p:nvPr>
+        </p:nvSpPr>
+        <p:spPr/>
+        <p:txBody>
+          <a:bodyPr/>
+          <a:p>
+            <a:r>
+              <a:rPr lang="en-US"/>
+              <a:t/>
+            </a:r>
+          </a:p>
+        </p:txBody>
+      </p:sp>
+    </p:spTree>
+  </p:cSld>
+</p:sldLayout>
+</file>
+
+<file path=ppt/slideLayouts/slideLayout25.xml><?xml version="1.0" encoding="utf-8"?>
+<p:sldLayout xmlns:a="http://schemas.openxmlformats.org/drawingml/2006/main" xmlns:p="http://schemas.openxmlformats.org/presentationml/2006/main" xmlns:r="http://schemas.openxmlformats.org/officeDocument/2006/relationships" xmlns:p14="http://schemas.microsoft.com/office/powerpoint/2010/main" xmlns:p15="http://schemas.microsoft.com/office/powerpoint/2012/main" xmlns:mc="http://schemas.openxmlformats.org/markup-compatibility/2006" type="blank" preserve="1">
+  <p:cSld name="Blank Slide">
+    <p:spTree>
+      <p:nvGrpSpPr>
+        <p:cNvPr id="1" name=""/>
+        <p:cNvGrpSpPr/>
+        <p:nvPr/>
+      </p:nvGrpSpPr>
+      <p:grpSpPr>
+        <a:xfrm>
+          <a:off x="0" y="0"/>
+          <a:ext cx="0" cy="0"/>
+          <a:chOff x="0" y="0"/>
+          <a:chExt cx="0" cy="0"/>
+        </a:xfrm>
+      </p:grpSpPr>
+      <p:sp>
+        <p:nvSpPr>
+          <p:cNvPr id="2" name="PlaceHolder 1"/>
+          <p:cNvSpPr>
+            <a:spLocks noGrp="1"/>
+          </p:cNvSpPr>
+          <p:nvPr>
+            <p:ph type="ftr" idx="7"/>
+          </p:nvPr>
+        </p:nvSpPr>
+        <p:spPr/>
+        <p:txBody>
+          <a:bodyPr/>
+          <a:p>
+            <a:r>
+              <a:t>Footer</a:t>
+            </a:r>
+          </a:p>
+        </p:txBody>
+      </p:sp>
+      <p:sp>
+        <p:nvSpPr>
+          <p:cNvPr id="3" name="PlaceHolder 2"/>
+          <p:cNvSpPr>
+            <a:spLocks noGrp="1"/>
+          </p:cNvSpPr>
+          <p:nvPr>
+            <p:ph type="sldNum" idx="8"/>
+          </p:nvPr>
+        </p:nvSpPr>
+        <p:spPr/>
+        <p:txBody>
+          <a:bodyPr/>
+          <a:p>
+            <a:fld id="{0082036C-9CBD-454F-8663-640215C6380F}" type="slidenum">
+              <a:t>&lt;#&gt;</a:t>
+            </a:fld>
+          </a:p>
+        </p:txBody>
+      </p:sp>
+      <p:sp>
+        <p:nvSpPr>
+          <p:cNvPr id="4" name="PlaceHolder 3"/>
+          <p:cNvSpPr>
+            <a:spLocks noGrp="1"/>
+          </p:cNvSpPr>
+          <p:nvPr>
+            <p:ph type="dt" idx="9"/>
+          </p:nvPr>
+        </p:nvSpPr>
+        <p:spPr/>
+        <p:txBody>
+          <a:bodyPr/>
+          <a:p>
+            <a:r>
+              <a:rPr lang="en-US"/>
+              <a:t/>
+            </a:r>
+          </a:p>
+        </p:txBody>
+      </p:sp>
+    </p:spTree>
+  </p:cSld>
+</p:sldLayout>
+</file>
+
+<file path=ppt/slideLayouts/slideLayout26.xml><?xml version="1.0" encoding="utf-8"?>
+<p:sldLayout xmlns:a="http://schemas.openxmlformats.org/drawingml/2006/main" xmlns:p="http://schemas.openxmlformats.org/presentationml/2006/main" xmlns:r="http://schemas.openxmlformats.org/officeDocument/2006/relationships" xmlns:p14="http://schemas.microsoft.com/office/powerpoint/2010/main" xmlns:p15="http://schemas.microsoft.com/office/powerpoint/2012/main" xmlns:mc="http://schemas.openxmlformats.org/markup-compatibility/2006" type="tx" preserve="1">
+  <p:cSld name="Title Slide">
+    <p:spTree>
+      <p:nvGrpSpPr>
+        <p:cNvPr id="1" name=""/>
+        <p:cNvGrpSpPr/>
+        <p:nvPr/>
+      </p:nvGrpSpPr>
+      <p:grpSpPr>
+        <a:xfrm>
+          <a:off x="0" y="0"/>
+          <a:ext cx="0" cy="0"/>
+          <a:chOff x="0" y="0"/>
+          <a:chExt cx="0" cy="0"/>
+        </a:xfrm>
+      </p:grpSpPr>
+      <p:sp>
+        <p:nvSpPr>
+          <p:cNvPr id="87" name="PlaceHolder 1"/>
+          <p:cNvSpPr>
+            <a:spLocks noGrp="1"/>
+          </p:cNvSpPr>
+          <p:nvPr>
+            <p:ph type="title"/>
+          </p:nvPr>
+        </p:nvSpPr>
+        <p:spPr>
+          <a:xfrm>
+            <a:off x="504000" y="226080"/>
+            <a:ext cx="9071280" cy="946080"/>
+          </a:xfrm>
+          <a:prstGeom prst="rect">
+            <a:avLst/>
+          </a:prstGeom>
+          <a:noFill/>
+          <a:ln w="0">
+            <a:noFill/>
+          </a:ln>
+        </p:spPr>
+        <p:txBody>
+          <a:bodyPr lIns="0" rIns="0" tIns="0" bIns="0" anchor="ctr">
+            <a:noAutofit/>
+          </a:bodyPr>
+          <a:p>
+            <a:pPr indent="0" algn="ctr">
+              <a:buNone/>
+            </a:pPr>
+            <a:endParaRPr b="0" lang="en-US" sz="4400" spc="-1" strike="noStrike">
+              <a:solidFill>
+                <a:srgbClr val="000000"/>
+              </a:solidFill>
+              <a:latin typeface="Arial"/>
+            </a:endParaRPr>
+          </a:p>
+        </p:txBody>
+      </p:sp>
+      <p:sp>
+        <p:nvSpPr>
+          <p:cNvPr id="88" name="PlaceHolder 2"/>
+          <p:cNvSpPr>
+            <a:spLocks noGrp="1"/>
+          </p:cNvSpPr>
+          <p:nvPr>
+            <p:ph type="subTitle"/>
+          </p:nvPr>
+        </p:nvSpPr>
+        <p:spPr>
+          <a:xfrm>
+            <a:off x="504000" y="1326600"/>
+            <a:ext cx="9072000" cy="3288600"/>
+          </a:xfrm>
+          <a:prstGeom prst="rect">
+            <a:avLst/>
+          </a:prstGeom>
+          <a:noFill/>
+          <a:ln w="0">
+            <a:noFill/>
+          </a:ln>
+        </p:spPr>
+        <p:txBody>
+          <a:bodyPr lIns="0" rIns="0" tIns="0" bIns="0" anchor="ctr">
+            <a:noAutofit/>
+          </a:bodyPr>
+          <a:p>
+            <a:pPr indent="0" algn="ctr">
+              <a:buNone/>
+            </a:pPr>
+            <a:endParaRPr b="0" lang="en-US" sz="3200" spc="-1" strike="noStrike">
+              <a:solidFill>
+                <a:srgbClr val="000000"/>
+              </a:solidFill>
+              <a:latin typeface="Arial"/>
+            </a:endParaRPr>
+          </a:p>
+        </p:txBody>
+      </p:sp>
+      <p:sp>
+        <p:nvSpPr>
+          <p:cNvPr id="4" name="PlaceHolder 3"/>
+          <p:cNvSpPr>
+            <a:spLocks noGrp="1"/>
+          </p:cNvSpPr>
+          <p:nvPr>
+            <p:ph type="ftr" idx="7"/>
+          </p:nvPr>
+        </p:nvSpPr>
+        <p:spPr/>
+        <p:txBody>
+          <a:bodyPr/>
+          <a:p>
+            <a:r>
+              <a:t>Footer</a:t>
+            </a:r>
+          </a:p>
+        </p:txBody>
+      </p:sp>
+      <p:sp>
+        <p:nvSpPr>
+          <p:cNvPr id="5" name="PlaceHolder 4"/>
+          <p:cNvSpPr>
+            <a:spLocks noGrp="1"/>
+          </p:cNvSpPr>
+          <p:nvPr>
+            <p:ph type="sldNum" idx="8"/>
+          </p:nvPr>
+        </p:nvSpPr>
+        <p:spPr/>
+        <p:txBody>
+          <a:bodyPr/>
+          <a:p>
+            <a:fld id="{42F16A83-3DE0-4026-9A26-4D469C7E1F22}" type="slidenum">
+              <a:t>&lt;#&gt;</a:t>
+            </a:fld>
+          </a:p>
+        </p:txBody>
+      </p:sp>
+      <p:sp>
+        <p:nvSpPr>
+          <p:cNvPr id="6" name="PlaceHolder 5"/>
+          <p:cNvSpPr>
+            <a:spLocks noGrp="1"/>
+          </p:cNvSpPr>
+          <p:nvPr>
+            <p:ph type="dt" idx="9"/>
+          </p:nvPr>
+        </p:nvSpPr>
+        <p:spPr/>
+        <p:txBody>
+          <a:bodyPr/>
+          <a:p>
+            <a:r>
+              <a:rPr lang="en-US"/>
+              <a:t/>
+            </a:r>
+          </a:p>
+        </p:txBody>
+      </p:sp>
+    </p:spTree>
+  </p:cSld>
+</p:sldLayout>
+</file>
+
+<file path=ppt/slideLayouts/slideLayout27.xml><?xml version="1.0" encoding="utf-8"?>
+<p:sldLayout xmlns:a="http://schemas.openxmlformats.org/drawingml/2006/main" xmlns:p="http://schemas.openxmlformats.org/presentationml/2006/main" xmlns:r="http://schemas.openxmlformats.org/officeDocument/2006/relationships" xmlns:p14="http://schemas.microsoft.com/office/powerpoint/2010/main" xmlns:p15="http://schemas.microsoft.com/office/powerpoint/2012/main" xmlns:mc="http://schemas.openxmlformats.org/markup-compatibility/2006" type="obj" preserve="1">
+  <p:cSld name="Title, Content">
+    <p:spTree>
+      <p:nvGrpSpPr>
+        <p:cNvPr id="1" name=""/>
+        <p:cNvGrpSpPr/>
+        <p:nvPr/>
+      </p:nvGrpSpPr>
+      <p:grpSpPr>
+        <a:xfrm>
+          <a:off x="0" y="0"/>
+          <a:ext cx="0" cy="0"/>
+          <a:chOff x="0" y="0"/>
+          <a:chExt cx="0" cy="0"/>
+        </a:xfrm>
+      </p:grpSpPr>
+      <p:sp>
+        <p:nvSpPr>
+          <p:cNvPr id="89" name="PlaceHolder 1"/>
+          <p:cNvSpPr>
+            <a:spLocks noGrp="1"/>
+          </p:cNvSpPr>
+          <p:nvPr>
+            <p:ph type="title"/>
+          </p:nvPr>
+        </p:nvSpPr>
+        <p:spPr>
+          <a:xfrm>
+            <a:off x="504000" y="226080"/>
+            <a:ext cx="9071280" cy="946080"/>
+          </a:xfrm>
+          <a:prstGeom prst="rect">
+            <a:avLst/>
+          </a:prstGeom>
+          <a:noFill/>
+          <a:ln w="0">
+            <a:noFill/>
+          </a:ln>
+        </p:spPr>
+        <p:txBody>
+          <a:bodyPr lIns="0" rIns="0" tIns="0" bIns="0" anchor="ctr">
+            <a:noAutofit/>
+          </a:bodyPr>
+          <a:p>
+            <a:pPr indent="0" algn="ctr">
+              <a:buNone/>
+            </a:pPr>
+            <a:endParaRPr b="0" lang="en-US" sz="4400" spc="-1" strike="noStrike">
+              <a:solidFill>
+                <a:srgbClr val="000000"/>
+              </a:solidFill>
+              <a:latin typeface="Arial"/>
+            </a:endParaRPr>
+          </a:p>
+        </p:txBody>
+      </p:sp>
+      <p:sp>
+        <p:nvSpPr>
+          <p:cNvPr id="90" name="PlaceHolder 2"/>
+          <p:cNvSpPr>
+            <a:spLocks noGrp="1"/>
+          </p:cNvSpPr>
+          <p:nvPr>
+            <p:ph/>
+          </p:nvPr>
+        </p:nvSpPr>
+        <p:spPr>
+          <a:xfrm>
+            <a:off x="504000" y="1326600"/>
+            <a:ext cx="9072000" cy="3288600"/>
+          </a:xfrm>
+          <a:prstGeom prst="rect">
+            <a:avLst/>
+          </a:prstGeom>
+          <a:noFill/>
+          <a:ln w="0">
+            <a:noFill/>
+          </a:ln>
+        </p:spPr>
+        <p:txBody>
+          <a:bodyPr lIns="0" rIns="0" tIns="0" bIns="0" anchor="t">
+            <a:normAutofit/>
+          </a:bodyPr>
+          <a:p>
+            <a:pPr indent="0">
+              <a:spcBef>
+                <a:spcPts val="1417"/>
+              </a:spcBef>
+              <a:buNone/>
+            </a:pPr>
+            <a:endParaRPr b="0" lang="en-US" sz="3200" spc="-1" strike="noStrike">
+              <a:solidFill>
+                <a:srgbClr val="000000"/>
+              </a:solidFill>
+              <a:latin typeface="Arial"/>
+            </a:endParaRPr>
+          </a:p>
+        </p:txBody>
+      </p:sp>
+      <p:sp>
+        <p:nvSpPr>
+          <p:cNvPr id="4" name="PlaceHolder 3"/>
+          <p:cNvSpPr>
+            <a:spLocks noGrp="1"/>
+          </p:cNvSpPr>
+          <p:nvPr>
+            <p:ph type="ftr" idx="7"/>
+          </p:nvPr>
+        </p:nvSpPr>
+        <p:spPr/>
+        <p:txBody>
+          <a:bodyPr/>
+          <a:p>
+            <a:r>
+              <a:t>Footer</a:t>
+            </a:r>
+          </a:p>
+        </p:txBody>
+      </p:sp>
+      <p:sp>
+        <p:nvSpPr>
+          <p:cNvPr id="5" name="PlaceHolder 4"/>
+          <p:cNvSpPr>
+            <a:spLocks noGrp="1"/>
+          </p:cNvSpPr>
+          <p:nvPr>
+            <p:ph type="sldNum" idx="8"/>
+          </p:nvPr>
+        </p:nvSpPr>
+        <p:spPr/>
+        <p:txBody>
+          <a:bodyPr/>
+          <a:p>
+            <a:fld id="{6B5CBD79-E0AC-4FD0-9D71-9C3B3FE0B09A}" type="slidenum">
+              <a:t>&lt;#&gt;</a:t>
+            </a:fld>
+          </a:p>
+        </p:txBody>
+      </p:sp>
+      <p:sp>
+        <p:nvSpPr>
+          <p:cNvPr id="6" name="PlaceHolder 5"/>
+          <p:cNvSpPr>
+            <a:spLocks noGrp="1"/>
+          </p:cNvSpPr>
+          <p:nvPr>
+            <p:ph type="dt" idx="9"/>
+          </p:nvPr>
+        </p:nvSpPr>
+        <p:spPr/>
+        <p:txBody>
+          <a:bodyPr/>
+          <a:p>
+            <a:r>
+              <a:rPr lang="en-US"/>
+              <a:t/>
+            </a:r>
+          </a:p>
+        </p:txBody>
+      </p:sp>
+    </p:spTree>
+  </p:cSld>
+</p:sldLayout>
+</file>
+
+<file path=ppt/slideLayouts/slideLayout28.xml><?xml version="1.0" encoding="utf-8"?>
+<p:sldLayout xmlns:a="http://schemas.openxmlformats.org/drawingml/2006/main" xmlns:p="http://schemas.openxmlformats.org/presentationml/2006/main" xmlns:r="http://schemas.openxmlformats.org/officeDocument/2006/relationships" xmlns:p14="http://schemas.microsoft.com/office/powerpoint/2010/main" xmlns:p15="http://schemas.microsoft.com/office/powerpoint/2012/main" xmlns:mc="http://schemas.openxmlformats.org/markup-compatibility/2006" type="twoObj" preserve="1">
+  <p:cSld name="Title, 2 Content">
+    <p:spTree>
+      <p:nvGrpSpPr>
+        <p:cNvPr id="1" name=""/>
+        <p:cNvGrpSpPr/>
+        <p:nvPr/>
+      </p:nvGrpSpPr>
+      <p:grpSpPr>
+        <a:xfrm>
+          <a:off x="0" y="0"/>
+          <a:ext cx="0" cy="0"/>
+          <a:chOff x="0" y="0"/>
+          <a:chExt cx="0" cy="0"/>
+        </a:xfrm>
+      </p:grpSpPr>
+      <p:sp>
+        <p:nvSpPr>
+          <p:cNvPr id="91" name="PlaceHolder 1"/>
+          <p:cNvSpPr>
+            <a:spLocks noGrp="1"/>
+          </p:cNvSpPr>
+          <p:nvPr>
+            <p:ph type="title"/>
+          </p:nvPr>
+        </p:nvSpPr>
+        <p:spPr>
+          <a:xfrm>
+            <a:off x="504000" y="226080"/>
+            <a:ext cx="9071280" cy="946080"/>
+          </a:xfrm>
+          <a:prstGeom prst="rect">
+            <a:avLst/>
+          </a:prstGeom>
+          <a:noFill/>
+          <a:ln w="0">
+            <a:noFill/>
+          </a:ln>
+        </p:spPr>
+        <p:txBody>
+          <a:bodyPr lIns="0" rIns="0" tIns="0" bIns="0" anchor="ctr">
+            <a:noAutofit/>
+          </a:bodyPr>
+          <a:p>
+            <a:pPr indent="0" algn="ctr">
+              <a:buNone/>
+            </a:pPr>
+            <a:endParaRPr b="0" lang="en-US" sz="4400" spc="-1" strike="noStrike">
+              <a:solidFill>
+                <a:srgbClr val="000000"/>
+              </a:solidFill>
+              <a:latin typeface="Arial"/>
+            </a:endParaRPr>
+          </a:p>
+        </p:txBody>
+      </p:sp>
+      <p:sp>
+        <p:nvSpPr>
+          <p:cNvPr id="92" name="PlaceHolder 2"/>
+          <p:cNvSpPr>
+            <a:spLocks noGrp="1"/>
+          </p:cNvSpPr>
+          <p:nvPr>
+            <p:ph/>
+          </p:nvPr>
+        </p:nvSpPr>
+        <p:spPr>
+          <a:xfrm>
+            <a:off x="504000" y="1326600"/>
+            <a:ext cx="4426920" cy="3288600"/>
+          </a:xfrm>
+          <a:prstGeom prst="rect">
+            <a:avLst/>
+          </a:prstGeom>
+          <a:noFill/>
+          <a:ln w="0">
+            <a:noFill/>
+          </a:ln>
+        </p:spPr>
+        <p:txBody>
+          <a:bodyPr lIns="0" rIns="0" tIns="0" bIns="0" anchor="t">
+            <a:normAutofit/>
+          </a:bodyPr>
+          <a:p>
+            <a:pPr indent="0">
+              <a:spcBef>
+                <a:spcPts val="1417"/>
+              </a:spcBef>
+              <a:buNone/>
+            </a:pPr>
+            <a:endParaRPr b="0" lang="en-US" sz="3200" spc="-1" strike="noStrike">
+              <a:solidFill>
+                <a:srgbClr val="000000"/>
+              </a:solidFill>
+              <a:latin typeface="Arial"/>
+            </a:endParaRPr>
+          </a:p>
+        </p:txBody>
+      </p:sp>
+      <p:sp>
+        <p:nvSpPr>
+          <p:cNvPr id="93" name="PlaceHolder 3"/>
+          <p:cNvSpPr>
+            <a:spLocks noGrp="1"/>
+          </p:cNvSpPr>
+          <p:nvPr>
+            <p:ph/>
+          </p:nvPr>
+        </p:nvSpPr>
+        <p:spPr>
+          <a:xfrm>
+            <a:off x="5152680" y="1326600"/>
+            <a:ext cx="4426920" cy="3288600"/>
+          </a:xfrm>
+          <a:prstGeom prst="rect">
+            <a:avLst/>
+          </a:prstGeom>
+          <a:noFill/>
+          <a:ln w="0">
+            <a:noFill/>
+          </a:ln>
+        </p:spPr>
+        <p:txBody>
+          <a:bodyPr lIns="0" rIns="0" tIns="0" bIns="0" anchor="t">
+            <a:normAutofit/>
+          </a:bodyPr>
+          <a:p>
+            <a:pPr indent="0">
+              <a:spcBef>
+                <a:spcPts val="1417"/>
+              </a:spcBef>
+              <a:buNone/>
+            </a:pPr>
+            <a:endParaRPr b="0" lang="en-US" sz="3200" spc="-1" strike="noStrike">
+              <a:solidFill>
+                <a:srgbClr val="000000"/>
+              </a:solidFill>
+              <a:latin typeface="Arial"/>
+            </a:endParaRPr>
+          </a:p>
+        </p:txBody>
+      </p:sp>
+      <p:sp>
+        <p:nvSpPr>
+          <p:cNvPr id="5" name="PlaceHolder 4"/>
+          <p:cNvSpPr>
+            <a:spLocks noGrp="1"/>
+          </p:cNvSpPr>
+          <p:nvPr>
+            <p:ph type="ftr" idx="7"/>
+          </p:nvPr>
+        </p:nvSpPr>
+        <p:spPr/>
+        <p:txBody>
+          <a:bodyPr/>
+          <a:p>
+            <a:r>
+              <a:t>Footer</a:t>
+            </a:r>
+          </a:p>
+        </p:txBody>
+      </p:sp>
+      <p:sp>
+        <p:nvSpPr>
+          <p:cNvPr id="6" name="PlaceHolder 5"/>
+          <p:cNvSpPr>
+            <a:spLocks noGrp="1"/>
+          </p:cNvSpPr>
+          <p:nvPr>
+            <p:ph type="sldNum" idx="8"/>
+          </p:nvPr>
+        </p:nvSpPr>
+        <p:spPr/>
+        <p:txBody>
+          <a:bodyPr/>
+          <a:p>
+            <a:fld id="{6617720D-FBDD-4E5D-8DC0-B09FC0D57C25}" type="slidenum">
+              <a:t>&lt;#&gt;</a:t>
+            </a:fld>
+          </a:p>
+        </p:txBody>
+      </p:sp>
+      <p:sp>
+        <p:nvSpPr>
+          <p:cNvPr id="7" name="PlaceHolder 6"/>
+          <p:cNvSpPr>
+            <a:spLocks noGrp="1"/>
+          </p:cNvSpPr>
+          <p:nvPr>
+            <p:ph type="dt" idx="9"/>
+          </p:nvPr>
+        </p:nvSpPr>
+        <p:spPr/>
+        <p:txBody>
+          <a:bodyPr/>
+          <a:p>
+            <a:r>
+              <a:rPr lang="en-US"/>
+              <a:t/>
+            </a:r>
+          </a:p>
+        </p:txBody>
+      </p:sp>
+    </p:spTree>
+  </p:cSld>
+</p:sldLayout>
+</file>
+
+<file path=ppt/slideLayouts/slideLayout29.xml><?xml version="1.0" encoding="utf-8"?>
+<p:sldLayout xmlns:a="http://schemas.openxmlformats.org/drawingml/2006/main" xmlns:p="http://schemas.openxmlformats.org/presentationml/2006/main" xmlns:r="http://schemas.openxmlformats.org/officeDocument/2006/relationships" xmlns:p14="http://schemas.microsoft.com/office/powerpoint/2010/main" xmlns:p15="http://schemas.microsoft.com/office/powerpoint/2012/main" xmlns:mc="http://schemas.openxmlformats.org/markup-compatibility/2006" type="titleOnly" preserve="1">
+  <p:cSld name="Title Only">
+    <p:spTree>
+      <p:nvGrpSpPr>
+        <p:cNvPr id="1" name=""/>
+        <p:cNvGrpSpPr/>
+        <p:nvPr/>
+      </p:nvGrpSpPr>
+      <p:grpSpPr>
+        <a:xfrm>
+          <a:off x="0" y="0"/>
+          <a:ext cx="0" cy="0"/>
+          <a:chOff x="0" y="0"/>
+          <a:chExt cx="0" cy="0"/>
+        </a:xfrm>
+      </p:grpSpPr>
+      <p:sp>
+        <p:nvSpPr>
+          <p:cNvPr id="94" name="PlaceHolder 1"/>
+          <p:cNvSpPr>
+            <a:spLocks noGrp="1"/>
+          </p:cNvSpPr>
+          <p:nvPr>
+            <p:ph type="title"/>
+          </p:nvPr>
+        </p:nvSpPr>
+        <p:spPr>
+          <a:xfrm>
+            <a:off x="504000" y="226080"/>
+            <a:ext cx="9071280" cy="946080"/>
+          </a:xfrm>
+          <a:prstGeom prst="rect">
+            <a:avLst/>
+          </a:prstGeom>
+          <a:noFill/>
+          <a:ln w="0">
+            <a:noFill/>
+          </a:ln>
+        </p:spPr>
+        <p:txBody>
+          <a:bodyPr lIns="0" rIns="0" tIns="0" bIns="0" anchor="ctr">
+            <a:noAutofit/>
+          </a:bodyPr>
+          <a:p>
+            <a:pPr indent="0" algn="ctr">
+              <a:buNone/>
+            </a:pPr>
+            <a:endParaRPr b="0" lang="en-US" sz="4400" spc="-1" strike="noStrike">
+              <a:solidFill>
+                <a:srgbClr val="000000"/>
+              </a:solidFill>
+              <a:latin typeface="Arial"/>
+            </a:endParaRPr>
+          </a:p>
+        </p:txBody>
+      </p:sp>
+      <p:sp>
+        <p:nvSpPr>
+          <p:cNvPr id="3" name="PlaceHolder 2"/>
+          <p:cNvSpPr>
+            <a:spLocks noGrp="1"/>
+          </p:cNvSpPr>
+          <p:nvPr>
+            <p:ph type="ftr" idx="7"/>
+          </p:nvPr>
+        </p:nvSpPr>
+        <p:spPr/>
+        <p:txBody>
+          <a:bodyPr/>
+          <a:p>
+            <a:r>
+              <a:t>Footer</a:t>
+            </a:r>
+          </a:p>
+        </p:txBody>
+      </p:sp>
+      <p:sp>
+        <p:nvSpPr>
+          <p:cNvPr id="4" name="PlaceHolder 3"/>
+          <p:cNvSpPr>
+            <a:spLocks noGrp="1"/>
+          </p:cNvSpPr>
+          <p:nvPr>
+            <p:ph type="sldNum" idx="8"/>
+          </p:nvPr>
+        </p:nvSpPr>
+        <p:spPr/>
+        <p:txBody>
+          <a:bodyPr/>
+          <a:p>
+            <a:fld id="{52636125-4A22-488F-BECB-4452ED275A06}" type="slidenum">
+              <a:t>&lt;#&gt;</a:t>
+            </a:fld>
+          </a:p>
+        </p:txBody>
+      </p:sp>
+      <p:sp>
+        <p:nvSpPr>
+          <p:cNvPr id="5" name="PlaceHolder 4"/>
+          <p:cNvSpPr>
+            <a:spLocks noGrp="1"/>
+          </p:cNvSpPr>
+          <p:nvPr>
+            <p:ph type="dt" idx="9"/>
           </p:nvPr>
         </p:nvSpPr>
         <p:spPr/>
@@ -1177,7 +4429,7 @@
         <p:spPr>
           <a:xfrm>
             <a:off x="504000" y="226080"/>
-            <a:ext cx="9071640" cy="946440"/>
+            <a:ext cx="9071280" cy="946080"/>
           </a:xfrm>
           <a:prstGeom prst="rect">
             <a:avLst/>
@@ -1217,7 +4469,7 @@
         <p:spPr>
           <a:xfrm>
             <a:off x="504000" y="1326600"/>
-            <a:ext cx="9071640" cy="3288240"/>
+            <a:ext cx="9072000" cy="3288600"/>
           </a:xfrm>
           <a:prstGeom prst="rect">
             <a:avLst/>
@@ -1254,7 +4506,7 @@
             <a:spLocks noGrp="1"/>
           </p:cNvSpPr>
           <p:nvPr>
-            <p:ph type="ftr" idx="2"/>
+            <p:ph type="ftr" idx="1"/>
           </p:nvPr>
         </p:nvSpPr>
         <p:spPr/>
@@ -1274,14 +4526,14 @@
             <a:spLocks noGrp="1"/>
           </p:cNvSpPr>
           <p:nvPr>
-            <p:ph type="sldNum" idx="3"/>
+            <p:ph type="sldNum" idx="2"/>
           </p:nvPr>
         </p:nvSpPr>
         <p:spPr/>
         <p:txBody>
           <a:bodyPr/>
           <a:p>
-            <a:fld id="{698B823B-3745-4BF0-9BB7-C94CF8C9C2B7}" type="slidenum">
+            <a:fld id="{38B5D1BF-B59D-4E97-9CE5-738819595267}" type="slidenum">
               <a:t>&lt;#&gt;</a:t>
             </a:fld>
           </a:p>
@@ -1294,7 +4546,1769 @@
             <a:spLocks noGrp="1"/>
           </p:cNvSpPr>
           <p:nvPr>
-            <p:ph type="dt" idx="1"/>
+            <p:ph type="dt" idx="3"/>
+          </p:nvPr>
+        </p:nvSpPr>
+        <p:spPr/>
+        <p:txBody>
+          <a:bodyPr/>
+          <a:p>
+            <a:r>
+              <a:rPr lang="en-US"/>
+              <a:t/>
+            </a:r>
+          </a:p>
+        </p:txBody>
+      </p:sp>
+    </p:spTree>
+  </p:cSld>
+</p:sldLayout>
+</file>
+
+<file path=ppt/slideLayouts/slideLayout30.xml><?xml version="1.0" encoding="utf-8"?>
+<p:sldLayout xmlns:a="http://schemas.openxmlformats.org/drawingml/2006/main" xmlns:p="http://schemas.openxmlformats.org/presentationml/2006/main" xmlns:r="http://schemas.openxmlformats.org/officeDocument/2006/relationships" xmlns:p14="http://schemas.microsoft.com/office/powerpoint/2010/main" xmlns:p15="http://schemas.microsoft.com/office/powerpoint/2012/main" xmlns:mc="http://schemas.openxmlformats.org/markup-compatibility/2006" type="objOnly" preserve="1">
+  <p:cSld name="Centered Text">
+    <p:spTree>
+      <p:nvGrpSpPr>
+        <p:cNvPr id="1" name=""/>
+        <p:cNvGrpSpPr/>
+        <p:nvPr/>
+      </p:nvGrpSpPr>
+      <p:grpSpPr>
+        <a:xfrm>
+          <a:off x="0" y="0"/>
+          <a:ext cx="0" cy="0"/>
+          <a:chOff x="0" y="0"/>
+          <a:chExt cx="0" cy="0"/>
+        </a:xfrm>
+      </p:grpSpPr>
+      <p:sp>
+        <p:nvSpPr>
+          <p:cNvPr id="95" name="PlaceHolder 1"/>
+          <p:cNvSpPr>
+            <a:spLocks noGrp="1"/>
+          </p:cNvSpPr>
+          <p:nvPr>
+            <p:ph type="subTitle"/>
+          </p:nvPr>
+        </p:nvSpPr>
+        <p:spPr>
+          <a:xfrm>
+            <a:off x="504000" y="226080"/>
+            <a:ext cx="9071280" cy="4386600"/>
+          </a:xfrm>
+          <a:prstGeom prst="rect">
+            <a:avLst/>
+          </a:prstGeom>
+          <a:noFill/>
+          <a:ln w="0">
+            <a:noFill/>
+          </a:ln>
+        </p:spPr>
+        <p:txBody>
+          <a:bodyPr lIns="0" rIns="0" tIns="0" bIns="0" anchor="ctr">
+            <a:noAutofit/>
+          </a:bodyPr>
+          <a:p>
+            <a:pPr algn="ctr"/>
+            <a:endParaRPr b="0" lang="en-US" sz="3200" spc="-1" strike="noStrike">
+              <a:solidFill>
+                <a:srgbClr val="000000"/>
+              </a:solidFill>
+              <a:latin typeface="Arial"/>
+            </a:endParaRPr>
+          </a:p>
+        </p:txBody>
+      </p:sp>
+      <p:sp>
+        <p:nvSpPr>
+          <p:cNvPr id="3" name="PlaceHolder 2"/>
+          <p:cNvSpPr>
+            <a:spLocks noGrp="1"/>
+          </p:cNvSpPr>
+          <p:nvPr>
+            <p:ph type="ftr" idx="7"/>
+          </p:nvPr>
+        </p:nvSpPr>
+        <p:spPr/>
+        <p:txBody>
+          <a:bodyPr/>
+          <a:p>
+            <a:r>
+              <a:t>Footer</a:t>
+            </a:r>
+          </a:p>
+        </p:txBody>
+      </p:sp>
+      <p:sp>
+        <p:nvSpPr>
+          <p:cNvPr id="4" name="PlaceHolder 3"/>
+          <p:cNvSpPr>
+            <a:spLocks noGrp="1"/>
+          </p:cNvSpPr>
+          <p:nvPr>
+            <p:ph type="sldNum" idx="8"/>
+          </p:nvPr>
+        </p:nvSpPr>
+        <p:spPr/>
+        <p:txBody>
+          <a:bodyPr/>
+          <a:p>
+            <a:fld id="{2A1BB651-B08A-48EF-AD74-40A833AC7FE2}" type="slidenum">
+              <a:t>&lt;#&gt;</a:t>
+            </a:fld>
+          </a:p>
+        </p:txBody>
+      </p:sp>
+      <p:sp>
+        <p:nvSpPr>
+          <p:cNvPr id="5" name="PlaceHolder 4"/>
+          <p:cNvSpPr>
+            <a:spLocks noGrp="1"/>
+          </p:cNvSpPr>
+          <p:nvPr>
+            <p:ph type="dt" idx="9"/>
+          </p:nvPr>
+        </p:nvSpPr>
+        <p:spPr/>
+        <p:txBody>
+          <a:bodyPr/>
+          <a:p>
+            <a:r>
+              <a:rPr lang="en-US"/>
+              <a:t/>
+            </a:r>
+          </a:p>
+        </p:txBody>
+      </p:sp>
+    </p:spTree>
+  </p:cSld>
+</p:sldLayout>
+</file>
+
+<file path=ppt/slideLayouts/slideLayout31.xml><?xml version="1.0" encoding="utf-8"?>
+<p:sldLayout xmlns:a="http://schemas.openxmlformats.org/drawingml/2006/main" xmlns:p="http://schemas.openxmlformats.org/presentationml/2006/main" xmlns:r="http://schemas.openxmlformats.org/officeDocument/2006/relationships" xmlns:p14="http://schemas.microsoft.com/office/powerpoint/2010/main" xmlns:p15="http://schemas.microsoft.com/office/powerpoint/2012/main" xmlns:mc="http://schemas.openxmlformats.org/markup-compatibility/2006" type="twoObjAndObj" preserve="1">
+  <p:cSld name="Title, 2 Content and Content">
+    <p:spTree>
+      <p:nvGrpSpPr>
+        <p:cNvPr id="1" name=""/>
+        <p:cNvGrpSpPr/>
+        <p:nvPr/>
+      </p:nvGrpSpPr>
+      <p:grpSpPr>
+        <a:xfrm>
+          <a:off x="0" y="0"/>
+          <a:ext cx="0" cy="0"/>
+          <a:chOff x="0" y="0"/>
+          <a:chExt cx="0" cy="0"/>
+        </a:xfrm>
+      </p:grpSpPr>
+      <p:sp>
+        <p:nvSpPr>
+          <p:cNvPr id="96" name="PlaceHolder 1"/>
+          <p:cNvSpPr>
+            <a:spLocks noGrp="1"/>
+          </p:cNvSpPr>
+          <p:nvPr>
+            <p:ph type="title"/>
+          </p:nvPr>
+        </p:nvSpPr>
+        <p:spPr>
+          <a:xfrm>
+            <a:off x="504000" y="226080"/>
+            <a:ext cx="9071280" cy="946080"/>
+          </a:xfrm>
+          <a:prstGeom prst="rect">
+            <a:avLst/>
+          </a:prstGeom>
+          <a:noFill/>
+          <a:ln w="0">
+            <a:noFill/>
+          </a:ln>
+        </p:spPr>
+        <p:txBody>
+          <a:bodyPr lIns="0" rIns="0" tIns="0" bIns="0" anchor="ctr">
+            <a:noAutofit/>
+          </a:bodyPr>
+          <a:p>
+            <a:pPr indent="0" algn="ctr">
+              <a:buNone/>
+            </a:pPr>
+            <a:endParaRPr b="0" lang="en-US" sz="4400" spc="-1" strike="noStrike">
+              <a:solidFill>
+                <a:srgbClr val="000000"/>
+              </a:solidFill>
+              <a:latin typeface="Arial"/>
+            </a:endParaRPr>
+          </a:p>
+        </p:txBody>
+      </p:sp>
+      <p:sp>
+        <p:nvSpPr>
+          <p:cNvPr id="97" name="PlaceHolder 2"/>
+          <p:cNvSpPr>
+            <a:spLocks noGrp="1"/>
+          </p:cNvSpPr>
+          <p:nvPr>
+            <p:ph/>
+          </p:nvPr>
+        </p:nvSpPr>
+        <p:spPr>
+          <a:xfrm>
+            <a:off x="504000" y="1326600"/>
+            <a:ext cx="4426920" cy="1568520"/>
+          </a:xfrm>
+          <a:prstGeom prst="rect">
+            <a:avLst/>
+          </a:prstGeom>
+          <a:noFill/>
+          <a:ln w="0">
+            <a:noFill/>
+          </a:ln>
+        </p:spPr>
+        <p:txBody>
+          <a:bodyPr lIns="0" rIns="0" tIns="0" bIns="0" anchor="t">
+            <a:normAutofit/>
+          </a:bodyPr>
+          <a:p>
+            <a:pPr indent="0">
+              <a:spcBef>
+                <a:spcPts val="1417"/>
+              </a:spcBef>
+              <a:buNone/>
+            </a:pPr>
+            <a:endParaRPr b="0" lang="en-US" sz="3200" spc="-1" strike="noStrike">
+              <a:solidFill>
+                <a:srgbClr val="000000"/>
+              </a:solidFill>
+              <a:latin typeface="Arial"/>
+            </a:endParaRPr>
+          </a:p>
+        </p:txBody>
+      </p:sp>
+      <p:sp>
+        <p:nvSpPr>
+          <p:cNvPr id="98" name="PlaceHolder 3"/>
+          <p:cNvSpPr>
+            <a:spLocks noGrp="1"/>
+          </p:cNvSpPr>
+          <p:nvPr>
+            <p:ph/>
+          </p:nvPr>
+        </p:nvSpPr>
+        <p:spPr>
+          <a:xfrm>
+            <a:off x="5152680" y="1326600"/>
+            <a:ext cx="4426920" cy="3288600"/>
+          </a:xfrm>
+          <a:prstGeom prst="rect">
+            <a:avLst/>
+          </a:prstGeom>
+          <a:noFill/>
+          <a:ln w="0">
+            <a:noFill/>
+          </a:ln>
+        </p:spPr>
+        <p:txBody>
+          <a:bodyPr lIns="0" rIns="0" tIns="0" bIns="0" anchor="t">
+            <a:normAutofit/>
+          </a:bodyPr>
+          <a:p>
+            <a:pPr indent="0">
+              <a:spcBef>
+                <a:spcPts val="1417"/>
+              </a:spcBef>
+              <a:buNone/>
+            </a:pPr>
+            <a:endParaRPr b="0" lang="en-US" sz="3200" spc="-1" strike="noStrike">
+              <a:solidFill>
+                <a:srgbClr val="000000"/>
+              </a:solidFill>
+              <a:latin typeface="Arial"/>
+            </a:endParaRPr>
+          </a:p>
+        </p:txBody>
+      </p:sp>
+      <p:sp>
+        <p:nvSpPr>
+          <p:cNvPr id="99" name="PlaceHolder 4"/>
+          <p:cNvSpPr>
+            <a:spLocks noGrp="1"/>
+          </p:cNvSpPr>
+          <p:nvPr>
+            <p:ph/>
+          </p:nvPr>
+        </p:nvSpPr>
+        <p:spPr>
+          <a:xfrm>
+            <a:off x="504000" y="3044520"/>
+            <a:ext cx="4426920" cy="1568520"/>
+          </a:xfrm>
+          <a:prstGeom prst="rect">
+            <a:avLst/>
+          </a:prstGeom>
+          <a:noFill/>
+          <a:ln w="0">
+            <a:noFill/>
+          </a:ln>
+        </p:spPr>
+        <p:txBody>
+          <a:bodyPr lIns="0" rIns="0" tIns="0" bIns="0" anchor="t">
+            <a:normAutofit/>
+          </a:bodyPr>
+          <a:p>
+            <a:pPr indent="0">
+              <a:spcBef>
+                <a:spcPts val="1417"/>
+              </a:spcBef>
+              <a:buNone/>
+            </a:pPr>
+            <a:endParaRPr b="0" lang="en-US" sz="3200" spc="-1" strike="noStrike">
+              <a:solidFill>
+                <a:srgbClr val="000000"/>
+              </a:solidFill>
+              <a:latin typeface="Arial"/>
+            </a:endParaRPr>
+          </a:p>
+        </p:txBody>
+      </p:sp>
+      <p:sp>
+        <p:nvSpPr>
+          <p:cNvPr id="6" name="PlaceHolder 5"/>
+          <p:cNvSpPr>
+            <a:spLocks noGrp="1"/>
+          </p:cNvSpPr>
+          <p:nvPr>
+            <p:ph type="ftr" idx="7"/>
+          </p:nvPr>
+        </p:nvSpPr>
+        <p:spPr/>
+        <p:txBody>
+          <a:bodyPr/>
+          <a:p>
+            <a:r>
+              <a:t>Footer</a:t>
+            </a:r>
+          </a:p>
+        </p:txBody>
+      </p:sp>
+      <p:sp>
+        <p:nvSpPr>
+          <p:cNvPr id="7" name="PlaceHolder 6"/>
+          <p:cNvSpPr>
+            <a:spLocks noGrp="1"/>
+          </p:cNvSpPr>
+          <p:nvPr>
+            <p:ph type="sldNum" idx="8"/>
+          </p:nvPr>
+        </p:nvSpPr>
+        <p:spPr/>
+        <p:txBody>
+          <a:bodyPr/>
+          <a:p>
+            <a:fld id="{02BFF01B-96E1-45B8-89E9-E6AFFFE41DAC}" type="slidenum">
+              <a:t>&lt;#&gt;</a:t>
+            </a:fld>
+          </a:p>
+        </p:txBody>
+      </p:sp>
+      <p:sp>
+        <p:nvSpPr>
+          <p:cNvPr id="8" name="PlaceHolder 7"/>
+          <p:cNvSpPr>
+            <a:spLocks noGrp="1"/>
+          </p:cNvSpPr>
+          <p:nvPr>
+            <p:ph type="dt" idx="9"/>
+          </p:nvPr>
+        </p:nvSpPr>
+        <p:spPr/>
+        <p:txBody>
+          <a:bodyPr/>
+          <a:p>
+            <a:r>
+              <a:rPr lang="en-US"/>
+              <a:t/>
+            </a:r>
+          </a:p>
+        </p:txBody>
+      </p:sp>
+    </p:spTree>
+  </p:cSld>
+</p:sldLayout>
+</file>
+
+<file path=ppt/slideLayouts/slideLayout32.xml><?xml version="1.0" encoding="utf-8"?>
+<p:sldLayout xmlns:a="http://schemas.openxmlformats.org/drawingml/2006/main" xmlns:p="http://schemas.openxmlformats.org/presentationml/2006/main" xmlns:r="http://schemas.openxmlformats.org/officeDocument/2006/relationships" xmlns:p14="http://schemas.microsoft.com/office/powerpoint/2010/main" xmlns:p15="http://schemas.microsoft.com/office/powerpoint/2012/main" xmlns:mc="http://schemas.openxmlformats.org/markup-compatibility/2006" type="objAndTwoObj" preserve="1">
+  <p:cSld name="Title Content and 2 Content">
+    <p:spTree>
+      <p:nvGrpSpPr>
+        <p:cNvPr id="1" name=""/>
+        <p:cNvGrpSpPr/>
+        <p:nvPr/>
+      </p:nvGrpSpPr>
+      <p:grpSpPr>
+        <a:xfrm>
+          <a:off x="0" y="0"/>
+          <a:ext cx="0" cy="0"/>
+          <a:chOff x="0" y="0"/>
+          <a:chExt cx="0" cy="0"/>
+        </a:xfrm>
+      </p:grpSpPr>
+      <p:sp>
+        <p:nvSpPr>
+          <p:cNvPr id="100" name="PlaceHolder 1"/>
+          <p:cNvSpPr>
+            <a:spLocks noGrp="1"/>
+          </p:cNvSpPr>
+          <p:nvPr>
+            <p:ph type="title"/>
+          </p:nvPr>
+        </p:nvSpPr>
+        <p:spPr>
+          <a:xfrm>
+            <a:off x="504000" y="226080"/>
+            <a:ext cx="9071280" cy="946080"/>
+          </a:xfrm>
+          <a:prstGeom prst="rect">
+            <a:avLst/>
+          </a:prstGeom>
+          <a:noFill/>
+          <a:ln w="0">
+            <a:noFill/>
+          </a:ln>
+        </p:spPr>
+        <p:txBody>
+          <a:bodyPr lIns="0" rIns="0" tIns="0" bIns="0" anchor="ctr">
+            <a:noAutofit/>
+          </a:bodyPr>
+          <a:p>
+            <a:pPr indent="0" algn="ctr">
+              <a:buNone/>
+            </a:pPr>
+            <a:endParaRPr b="0" lang="en-US" sz="4400" spc="-1" strike="noStrike">
+              <a:solidFill>
+                <a:srgbClr val="000000"/>
+              </a:solidFill>
+              <a:latin typeface="Arial"/>
+            </a:endParaRPr>
+          </a:p>
+        </p:txBody>
+      </p:sp>
+      <p:sp>
+        <p:nvSpPr>
+          <p:cNvPr id="101" name="PlaceHolder 2"/>
+          <p:cNvSpPr>
+            <a:spLocks noGrp="1"/>
+          </p:cNvSpPr>
+          <p:nvPr>
+            <p:ph/>
+          </p:nvPr>
+        </p:nvSpPr>
+        <p:spPr>
+          <a:xfrm>
+            <a:off x="504000" y="1326600"/>
+            <a:ext cx="4426920" cy="3288600"/>
+          </a:xfrm>
+          <a:prstGeom prst="rect">
+            <a:avLst/>
+          </a:prstGeom>
+          <a:noFill/>
+          <a:ln w="0">
+            <a:noFill/>
+          </a:ln>
+        </p:spPr>
+        <p:txBody>
+          <a:bodyPr lIns="0" rIns="0" tIns="0" bIns="0" anchor="t">
+            <a:normAutofit/>
+          </a:bodyPr>
+          <a:p>
+            <a:pPr indent="0">
+              <a:spcBef>
+                <a:spcPts val="1417"/>
+              </a:spcBef>
+              <a:buNone/>
+            </a:pPr>
+            <a:endParaRPr b="0" lang="en-US" sz="3200" spc="-1" strike="noStrike">
+              <a:solidFill>
+                <a:srgbClr val="000000"/>
+              </a:solidFill>
+              <a:latin typeface="Arial"/>
+            </a:endParaRPr>
+          </a:p>
+        </p:txBody>
+      </p:sp>
+      <p:sp>
+        <p:nvSpPr>
+          <p:cNvPr id="102" name="PlaceHolder 3"/>
+          <p:cNvSpPr>
+            <a:spLocks noGrp="1"/>
+          </p:cNvSpPr>
+          <p:nvPr>
+            <p:ph/>
+          </p:nvPr>
+        </p:nvSpPr>
+        <p:spPr>
+          <a:xfrm>
+            <a:off x="5152680" y="1326600"/>
+            <a:ext cx="4426920" cy="1568520"/>
+          </a:xfrm>
+          <a:prstGeom prst="rect">
+            <a:avLst/>
+          </a:prstGeom>
+          <a:noFill/>
+          <a:ln w="0">
+            <a:noFill/>
+          </a:ln>
+        </p:spPr>
+        <p:txBody>
+          <a:bodyPr lIns="0" rIns="0" tIns="0" bIns="0" anchor="t">
+            <a:normAutofit/>
+          </a:bodyPr>
+          <a:p>
+            <a:pPr indent="0">
+              <a:spcBef>
+                <a:spcPts val="1417"/>
+              </a:spcBef>
+              <a:buNone/>
+            </a:pPr>
+            <a:endParaRPr b="0" lang="en-US" sz="3200" spc="-1" strike="noStrike">
+              <a:solidFill>
+                <a:srgbClr val="000000"/>
+              </a:solidFill>
+              <a:latin typeface="Arial"/>
+            </a:endParaRPr>
+          </a:p>
+        </p:txBody>
+      </p:sp>
+      <p:sp>
+        <p:nvSpPr>
+          <p:cNvPr id="103" name="PlaceHolder 4"/>
+          <p:cNvSpPr>
+            <a:spLocks noGrp="1"/>
+          </p:cNvSpPr>
+          <p:nvPr>
+            <p:ph/>
+          </p:nvPr>
+        </p:nvSpPr>
+        <p:spPr>
+          <a:xfrm>
+            <a:off x="5152680" y="3044520"/>
+            <a:ext cx="4426920" cy="1568520"/>
+          </a:xfrm>
+          <a:prstGeom prst="rect">
+            <a:avLst/>
+          </a:prstGeom>
+          <a:noFill/>
+          <a:ln w="0">
+            <a:noFill/>
+          </a:ln>
+        </p:spPr>
+        <p:txBody>
+          <a:bodyPr lIns="0" rIns="0" tIns="0" bIns="0" anchor="t">
+            <a:normAutofit/>
+          </a:bodyPr>
+          <a:p>
+            <a:pPr indent="0">
+              <a:spcBef>
+                <a:spcPts val="1417"/>
+              </a:spcBef>
+              <a:buNone/>
+            </a:pPr>
+            <a:endParaRPr b="0" lang="en-US" sz="3200" spc="-1" strike="noStrike">
+              <a:solidFill>
+                <a:srgbClr val="000000"/>
+              </a:solidFill>
+              <a:latin typeface="Arial"/>
+            </a:endParaRPr>
+          </a:p>
+        </p:txBody>
+      </p:sp>
+      <p:sp>
+        <p:nvSpPr>
+          <p:cNvPr id="6" name="PlaceHolder 5"/>
+          <p:cNvSpPr>
+            <a:spLocks noGrp="1"/>
+          </p:cNvSpPr>
+          <p:nvPr>
+            <p:ph type="ftr" idx="7"/>
+          </p:nvPr>
+        </p:nvSpPr>
+        <p:spPr/>
+        <p:txBody>
+          <a:bodyPr/>
+          <a:p>
+            <a:r>
+              <a:t>Footer</a:t>
+            </a:r>
+          </a:p>
+        </p:txBody>
+      </p:sp>
+      <p:sp>
+        <p:nvSpPr>
+          <p:cNvPr id="7" name="PlaceHolder 6"/>
+          <p:cNvSpPr>
+            <a:spLocks noGrp="1"/>
+          </p:cNvSpPr>
+          <p:nvPr>
+            <p:ph type="sldNum" idx="8"/>
+          </p:nvPr>
+        </p:nvSpPr>
+        <p:spPr/>
+        <p:txBody>
+          <a:bodyPr/>
+          <a:p>
+            <a:fld id="{FA75E19A-46E9-41D0-B772-D3B8D5265206}" type="slidenum">
+              <a:t>&lt;#&gt;</a:t>
+            </a:fld>
+          </a:p>
+        </p:txBody>
+      </p:sp>
+      <p:sp>
+        <p:nvSpPr>
+          <p:cNvPr id="8" name="PlaceHolder 7"/>
+          <p:cNvSpPr>
+            <a:spLocks noGrp="1"/>
+          </p:cNvSpPr>
+          <p:nvPr>
+            <p:ph type="dt" idx="9"/>
+          </p:nvPr>
+        </p:nvSpPr>
+        <p:spPr/>
+        <p:txBody>
+          <a:bodyPr/>
+          <a:p>
+            <a:r>
+              <a:rPr lang="en-US"/>
+              <a:t/>
+            </a:r>
+          </a:p>
+        </p:txBody>
+      </p:sp>
+    </p:spTree>
+  </p:cSld>
+</p:sldLayout>
+</file>
+
+<file path=ppt/slideLayouts/slideLayout33.xml><?xml version="1.0" encoding="utf-8"?>
+<p:sldLayout xmlns:a="http://schemas.openxmlformats.org/drawingml/2006/main" xmlns:p="http://schemas.openxmlformats.org/presentationml/2006/main" xmlns:r="http://schemas.openxmlformats.org/officeDocument/2006/relationships" xmlns:p14="http://schemas.microsoft.com/office/powerpoint/2010/main" xmlns:p15="http://schemas.microsoft.com/office/powerpoint/2012/main" xmlns:mc="http://schemas.openxmlformats.org/markup-compatibility/2006" type="twoObjOverTx" preserve="1">
+  <p:cSld name="Title, 2 Content over Content">
+    <p:spTree>
+      <p:nvGrpSpPr>
+        <p:cNvPr id="1" name=""/>
+        <p:cNvGrpSpPr/>
+        <p:nvPr/>
+      </p:nvGrpSpPr>
+      <p:grpSpPr>
+        <a:xfrm>
+          <a:off x="0" y="0"/>
+          <a:ext cx="0" cy="0"/>
+          <a:chOff x="0" y="0"/>
+          <a:chExt cx="0" cy="0"/>
+        </a:xfrm>
+      </p:grpSpPr>
+      <p:sp>
+        <p:nvSpPr>
+          <p:cNvPr id="104" name="PlaceHolder 1"/>
+          <p:cNvSpPr>
+            <a:spLocks noGrp="1"/>
+          </p:cNvSpPr>
+          <p:nvPr>
+            <p:ph type="title"/>
+          </p:nvPr>
+        </p:nvSpPr>
+        <p:spPr>
+          <a:xfrm>
+            <a:off x="504000" y="226080"/>
+            <a:ext cx="9071280" cy="946080"/>
+          </a:xfrm>
+          <a:prstGeom prst="rect">
+            <a:avLst/>
+          </a:prstGeom>
+          <a:noFill/>
+          <a:ln w="0">
+            <a:noFill/>
+          </a:ln>
+        </p:spPr>
+        <p:txBody>
+          <a:bodyPr lIns="0" rIns="0" tIns="0" bIns="0" anchor="ctr">
+            <a:noAutofit/>
+          </a:bodyPr>
+          <a:p>
+            <a:pPr indent="0" algn="ctr">
+              <a:buNone/>
+            </a:pPr>
+            <a:endParaRPr b="0" lang="en-US" sz="4400" spc="-1" strike="noStrike">
+              <a:solidFill>
+                <a:srgbClr val="000000"/>
+              </a:solidFill>
+              <a:latin typeface="Arial"/>
+            </a:endParaRPr>
+          </a:p>
+        </p:txBody>
+      </p:sp>
+      <p:sp>
+        <p:nvSpPr>
+          <p:cNvPr id="105" name="PlaceHolder 2"/>
+          <p:cNvSpPr>
+            <a:spLocks noGrp="1"/>
+          </p:cNvSpPr>
+          <p:nvPr>
+            <p:ph/>
+          </p:nvPr>
+        </p:nvSpPr>
+        <p:spPr>
+          <a:xfrm>
+            <a:off x="504000" y="1326600"/>
+            <a:ext cx="4426920" cy="1568520"/>
+          </a:xfrm>
+          <a:prstGeom prst="rect">
+            <a:avLst/>
+          </a:prstGeom>
+          <a:noFill/>
+          <a:ln w="0">
+            <a:noFill/>
+          </a:ln>
+        </p:spPr>
+        <p:txBody>
+          <a:bodyPr lIns="0" rIns="0" tIns="0" bIns="0" anchor="t">
+            <a:normAutofit/>
+          </a:bodyPr>
+          <a:p>
+            <a:pPr indent="0">
+              <a:spcBef>
+                <a:spcPts val="1417"/>
+              </a:spcBef>
+              <a:buNone/>
+            </a:pPr>
+            <a:endParaRPr b="0" lang="en-US" sz="3200" spc="-1" strike="noStrike">
+              <a:solidFill>
+                <a:srgbClr val="000000"/>
+              </a:solidFill>
+              <a:latin typeface="Arial"/>
+            </a:endParaRPr>
+          </a:p>
+        </p:txBody>
+      </p:sp>
+      <p:sp>
+        <p:nvSpPr>
+          <p:cNvPr id="106" name="PlaceHolder 3"/>
+          <p:cNvSpPr>
+            <a:spLocks noGrp="1"/>
+          </p:cNvSpPr>
+          <p:nvPr>
+            <p:ph/>
+          </p:nvPr>
+        </p:nvSpPr>
+        <p:spPr>
+          <a:xfrm>
+            <a:off x="5152680" y="1326600"/>
+            <a:ext cx="4426920" cy="1568520"/>
+          </a:xfrm>
+          <a:prstGeom prst="rect">
+            <a:avLst/>
+          </a:prstGeom>
+          <a:noFill/>
+          <a:ln w="0">
+            <a:noFill/>
+          </a:ln>
+        </p:spPr>
+        <p:txBody>
+          <a:bodyPr lIns="0" rIns="0" tIns="0" bIns="0" anchor="t">
+            <a:normAutofit/>
+          </a:bodyPr>
+          <a:p>
+            <a:pPr indent="0">
+              <a:spcBef>
+                <a:spcPts val="1417"/>
+              </a:spcBef>
+              <a:buNone/>
+            </a:pPr>
+            <a:endParaRPr b="0" lang="en-US" sz="3200" spc="-1" strike="noStrike">
+              <a:solidFill>
+                <a:srgbClr val="000000"/>
+              </a:solidFill>
+              <a:latin typeface="Arial"/>
+            </a:endParaRPr>
+          </a:p>
+        </p:txBody>
+      </p:sp>
+      <p:sp>
+        <p:nvSpPr>
+          <p:cNvPr id="107" name="PlaceHolder 4"/>
+          <p:cNvSpPr>
+            <a:spLocks noGrp="1"/>
+          </p:cNvSpPr>
+          <p:nvPr>
+            <p:ph/>
+          </p:nvPr>
+        </p:nvSpPr>
+        <p:spPr>
+          <a:xfrm>
+            <a:off x="504000" y="3044520"/>
+            <a:ext cx="9072000" cy="1568520"/>
+          </a:xfrm>
+          <a:prstGeom prst="rect">
+            <a:avLst/>
+          </a:prstGeom>
+          <a:noFill/>
+          <a:ln w="0">
+            <a:noFill/>
+          </a:ln>
+        </p:spPr>
+        <p:txBody>
+          <a:bodyPr lIns="0" rIns="0" tIns="0" bIns="0" anchor="t">
+            <a:normAutofit/>
+          </a:bodyPr>
+          <a:p>
+            <a:pPr indent="0">
+              <a:spcBef>
+                <a:spcPts val="1417"/>
+              </a:spcBef>
+              <a:buNone/>
+            </a:pPr>
+            <a:endParaRPr b="0" lang="en-US" sz="3200" spc="-1" strike="noStrike">
+              <a:solidFill>
+                <a:srgbClr val="000000"/>
+              </a:solidFill>
+              <a:latin typeface="Arial"/>
+            </a:endParaRPr>
+          </a:p>
+        </p:txBody>
+      </p:sp>
+      <p:sp>
+        <p:nvSpPr>
+          <p:cNvPr id="6" name="PlaceHolder 5"/>
+          <p:cNvSpPr>
+            <a:spLocks noGrp="1"/>
+          </p:cNvSpPr>
+          <p:nvPr>
+            <p:ph type="ftr" idx="7"/>
+          </p:nvPr>
+        </p:nvSpPr>
+        <p:spPr/>
+        <p:txBody>
+          <a:bodyPr/>
+          <a:p>
+            <a:r>
+              <a:t>Footer</a:t>
+            </a:r>
+          </a:p>
+        </p:txBody>
+      </p:sp>
+      <p:sp>
+        <p:nvSpPr>
+          <p:cNvPr id="7" name="PlaceHolder 6"/>
+          <p:cNvSpPr>
+            <a:spLocks noGrp="1"/>
+          </p:cNvSpPr>
+          <p:nvPr>
+            <p:ph type="sldNum" idx="8"/>
+          </p:nvPr>
+        </p:nvSpPr>
+        <p:spPr/>
+        <p:txBody>
+          <a:bodyPr/>
+          <a:p>
+            <a:fld id="{8D4E7B55-5502-4EE2-8ABE-8AD06FFB8DB3}" type="slidenum">
+              <a:t>&lt;#&gt;</a:t>
+            </a:fld>
+          </a:p>
+        </p:txBody>
+      </p:sp>
+      <p:sp>
+        <p:nvSpPr>
+          <p:cNvPr id="8" name="PlaceHolder 7"/>
+          <p:cNvSpPr>
+            <a:spLocks noGrp="1"/>
+          </p:cNvSpPr>
+          <p:nvPr>
+            <p:ph type="dt" idx="9"/>
+          </p:nvPr>
+        </p:nvSpPr>
+        <p:spPr/>
+        <p:txBody>
+          <a:bodyPr/>
+          <a:p>
+            <a:r>
+              <a:rPr lang="en-US"/>
+              <a:t/>
+            </a:r>
+          </a:p>
+        </p:txBody>
+      </p:sp>
+    </p:spTree>
+  </p:cSld>
+</p:sldLayout>
+</file>
+
+<file path=ppt/slideLayouts/slideLayout34.xml><?xml version="1.0" encoding="utf-8"?>
+<p:sldLayout xmlns:a="http://schemas.openxmlformats.org/drawingml/2006/main" xmlns:p="http://schemas.openxmlformats.org/presentationml/2006/main" xmlns:r="http://schemas.openxmlformats.org/officeDocument/2006/relationships" xmlns:p14="http://schemas.microsoft.com/office/powerpoint/2010/main" xmlns:p15="http://schemas.microsoft.com/office/powerpoint/2012/main" xmlns:mc="http://schemas.openxmlformats.org/markup-compatibility/2006" type="objOverTx" preserve="1">
+  <p:cSld name="Title, Content over Content">
+    <p:spTree>
+      <p:nvGrpSpPr>
+        <p:cNvPr id="1" name=""/>
+        <p:cNvGrpSpPr/>
+        <p:nvPr/>
+      </p:nvGrpSpPr>
+      <p:grpSpPr>
+        <a:xfrm>
+          <a:off x="0" y="0"/>
+          <a:ext cx="0" cy="0"/>
+          <a:chOff x="0" y="0"/>
+          <a:chExt cx="0" cy="0"/>
+        </a:xfrm>
+      </p:grpSpPr>
+      <p:sp>
+        <p:nvSpPr>
+          <p:cNvPr id="108" name="PlaceHolder 1"/>
+          <p:cNvSpPr>
+            <a:spLocks noGrp="1"/>
+          </p:cNvSpPr>
+          <p:nvPr>
+            <p:ph type="title"/>
+          </p:nvPr>
+        </p:nvSpPr>
+        <p:spPr>
+          <a:xfrm>
+            <a:off x="504000" y="226080"/>
+            <a:ext cx="9071280" cy="946080"/>
+          </a:xfrm>
+          <a:prstGeom prst="rect">
+            <a:avLst/>
+          </a:prstGeom>
+          <a:noFill/>
+          <a:ln w="0">
+            <a:noFill/>
+          </a:ln>
+        </p:spPr>
+        <p:txBody>
+          <a:bodyPr lIns="0" rIns="0" tIns="0" bIns="0" anchor="ctr">
+            <a:noAutofit/>
+          </a:bodyPr>
+          <a:p>
+            <a:pPr indent="0" algn="ctr">
+              <a:buNone/>
+            </a:pPr>
+            <a:endParaRPr b="0" lang="en-US" sz="4400" spc="-1" strike="noStrike">
+              <a:solidFill>
+                <a:srgbClr val="000000"/>
+              </a:solidFill>
+              <a:latin typeface="Arial"/>
+            </a:endParaRPr>
+          </a:p>
+        </p:txBody>
+      </p:sp>
+      <p:sp>
+        <p:nvSpPr>
+          <p:cNvPr id="109" name="PlaceHolder 2"/>
+          <p:cNvSpPr>
+            <a:spLocks noGrp="1"/>
+          </p:cNvSpPr>
+          <p:nvPr>
+            <p:ph/>
+          </p:nvPr>
+        </p:nvSpPr>
+        <p:spPr>
+          <a:xfrm>
+            <a:off x="504000" y="1326600"/>
+            <a:ext cx="9072000" cy="1568520"/>
+          </a:xfrm>
+          <a:prstGeom prst="rect">
+            <a:avLst/>
+          </a:prstGeom>
+          <a:noFill/>
+          <a:ln w="0">
+            <a:noFill/>
+          </a:ln>
+        </p:spPr>
+        <p:txBody>
+          <a:bodyPr lIns="0" rIns="0" tIns="0" bIns="0" anchor="t">
+            <a:normAutofit/>
+          </a:bodyPr>
+          <a:p>
+            <a:pPr indent="0">
+              <a:spcBef>
+                <a:spcPts val="1417"/>
+              </a:spcBef>
+              <a:buNone/>
+            </a:pPr>
+            <a:endParaRPr b="0" lang="en-US" sz="3200" spc="-1" strike="noStrike">
+              <a:solidFill>
+                <a:srgbClr val="000000"/>
+              </a:solidFill>
+              <a:latin typeface="Arial"/>
+            </a:endParaRPr>
+          </a:p>
+        </p:txBody>
+      </p:sp>
+      <p:sp>
+        <p:nvSpPr>
+          <p:cNvPr id="110" name="PlaceHolder 3"/>
+          <p:cNvSpPr>
+            <a:spLocks noGrp="1"/>
+          </p:cNvSpPr>
+          <p:nvPr>
+            <p:ph/>
+          </p:nvPr>
+        </p:nvSpPr>
+        <p:spPr>
+          <a:xfrm>
+            <a:off x="504000" y="3044520"/>
+            <a:ext cx="9072000" cy="1568520"/>
+          </a:xfrm>
+          <a:prstGeom prst="rect">
+            <a:avLst/>
+          </a:prstGeom>
+          <a:noFill/>
+          <a:ln w="0">
+            <a:noFill/>
+          </a:ln>
+        </p:spPr>
+        <p:txBody>
+          <a:bodyPr lIns="0" rIns="0" tIns="0" bIns="0" anchor="t">
+            <a:normAutofit/>
+          </a:bodyPr>
+          <a:p>
+            <a:pPr indent="0">
+              <a:spcBef>
+                <a:spcPts val="1417"/>
+              </a:spcBef>
+              <a:buNone/>
+            </a:pPr>
+            <a:endParaRPr b="0" lang="en-US" sz="3200" spc="-1" strike="noStrike">
+              <a:solidFill>
+                <a:srgbClr val="000000"/>
+              </a:solidFill>
+              <a:latin typeface="Arial"/>
+            </a:endParaRPr>
+          </a:p>
+        </p:txBody>
+      </p:sp>
+      <p:sp>
+        <p:nvSpPr>
+          <p:cNvPr id="5" name="PlaceHolder 4"/>
+          <p:cNvSpPr>
+            <a:spLocks noGrp="1"/>
+          </p:cNvSpPr>
+          <p:nvPr>
+            <p:ph type="ftr" idx="7"/>
+          </p:nvPr>
+        </p:nvSpPr>
+        <p:spPr/>
+        <p:txBody>
+          <a:bodyPr/>
+          <a:p>
+            <a:r>
+              <a:t>Footer</a:t>
+            </a:r>
+          </a:p>
+        </p:txBody>
+      </p:sp>
+      <p:sp>
+        <p:nvSpPr>
+          <p:cNvPr id="6" name="PlaceHolder 5"/>
+          <p:cNvSpPr>
+            <a:spLocks noGrp="1"/>
+          </p:cNvSpPr>
+          <p:nvPr>
+            <p:ph type="sldNum" idx="8"/>
+          </p:nvPr>
+        </p:nvSpPr>
+        <p:spPr/>
+        <p:txBody>
+          <a:bodyPr/>
+          <a:p>
+            <a:fld id="{E1917C3D-DBA8-43DE-B899-33FC261BF32E}" type="slidenum">
+              <a:t>&lt;#&gt;</a:t>
+            </a:fld>
+          </a:p>
+        </p:txBody>
+      </p:sp>
+      <p:sp>
+        <p:nvSpPr>
+          <p:cNvPr id="7" name="PlaceHolder 6"/>
+          <p:cNvSpPr>
+            <a:spLocks noGrp="1"/>
+          </p:cNvSpPr>
+          <p:nvPr>
+            <p:ph type="dt" idx="9"/>
+          </p:nvPr>
+        </p:nvSpPr>
+        <p:spPr/>
+        <p:txBody>
+          <a:bodyPr/>
+          <a:p>
+            <a:r>
+              <a:rPr lang="en-US"/>
+              <a:t/>
+            </a:r>
+          </a:p>
+        </p:txBody>
+      </p:sp>
+    </p:spTree>
+  </p:cSld>
+</p:sldLayout>
+</file>
+
+<file path=ppt/slideLayouts/slideLayout35.xml><?xml version="1.0" encoding="utf-8"?>
+<p:sldLayout xmlns:a="http://schemas.openxmlformats.org/drawingml/2006/main" xmlns:p="http://schemas.openxmlformats.org/presentationml/2006/main" xmlns:r="http://schemas.openxmlformats.org/officeDocument/2006/relationships" xmlns:p14="http://schemas.microsoft.com/office/powerpoint/2010/main" xmlns:p15="http://schemas.microsoft.com/office/powerpoint/2012/main" xmlns:mc="http://schemas.openxmlformats.org/markup-compatibility/2006" type="fourObj" preserve="1">
+  <p:cSld name="Title, 4 Content">
+    <p:spTree>
+      <p:nvGrpSpPr>
+        <p:cNvPr id="1" name=""/>
+        <p:cNvGrpSpPr/>
+        <p:nvPr/>
+      </p:nvGrpSpPr>
+      <p:grpSpPr>
+        <a:xfrm>
+          <a:off x="0" y="0"/>
+          <a:ext cx="0" cy="0"/>
+          <a:chOff x="0" y="0"/>
+          <a:chExt cx="0" cy="0"/>
+        </a:xfrm>
+      </p:grpSpPr>
+      <p:sp>
+        <p:nvSpPr>
+          <p:cNvPr id="111" name="PlaceHolder 1"/>
+          <p:cNvSpPr>
+            <a:spLocks noGrp="1"/>
+          </p:cNvSpPr>
+          <p:nvPr>
+            <p:ph type="title"/>
+          </p:nvPr>
+        </p:nvSpPr>
+        <p:spPr>
+          <a:xfrm>
+            <a:off x="504000" y="226080"/>
+            <a:ext cx="9071280" cy="946080"/>
+          </a:xfrm>
+          <a:prstGeom prst="rect">
+            <a:avLst/>
+          </a:prstGeom>
+          <a:noFill/>
+          <a:ln w="0">
+            <a:noFill/>
+          </a:ln>
+        </p:spPr>
+        <p:txBody>
+          <a:bodyPr lIns="0" rIns="0" tIns="0" bIns="0" anchor="ctr">
+            <a:noAutofit/>
+          </a:bodyPr>
+          <a:p>
+            <a:pPr indent="0" algn="ctr">
+              <a:buNone/>
+            </a:pPr>
+            <a:endParaRPr b="0" lang="en-US" sz="4400" spc="-1" strike="noStrike">
+              <a:solidFill>
+                <a:srgbClr val="000000"/>
+              </a:solidFill>
+              <a:latin typeface="Arial"/>
+            </a:endParaRPr>
+          </a:p>
+        </p:txBody>
+      </p:sp>
+      <p:sp>
+        <p:nvSpPr>
+          <p:cNvPr id="112" name="PlaceHolder 2"/>
+          <p:cNvSpPr>
+            <a:spLocks noGrp="1"/>
+          </p:cNvSpPr>
+          <p:nvPr>
+            <p:ph/>
+          </p:nvPr>
+        </p:nvSpPr>
+        <p:spPr>
+          <a:xfrm>
+            <a:off x="504000" y="1326600"/>
+            <a:ext cx="4426920" cy="1568520"/>
+          </a:xfrm>
+          <a:prstGeom prst="rect">
+            <a:avLst/>
+          </a:prstGeom>
+          <a:noFill/>
+          <a:ln w="0">
+            <a:noFill/>
+          </a:ln>
+        </p:spPr>
+        <p:txBody>
+          <a:bodyPr lIns="0" rIns="0" tIns="0" bIns="0" anchor="t">
+            <a:normAutofit/>
+          </a:bodyPr>
+          <a:p>
+            <a:pPr indent="0">
+              <a:spcBef>
+                <a:spcPts val="1417"/>
+              </a:spcBef>
+              <a:buNone/>
+            </a:pPr>
+            <a:endParaRPr b="0" lang="en-US" sz="3200" spc="-1" strike="noStrike">
+              <a:solidFill>
+                <a:srgbClr val="000000"/>
+              </a:solidFill>
+              <a:latin typeface="Arial"/>
+            </a:endParaRPr>
+          </a:p>
+        </p:txBody>
+      </p:sp>
+      <p:sp>
+        <p:nvSpPr>
+          <p:cNvPr id="113" name="PlaceHolder 3"/>
+          <p:cNvSpPr>
+            <a:spLocks noGrp="1"/>
+          </p:cNvSpPr>
+          <p:nvPr>
+            <p:ph/>
+          </p:nvPr>
+        </p:nvSpPr>
+        <p:spPr>
+          <a:xfrm>
+            <a:off x="5152680" y="1326600"/>
+            <a:ext cx="4426920" cy="1568520"/>
+          </a:xfrm>
+          <a:prstGeom prst="rect">
+            <a:avLst/>
+          </a:prstGeom>
+          <a:noFill/>
+          <a:ln w="0">
+            <a:noFill/>
+          </a:ln>
+        </p:spPr>
+        <p:txBody>
+          <a:bodyPr lIns="0" rIns="0" tIns="0" bIns="0" anchor="t">
+            <a:normAutofit/>
+          </a:bodyPr>
+          <a:p>
+            <a:pPr indent="0">
+              <a:spcBef>
+                <a:spcPts val="1417"/>
+              </a:spcBef>
+              <a:buNone/>
+            </a:pPr>
+            <a:endParaRPr b="0" lang="en-US" sz="3200" spc="-1" strike="noStrike">
+              <a:solidFill>
+                <a:srgbClr val="000000"/>
+              </a:solidFill>
+              <a:latin typeface="Arial"/>
+            </a:endParaRPr>
+          </a:p>
+        </p:txBody>
+      </p:sp>
+      <p:sp>
+        <p:nvSpPr>
+          <p:cNvPr id="114" name="PlaceHolder 4"/>
+          <p:cNvSpPr>
+            <a:spLocks noGrp="1"/>
+          </p:cNvSpPr>
+          <p:nvPr>
+            <p:ph/>
+          </p:nvPr>
+        </p:nvSpPr>
+        <p:spPr>
+          <a:xfrm>
+            <a:off x="504000" y="3044520"/>
+            <a:ext cx="4426920" cy="1568520"/>
+          </a:xfrm>
+          <a:prstGeom prst="rect">
+            <a:avLst/>
+          </a:prstGeom>
+          <a:noFill/>
+          <a:ln w="0">
+            <a:noFill/>
+          </a:ln>
+        </p:spPr>
+        <p:txBody>
+          <a:bodyPr lIns="0" rIns="0" tIns="0" bIns="0" anchor="t">
+            <a:normAutofit/>
+          </a:bodyPr>
+          <a:p>
+            <a:pPr indent="0">
+              <a:spcBef>
+                <a:spcPts val="1417"/>
+              </a:spcBef>
+              <a:buNone/>
+            </a:pPr>
+            <a:endParaRPr b="0" lang="en-US" sz="3200" spc="-1" strike="noStrike">
+              <a:solidFill>
+                <a:srgbClr val="000000"/>
+              </a:solidFill>
+              <a:latin typeface="Arial"/>
+            </a:endParaRPr>
+          </a:p>
+        </p:txBody>
+      </p:sp>
+      <p:sp>
+        <p:nvSpPr>
+          <p:cNvPr id="115" name="PlaceHolder 5"/>
+          <p:cNvSpPr>
+            <a:spLocks noGrp="1"/>
+          </p:cNvSpPr>
+          <p:nvPr>
+            <p:ph/>
+          </p:nvPr>
+        </p:nvSpPr>
+        <p:spPr>
+          <a:xfrm>
+            <a:off x="5152680" y="3044520"/>
+            <a:ext cx="4426920" cy="1568520"/>
+          </a:xfrm>
+          <a:prstGeom prst="rect">
+            <a:avLst/>
+          </a:prstGeom>
+          <a:noFill/>
+          <a:ln w="0">
+            <a:noFill/>
+          </a:ln>
+        </p:spPr>
+        <p:txBody>
+          <a:bodyPr lIns="0" rIns="0" tIns="0" bIns="0" anchor="t">
+            <a:normAutofit/>
+          </a:bodyPr>
+          <a:p>
+            <a:pPr indent="0">
+              <a:spcBef>
+                <a:spcPts val="1417"/>
+              </a:spcBef>
+              <a:buNone/>
+            </a:pPr>
+            <a:endParaRPr b="0" lang="en-US" sz="3200" spc="-1" strike="noStrike">
+              <a:solidFill>
+                <a:srgbClr val="000000"/>
+              </a:solidFill>
+              <a:latin typeface="Arial"/>
+            </a:endParaRPr>
+          </a:p>
+        </p:txBody>
+      </p:sp>
+      <p:sp>
+        <p:nvSpPr>
+          <p:cNvPr id="7" name="PlaceHolder 6"/>
+          <p:cNvSpPr>
+            <a:spLocks noGrp="1"/>
+          </p:cNvSpPr>
+          <p:nvPr>
+            <p:ph type="ftr" idx="7"/>
+          </p:nvPr>
+        </p:nvSpPr>
+        <p:spPr/>
+        <p:txBody>
+          <a:bodyPr/>
+          <a:p>
+            <a:r>
+              <a:t>Footer</a:t>
+            </a:r>
+          </a:p>
+        </p:txBody>
+      </p:sp>
+      <p:sp>
+        <p:nvSpPr>
+          <p:cNvPr id="8" name="PlaceHolder 7"/>
+          <p:cNvSpPr>
+            <a:spLocks noGrp="1"/>
+          </p:cNvSpPr>
+          <p:nvPr>
+            <p:ph type="sldNum" idx="8"/>
+          </p:nvPr>
+        </p:nvSpPr>
+        <p:spPr/>
+        <p:txBody>
+          <a:bodyPr/>
+          <a:p>
+            <a:fld id="{E92942C6-1550-4AE1-9CA3-1805631FC16E}" type="slidenum">
+              <a:t>&lt;#&gt;</a:t>
+            </a:fld>
+          </a:p>
+        </p:txBody>
+      </p:sp>
+      <p:sp>
+        <p:nvSpPr>
+          <p:cNvPr id="9" name="PlaceHolder 8"/>
+          <p:cNvSpPr>
+            <a:spLocks noGrp="1"/>
+          </p:cNvSpPr>
+          <p:nvPr>
+            <p:ph type="dt" idx="9"/>
+          </p:nvPr>
+        </p:nvSpPr>
+        <p:spPr/>
+        <p:txBody>
+          <a:bodyPr/>
+          <a:p>
+            <a:r>
+              <a:rPr lang="en-US"/>
+              <a:t/>
+            </a:r>
+          </a:p>
+        </p:txBody>
+      </p:sp>
+    </p:spTree>
+  </p:cSld>
+</p:sldLayout>
+</file>
+
+<file path=ppt/slideLayouts/slideLayout36.xml><?xml version="1.0" encoding="utf-8"?>
+<p:sldLayout xmlns:a="http://schemas.openxmlformats.org/drawingml/2006/main" xmlns:p="http://schemas.openxmlformats.org/presentationml/2006/main" xmlns:r="http://schemas.openxmlformats.org/officeDocument/2006/relationships" xmlns:p14="http://schemas.microsoft.com/office/powerpoint/2010/main" xmlns:p15="http://schemas.microsoft.com/office/powerpoint/2012/main" xmlns:mc="http://schemas.openxmlformats.org/markup-compatibility/2006" type="blank" preserve="1">
+  <p:cSld name="Title, 6 Content">
+    <p:spTree>
+      <p:nvGrpSpPr>
+        <p:cNvPr id="1" name=""/>
+        <p:cNvGrpSpPr/>
+        <p:nvPr/>
+      </p:nvGrpSpPr>
+      <p:grpSpPr>
+        <a:xfrm>
+          <a:off x="0" y="0"/>
+          <a:ext cx="0" cy="0"/>
+          <a:chOff x="0" y="0"/>
+          <a:chExt cx="0" cy="0"/>
+        </a:xfrm>
+      </p:grpSpPr>
+      <p:sp>
+        <p:nvSpPr>
+          <p:cNvPr id="116" name="PlaceHolder 1"/>
+          <p:cNvSpPr>
+            <a:spLocks noGrp="1"/>
+          </p:cNvSpPr>
+          <p:nvPr>
+            <p:ph type="title"/>
+          </p:nvPr>
+        </p:nvSpPr>
+        <p:spPr>
+          <a:xfrm>
+            <a:off x="504000" y="226080"/>
+            <a:ext cx="9071280" cy="946080"/>
+          </a:xfrm>
+          <a:prstGeom prst="rect">
+            <a:avLst/>
+          </a:prstGeom>
+          <a:noFill/>
+          <a:ln w="0">
+            <a:noFill/>
+          </a:ln>
+        </p:spPr>
+        <p:txBody>
+          <a:bodyPr lIns="0" rIns="0" tIns="0" bIns="0" anchor="ctr">
+            <a:noAutofit/>
+          </a:bodyPr>
+          <a:p>
+            <a:pPr indent="0" algn="ctr">
+              <a:buNone/>
+            </a:pPr>
+            <a:endParaRPr b="0" lang="en-US" sz="4400" spc="-1" strike="noStrike">
+              <a:solidFill>
+                <a:srgbClr val="000000"/>
+              </a:solidFill>
+              <a:latin typeface="Arial"/>
+            </a:endParaRPr>
+          </a:p>
+        </p:txBody>
+      </p:sp>
+      <p:sp>
+        <p:nvSpPr>
+          <p:cNvPr id="117" name="PlaceHolder 2"/>
+          <p:cNvSpPr>
+            <a:spLocks noGrp="1"/>
+          </p:cNvSpPr>
+          <p:nvPr>
+            <p:ph/>
+          </p:nvPr>
+        </p:nvSpPr>
+        <p:spPr>
+          <a:xfrm>
+            <a:off x="504000" y="1326600"/>
+            <a:ext cx="2921040" cy="1568520"/>
+          </a:xfrm>
+          <a:prstGeom prst="rect">
+            <a:avLst/>
+          </a:prstGeom>
+          <a:noFill/>
+          <a:ln w="0">
+            <a:noFill/>
+          </a:ln>
+        </p:spPr>
+        <p:txBody>
+          <a:bodyPr lIns="0" rIns="0" tIns="0" bIns="0" anchor="t">
+            <a:normAutofit/>
+          </a:bodyPr>
+          <a:p>
+            <a:pPr indent="0">
+              <a:spcBef>
+                <a:spcPts val="1417"/>
+              </a:spcBef>
+              <a:buNone/>
+            </a:pPr>
+            <a:endParaRPr b="0" lang="en-US" sz="3200" spc="-1" strike="noStrike">
+              <a:solidFill>
+                <a:srgbClr val="000000"/>
+              </a:solidFill>
+              <a:latin typeface="Arial"/>
+            </a:endParaRPr>
+          </a:p>
+        </p:txBody>
+      </p:sp>
+      <p:sp>
+        <p:nvSpPr>
+          <p:cNvPr id="118" name="PlaceHolder 3"/>
+          <p:cNvSpPr>
+            <a:spLocks noGrp="1"/>
+          </p:cNvSpPr>
+          <p:nvPr>
+            <p:ph/>
+          </p:nvPr>
+        </p:nvSpPr>
+        <p:spPr>
+          <a:xfrm>
+            <a:off x="3571560" y="1326600"/>
+            <a:ext cx="2921040" cy="1568520"/>
+          </a:xfrm>
+          <a:prstGeom prst="rect">
+            <a:avLst/>
+          </a:prstGeom>
+          <a:noFill/>
+          <a:ln w="0">
+            <a:noFill/>
+          </a:ln>
+        </p:spPr>
+        <p:txBody>
+          <a:bodyPr lIns="0" rIns="0" tIns="0" bIns="0" anchor="t">
+            <a:normAutofit/>
+          </a:bodyPr>
+          <a:p>
+            <a:pPr indent="0">
+              <a:spcBef>
+                <a:spcPts val="1417"/>
+              </a:spcBef>
+              <a:buNone/>
+            </a:pPr>
+            <a:endParaRPr b="0" lang="en-US" sz="3200" spc="-1" strike="noStrike">
+              <a:solidFill>
+                <a:srgbClr val="000000"/>
+              </a:solidFill>
+              <a:latin typeface="Arial"/>
+            </a:endParaRPr>
+          </a:p>
+        </p:txBody>
+      </p:sp>
+      <p:sp>
+        <p:nvSpPr>
+          <p:cNvPr id="119" name="PlaceHolder 4"/>
+          <p:cNvSpPr>
+            <a:spLocks noGrp="1"/>
+          </p:cNvSpPr>
+          <p:nvPr>
+            <p:ph/>
+          </p:nvPr>
+        </p:nvSpPr>
+        <p:spPr>
+          <a:xfrm>
+            <a:off x="6639120" y="1326600"/>
+            <a:ext cx="2921040" cy="1568520"/>
+          </a:xfrm>
+          <a:prstGeom prst="rect">
+            <a:avLst/>
+          </a:prstGeom>
+          <a:noFill/>
+          <a:ln w="0">
+            <a:noFill/>
+          </a:ln>
+        </p:spPr>
+        <p:txBody>
+          <a:bodyPr lIns="0" rIns="0" tIns="0" bIns="0" anchor="t">
+            <a:normAutofit/>
+          </a:bodyPr>
+          <a:p>
+            <a:pPr indent="0">
+              <a:spcBef>
+                <a:spcPts val="1417"/>
+              </a:spcBef>
+              <a:buNone/>
+            </a:pPr>
+            <a:endParaRPr b="0" lang="en-US" sz="3200" spc="-1" strike="noStrike">
+              <a:solidFill>
+                <a:srgbClr val="000000"/>
+              </a:solidFill>
+              <a:latin typeface="Arial"/>
+            </a:endParaRPr>
+          </a:p>
+        </p:txBody>
+      </p:sp>
+      <p:sp>
+        <p:nvSpPr>
+          <p:cNvPr id="120" name="PlaceHolder 5"/>
+          <p:cNvSpPr>
+            <a:spLocks noGrp="1"/>
+          </p:cNvSpPr>
+          <p:nvPr>
+            <p:ph/>
+          </p:nvPr>
+        </p:nvSpPr>
+        <p:spPr>
+          <a:xfrm>
+            <a:off x="504000" y="3044520"/>
+            <a:ext cx="2921040" cy="1568520"/>
+          </a:xfrm>
+          <a:prstGeom prst="rect">
+            <a:avLst/>
+          </a:prstGeom>
+          <a:noFill/>
+          <a:ln w="0">
+            <a:noFill/>
+          </a:ln>
+        </p:spPr>
+        <p:txBody>
+          <a:bodyPr lIns="0" rIns="0" tIns="0" bIns="0" anchor="t">
+            <a:normAutofit/>
+          </a:bodyPr>
+          <a:p>
+            <a:pPr indent="0">
+              <a:spcBef>
+                <a:spcPts val="1417"/>
+              </a:spcBef>
+              <a:buNone/>
+            </a:pPr>
+            <a:endParaRPr b="0" lang="en-US" sz="3200" spc="-1" strike="noStrike">
+              <a:solidFill>
+                <a:srgbClr val="000000"/>
+              </a:solidFill>
+              <a:latin typeface="Arial"/>
+            </a:endParaRPr>
+          </a:p>
+        </p:txBody>
+      </p:sp>
+      <p:sp>
+        <p:nvSpPr>
+          <p:cNvPr id="121" name="PlaceHolder 6"/>
+          <p:cNvSpPr>
+            <a:spLocks noGrp="1"/>
+          </p:cNvSpPr>
+          <p:nvPr>
+            <p:ph/>
+          </p:nvPr>
+        </p:nvSpPr>
+        <p:spPr>
+          <a:xfrm>
+            <a:off x="3571560" y="3044520"/>
+            <a:ext cx="2921040" cy="1568520"/>
+          </a:xfrm>
+          <a:prstGeom prst="rect">
+            <a:avLst/>
+          </a:prstGeom>
+          <a:noFill/>
+          <a:ln w="0">
+            <a:noFill/>
+          </a:ln>
+        </p:spPr>
+        <p:txBody>
+          <a:bodyPr lIns="0" rIns="0" tIns="0" bIns="0" anchor="t">
+            <a:normAutofit/>
+          </a:bodyPr>
+          <a:p>
+            <a:pPr indent="0">
+              <a:spcBef>
+                <a:spcPts val="1417"/>
+              </a:spcBef>
+              <a:buNone/>
+            </a:pPr>
+            <a:endParaRPr b="0" lang="en-US" sz="3200" spc="-1" strike="noStrike">
+              <a:solidFill>
+                <a:srgbClr val="000000"/>
+              </a:solidFill>
+              <a:latin typeface="Arial"/>
+            </a:endParaRPr>
+          </a:p>
+        </p:txBody>
+      </p:sp>
+      <p:sp>
+        <p:nvSpPr>
+          <p:cNvPr id="122" name="PlaceHolder 7"/>
+          <p:cNvSpPr>
+            <a:spLocks noGrp="1"/>
+          </p:cNvSpPr>
+          <p:nvPr>
+            <p:ph/>
+          </p:nvPr>
+        </p:nvSpPr>
+        <p:spPr>
+          <a:xfrm>
+            <a:off x="6639120" y="3044520"/>
+            <a:ext cx="2921040" cy="1568520"/>
+          </a:xfrm>
+          <a:prstGeom prst="rect">
+            <a:avLst/>
+          </a:prstGeom>
+          <a:noFill/>
+          <a:ln w="0">
+            <a:noFill/>
+          </a:ln>
+        </p:spPr>
+        <p:txBody>
+          <a:bodyPr lIns="0" rIns="0" tIns="0" bIns="0" anchor="t">
+            <a:normAutofit/>
+          </a:bodyPr>
+          <a:p>
+            <a:pPr indent="0">
+              <a:spcBef>
+                <a:spcPts val="1417"/>
+              </a:spcBef>
+              <a:buNone/>
+            </a:pPr>
+            <a:endParaRPr b="0" lang="en-US" sz="3200" spc="-1" strike="noStrike">
+              <a:solidFill>
+                <a:srgbClr val="000000"/>
+              </a:solidFill>
+              <a:latin typeface="Arial"/>
+            </a:endParaRPr>
+          </a:p>
+        </p:txBody>
+      </p:sp>
+      <p:sp>
+        <p:nvSpPr>
+          <p:cNvPr id="9" name="PlaceHolder 8"/>
+          <p:cNvSpPr>
+            <a:spLocks noGrp="1"/>
+          </p:cNvSpPr>
+          <p:nvPr>
+            <p:ph type="ftr" idx="7"/>
+          </p:nvPr>
+        </p:nvSpPr>
+        <p:spPr/>
+        <p:txBody>
+          <a:bodyPr/>
+          <a:p>
+            <a:r>
+              <a:t>Footer</a:t>
+            </a:r>
+          </a:p>
+        </p:txBody>
+      </p:sp>
+      <p:sp>
+        <p:nvSpPr>
+          <p:cNvPr id="10" name="PlaceHolder 9"/>
+          <p:cNvSpPr>
+            <a:spLocks noGrp="1"/>
+          </p:cNvSpPr>
+          <p:nvPr>
+            <p:ph type="sldNum" idx="8"/>
+          </p:nvPr>
+        </p:nvSpPr>
+        <p:spPr/>
+        <p:txBody>
+          <a:bodyPr/>
+          <a:p>
+            <a:fld id="{7798ADEB-E6F5-40B8-8915-0C58BC96C89C}" type="slidenum">
+              <a:t>&lt;#&gt;</a:t>
+            </a:fld>
+          </a:p>
+        </p:txBody>
+      </p:sp>
+      <p:sp>
+        <p:nvSpPr>
+          <p:cNvPr id="11" name="PlaceHolder 10"/>
+          <p:cNvSpPr>
+            <a:spLocks noGrp="1"/>
+          </p:cNvSpPr>
+          <p:nvPr>
+            <p:ph type="dt" idx="9"/>
           </p:nvPr>
         </p:nvSpPr>
         <p:spPr/>
@@ -1343,7 +6357,7 @@
         <p:spPr>
           <a:xfrm>
             <a:off x="504000" y="226080"/>
-            <a:ext cx="9071640" cy="946440"/>
+            <a:ext cx="9071280" cy="946080"/>
           </a:xfrm>
           <a:prstGeom prst="rect">
             <a:avLst/>
@@ -1383,7 +6397,7 @@
         <p:spPr>
           <a:xfrm>
             <a:off x="504000" y="1326600"/>
-            <a:ext cx="4426920" cy="3288240"/>
+            <a:ext cx="4426920" cy="3288600"/>
           </a:xfrm>
           <a:prstGeom prst="rect">
             <a:avLst/>
@@ -1426,7 +6440,7 @@
         <p:spPr>
           <a:xfrm>
             <a:off x="5152680" y="1326600"/>
-            <a:ext cx="4426920" cy="3288240"/>
+            <a:ext cx="4426920" cy="3288600"/>
           </a:xfrm>
           <a:prstGeom prst="rect">
             <a:avLst/>
@@ -1463,7 +6477,7 @@
             <a:spLocks noGrp="1"/>
           </p:cNvSpPr>
           <p:nvPr>
-            <p:ph type="ftr" idx="2"/>
+            <p:ph type="ftr" idx="1"/>
           </p:nvPr>
         </p:nvSpPr>
         <p:spPr/>
@@ -1483,14 +6497,14 @@
             <a:spLocks noGrp="1"/>
           </p:cNvSpPr>
           <p:nvPr>
-            <p:ph type="sldNum" idx="3"/>
+            <p:ph type="sldNum" idx="2"/>
           </p:nvPr>
         </p:nvSpPr>
         <p:spPr/>
         <p:txBody>
           <a:bodyPr/>
           <a:p>
-            <a:fld id="{199115F4-F2D1-4480-A0CA-B12F3F6BC70C}" type="slidenum">
+            <a:fld id="{A9E39718-0FD5-4D7E-BD4E-E5145401D120}" type="slidenum">
               <a:t>&lt;#&gt;</a:t>
             </a:fld>
           </a:p>
@@ -1503,7 +6517,7 @@
             <a:spLocks noGrp="1"/>
           </p:cNvSpPr>
           <p:nvPr>
-            <p:ph type="dt" idx="1"/>
+            <p:ph type="dt" idx="3"/>
           </p:nvPr>
         </p:nvSpPr>
         <p:spPr/>
@@ -1552,7 +6566,7 @@
         <p:spPr>
           <a:xfrm>
             <a:off x="504000" y="226080"/>
-            <a:ext cx="9071640" cy="946440"/>
+            <a:ext cx="9071280" cy="946080"/>
           </a:xfrm>
           <a:prstGeom prst="rect">
             <a:avLst/>
@@ -1586,7 +6600,7 @@
             <a:spLocks noGrp="1"/>
           </p:cNvSpPr>
           <p:nvPr>
-            <p:ph type="ftr" idx="2"/>
+            <p:ph type="ftr" idx="1"/>
           </p:nvPr>
         </p:nvSpPr>
         <p:spPr/>
@@ -1606,14 +6620,14 @@
             <a:spLocks noGrp="1"/>
           </p:cNvSpPr>
           <p:nvPr>
-            <p:ph type="sldNum" idx="3"/>
+            <p:ph type="sldNum" idx="2"/>
           </p:nvPr>
         </p:nvSpPr>
         <p:spPr/>
         <p:txBody>
           <a:bodyPr/>
           <a:p>
-            <a:fld id="{41581C9A-47DF-41D0-90EC-78B12BAFE491}" type="slidenum">
+            <a:fld id="{9CC6A8B5-8966-4DC7-A9A9-3CE1AF6DFB3D}" type="slidenum">
               <a:t>&lt;#&gt;</a:t>
             </a:fld>
           </a:p>
@@ -1626,7 +6640,7 @@
             <a:spLocks noGrp="1"/>
           </p:cNvSpPr>
           <p:nvPr>
-            <p:ph type="dt" idx="1"/>
+            <p:ph type="dt" idx="3"/>
           </p:nvPr>
         </p:nvSpPr>
         <p:spPr/>
@@ -1675,7 +6689,7 @@
         <p:spPr>
           <a:xfrm>
             <a:off x="504000" y="226080"/>
-            <a:ext cx="9071640" cy="4388400"/>
+            <a:ext cx="9071280" cy="4386600"/>
           </a:xfrm>
           <a:prstGeom prst="rect">
             <a:avLst/>
@@ -1707,7 +6721,7 @@
             <a:spLocks noGrp="1"/>
           </p:cNvSpPr>
           <p:nvPr>
-            <p:ph type="ftr" idx="2"/>
+            <p:ph type="ftr" idx="1"/>
           </p:nvPr>
         </p:nvSpPr>
         <p:spPr/>
@@ -1727,14 +6741,14 @@
             <a:spLocks noGrp="1"/>
           </p:cNvSpPr>
           <p:nvPr>
-            <p:ph type="sldNum" idx="3"/>
+            <p:ph type="sldNum" idx="2"/>
           </p:nvPr>
         </p:nvSpPr>
         <p:spPr/>
         <p:txBody>
           <a:bodyPr/>
           <a:p>
-            <a:fld id="{99582BB1-9470-44EC-8C1B-C43950E1BF30}" type="slidenum">
+            <a:fld id="{47596ED5-3667-49BC-94DF-153B62A552E9}" type="slidenum">
               <a:t>&lt;#&gt;</a:t>
             </a:fld>
           </a:p>
@@ -1747,7 +6761,7 @@
             <a:spLocks noGrp="1"/>
           </p:cNvSpPr>
           <p:nvPr>
-            <p:ph type="dt" idx="1"/>
+            <p:ph type="dt" idx="3"/>
           </p:nvPr>
         </p:nvSpPr>
         <p:spPr/>
@@ -1796,7 +6810,7 @@
         <p:spPr>
           <a:xfrm>
             <a:off x="504000" y="226080"/>
-            <a:ext cx="9071640" cy="946440"/>
+            <a:ext cx="9071280" cy="946080"/>
           </a:xfrm>
           <a:prstGeom prst="rect">
             <a:avLst/>
@@ -1836,7 +6850,7 @@
         <p:spPr>
           <a:xfrm>
             <a:off x="504000" y="1326600"/>
-            <a:ext cx="4426920" cy="1568160"/>
+            <a:ext cx="4426920" cy="1568520"/>
           </a:xfrm>
           <a:prstGeom prst="rect">
             <a:avLst/>
@@ -1879,7 +6893,7 @@
         <p:spPr>
           <a:xfrm>
             <a:off x="5152680" y="1326600"/>
-            <a:ext cx="4426920" cy="3288240"/>
+            <a:ext cx="4426920" cy="3288600"/>
           </a:xfrm>
           <a:prstGeom prst="rect">
             <a:avLst/>
@@ -1921,8 +6935,8 @@
         </p:nvSpPr>
         <p:spPr>
           <a:xfrm>
-            <a:off x="504000" y="3044160"/>
-            <a:ext cx="4426920" cy="1568160"/>
+            <a:off x="504000" y="3044520"/>
+            <a:ext cx="4426920" cy="1568520"/>
           </a:xfrm>
           <a:prstGeom prst="rect">
             <a:avLst/>
@@ -1959,7 +6973,7 @@
             <a:spLocks noGrp="1"/>
           </p:cNvSpPr>
           <p:nvPr>
-            <p:ph type="ftr" idx="2"/>
+            <p:ph type="ftr" idx="1"/>
           </p:nvPr>
         </p:nvSpPr>
         <p:spPr/>
@@ -1979,14 +6993,14 @@
             <a:spLocks noGrp="1"/>
           </p:cNvSpPr>
           <p:nvPr>
-            <p:ph type="sldNum" idx="3"/>
+            <p:ph type="sldNum" idx="2"/>
           </p:nvPr>
         </p:nvSpPr>
         <p:spPr/>
         <p:txBody>
           <a:bodyPr/>
           <a:p>
-            <a:fld id="{BF3F62B3-AD37-4D17-8DD6-B28CE4CA95FD}" type="slidenum">
+            <a:fld id="{F8908FB0-518E-480B-8F2E-3D2D85542578}" type="slidenum">
               <a:t>&lt;#&gt;</a:t>
             </a:fld>
           </a:p>
@@ -1999,7 +7013,7 @@
             <a:spLocks noGrp="1"/>
           </p:cNvSpPr>
           <p:nvPr>
-            <p:ph type="dt" idx="1"/>
+            <p:ph type="dt" idx="3"/>
           </p:nvPr>
         </p:nvSpPr>
         <p:spPr/>
@@ -2048,7 +7062,7 @@
         <p:spPr>
           <a:xfrm>
             <a:off x="504000" y="226080"/>
-            <a:ext cx="9071640" cy="946440"/>
+            <a:ext cx="9071280" cy="946080"/>
           </a:xfrm>
           <a:prstGeom prst="rect">
             <a:avLst/>
@@ -2088,7 +7102,7 @@
         <p:spPr>
           <a:xfrm>
             <a:off x="504000" y="1326600"/>
-            <a:ext cx="4426920" cy="3288240"/>
+            <a:ext cx="4426920" cy="3288600"/>
           </a:xfrm>
           <a:prstGeom prst="rect">
             <a:avLst/>
@@ -2131,7 +7145,7 @@
         <p:spPr>
           <a:xfrm>
             <a:off x="5152680" y="1326600"/>
-            <a:ext cx="4426920" cy="1568160"/>
+            <a:ext cx="4426920" cy="1568520"/>
           </a:xfrm>
           <a:prstGeom prst="rect">
             <a:avLst/>
@@ -2173,8 +7187,8 @@
         </p:nvSpPr>
         <p:spPr>
           <a:xfrm>
-            <a:off x="5152680" y="3044160"/>
-            <a:ext cx="4426920" cy="1568160"/>
+            <a:off x="5152680" y="3044520"/>
+            <a:ext cx="4426920" cy="1568520"/>
           </a:xfrm>
           <a:prstGeom prst="rect">
             <a:avLst/>
@@ -2211,7 +7225,7 @@
             <a:spLocks noGrp="1"/>
           </p:cNvSpPr>
           <p:nvPr>
-            <p:ph type="ftr" idx="2"/>
+            <p:ph type="ftr" idx="1"/>
           </p:nvPr>
         </p:nvSpPr>
         <p:spPr/>
@@ -2231,14 +7245,14 @@
             <a:spLocks noGrp="1"/>
           </p:cNvSpPr>
           <p:nvPr>
-            <p:ph type="sldNum" idx="3"/>
+            <p:ph type="sldNum" idx="2"/>
           </p:nvPr>
         </p:nvSpPr>
         <p:spPr/>
         <p:txBody>
           <a:bodyPr/>
           <a:p>
-            <a:fld id="{A89957D0-988E-42A5-A979-B11F84B16B27}" type="slidenum">
+            <a:fld id="{1A763704-BA2E-43B9-B888-3A004F919D6A}" type="slidenum">
               <a:t>&lt;#&gt;</a:t>
             </a:fld>
           </a:p>
@@ -2251,7 +7265,7 @@
             <a:spLocks noGrp="1"/>
           </p:cNvSpPr>
           <p:nvPr>
-            <p:ph type="dt" idx="1"/>
+            <p:ph type="dt" idx="3"/>
           </p:nvPr>
         </p:nvSpPr>
         <p:spPr/>
@@ -2300,7 +7314,7 @@
         <p:spPr>
           <a:xfrm>
             <a:off x="504000" y="226080"/>
-            <a:ext cx="9071640" cy="946440"/>
+            <a:ext cx="9071280" cy="946080"/>
           </a:xfrm>
           <a:prstGeom prst="rect">
             <a:avLst/>
@@ -2340,7 +7354,7 @@
         <p:spPr>
           <a:xfrm>
             <a:off x="504000" y="1326600"/>
-            <a:ext cx="4426920" cy="1568160"/>
+            <a:ext cx="4426920" cy="1568520"/>
           </a:xfrm>
           <a:prstGeom prst="rect">
             <a:avLst/>
@@ -2383,7 +7397,7 @@
         <p:spPr>
           <a:xfrm>
             <a:off x="5152680" y="1326600"/>
-            <a:ext cx="4426920" cy="1568160"/>
+            <a:ext cx="4426920" cy="1568520"/>
           </a:xfrm>
           <a:prstGeom prst="rect">
             <a:avLst/>
@@ -2425,8 +7439,8 @@
         </p:nvSpPr>
         <p:spPr>
           <a:xfrm>
-            <a:off x="504000" y="3044160"/>
-            <a:ext cx="9071640" cy="1568160"/>
+            <a:off x="504000" y="3044520"/>
+            <a:ext cx="9072000" cy="1568520"/>
           </a:xfrm>
           <a:prstGeom prst="rect">
             <a:avLst/>
@@ -2463,7 +7477,7 @@
             <a:spLocks noGrp="1"/>
           </p:cNvSpPr>
           <p:nvPr>
-            <p:ph type="ftr" idx="2"/>
+            <p:ph type="ftr" idx="1"/>
           </p:nvPr>
         </p:nvSpPr>
         <p:spPr/>
@@ -2483,14 +7497,14 @@
             <a:spLocks noGrp="1"/>
           </p:cNvSpPr>
           <p:nvPr>
-            <p:ph type="sldNum" idx="3"/>
+            <p:ph type="sldNum" idx="2"/>
           </p:nvPr>
         </p:nvSpPr>
         <p:spPr/>
         <p:txBody>
           <a:bodyPr/>
           <a:p>
-            <a:fld id="{4E0E64FD-3363-413B-B81D-CDDF17237F40}" type="slidenum">
+            <a:fld id="{B9E25D5E-7BEB-488A-B19D-B911B4091F2D}" type="slidenum">
               <a:t>&lt;#&gt;</a:t>
             </a:fld>
           </a:p>
@@ -2503,7 +7517,7 @@
             <a:spLocks noGrp="1"/>
           </p:cNvSpPr>
           <p:nvPr>
-            <p:ph type="dt" idx="1"/>
+            <p:ph type="dt" idx="3"/>
           </p:nvPr>
         </p:nvSpPr>
         <p:spPr/>
@@ -2552,7 +7566,7 @@
         <p:spPr>
           <a:xfrm>
             <a:off x="504000" y="226080"/>
-            <a:ext cx="9071640" cy="946440"/>
+            <a:ext cx="9071280" cy="946080"/>
           </a:xfrm>
           <a:prstGeom prst="rect">
             <a:avLst/>
@@ -2567,11 +7581,11 @@
             <a:noAutofit/>
           </a:bodyPr>
           <a:p>
-            <a:pPr indent="0" algn="ctr">
-              <a:buNone/>
-            </a:pPr>
-            <a:r>
-              <a:rPr b="0" lang="en-US" sz="4400" spc="-1" strike="noStrike">
+            <a:pPr indent="0">
+              <a:buNone/>
+            </a:pPr>
+            <a:r>
+              <a:rPr b="0" lang="en-US" sz="1800" spc="-1" strike="noStrike">
                 <a:solidFill>
                   <a:srgbClr val="000000"/>
                 </a:solidFill>
@@ -2579,7 +7593,7 @@
               </a:rPr>
               <a:t>Click to edit the title text format</a:t>
             </a:r>
-            <a:endParaRPr b="0" lang="en-US" sz="4400" spc="-1" strike="noStrike">
+            <a:endParaRPr b="0" lang="en-US" sz="1800" spc="-1" strike="noStrike">
               <a:solidFill>
                 <a:srgbClr val="000000"/>
               </a:solidFill>
@@ -2595,238 +7609,13 @@
             <a:spLocks noGrp="1"/>
           </p:cNvSpPr>
           <p:nvPr>
-            <p:ph type="body"/>
-          </p:nvPr>
-        </p:nvSpPr>
-        <p:spPr>
-          <a:xfrm>
-            <a:off x="504000" y="1326600"/>
-            <a:ext cx="9071640" cy="3288240"/>
-          </a:xfrm>
-          <a:prstGeom prst="rect">
-            <a:avLst/>
-          </a:prstGeom>
-          <a:noFill/>
-          <a:ln w="0">
-            <a:noFill/>
-          </a:ln>
-        </p:spPr>
-        <p:txBody>
-          <a:bodyPr lIns="0" rIns="0" tIns="0" bIns="0" anchor="t">
-            <a:normAutofit/>
-          </a:bodyPr>
-          <a:p>
-            <a:pPr marL="432000" indent="-324000">
-              <a:spcBef>
-                <a:spcPts val="1417"/>
-              </a:spcBef>
-              <a:buClr>
-                <a:srgbClr val="000000"/>
-              </a:buClr>
-              <a:buSzPct val="45000"/>
-              <a:buFont typeface="Wingdings" charset="2"/>
-              <a:buChar char=""/>
-            </a:pPr>
-            <a:r>
-              <a:rPr b="0" lang="en-US" sz="3200" spc="-1" strike="noStrike">
-                <a:solidFill>
-                  <a:srgbClr val="000000"/>
-                </a:solidFill>
-                <a:latin typeface="Arial"/>
-              </a:rPr>
-              <a:t>Click to edit the outline text format</a:t>
-            </a:r>
-            <a:endParaRPr b="0" lang="en-US" sz="3200" spc="-1" strike="noStrike">
-              <a:solidFill>
-                <a:srgbClr val="000000"/>
-              </a:solidFill>
-              <a:latin typeface="Arial"/>
-            </a:endParaRPr>
-          </a:p>
-          <a:p>
-            <a:pPr lvl="1" marL="864000" indent="-324000">
-              <a:spcBef>
-                <a:spcPts val="1134"/>
-              </a:spcBef>
-              <a:buClr>
-                <a:srgbClr val="000000"/>
-              </a:buClr>
-              <a:buSzPct val="75000"/>
-              <a:buFont typeface="Symbol" charset="2"/>
-              <a:buChar char=""/>
-            </a:pPr>
-            <a:r>
-              <a:rPr b="0" lang="en-US" sz="2800" spc="-1" strike="noStrike">
-                <a:solidFill>
-                  <a:srgbClr val="000000"/>
-                </a:solidFill>
-                <a:latin typeface="Arial"/>
-              </a:rPr>
-              <a:t>Second Outline Level</a:t>
-            </a:r>
-            <a:endParaRPr b="0" lang="en-US" sz="2800" spc="-1" strike="noStrike">
-              <a:solidFill>
-                <a:srgbClr val="000000"/>
-              </a:solidFill>
-              <a:latin typeface="Arial"/>
-            </a:endParaRPr>
-          </a:p>
-          <a:p>
-            <a:pPr lvl="2" marL="1296000" indent="-288000">
-              <a:spcBef>
-                <a:spcPts val="850"/>
-              </a:spcBef>
-              <a:buClr>
-                <a:srgbClr val="000000"/>
-              </a:buClr>
-              <a:buSzPct val="45000"/>
-              <a:buFont typeface="Wingdings" charset="2"/>
-              <a:buChar char=""/>
-            </a:pPr>
-            <a:r>
-              <a:rPr b="0" lang="en-US" sz="2400" spc="-1" strike="noStrike">
-                <a:solidFill>
-                  <a:srgbClr val="000000"/>
-                </a:solidFill>
-                <a:latin typeface="Arial"/>
-              </a:rPr>
-              <a:t>Third Outline Level</a:t>
-            </a:r>
-            <a:endParaRPr b="0" lang="en-US" sz="2400" spc="-1" strike="noStrike">
-              <a:solidFill>
-                <a:srgbClr val="000000"/>
-              </a:solidFill>
-              <a:latin typeface="Arial"/>
-            </a:endParaRPr>
-          </a:p>
-          <a:p>
-            <a:pPr lvl="3" marL="1728000" indent="-216000">
-              <a:spcBef>
-                <a:spcPts val="567"/>
-              </a:spcBef>
-              <a:buClr>
-                <a:srgbClr val="000000"/>
-              </a:buClr>
-              <a:buSzPct val="75000"/>
-              <a:buFont typeface="Symbol" charset="2"/>
-              <a:buChar char=""/>
-            </a:pPr>
-            <a:r>
-              <a:rPr b="0" lang="en-US" sz="2000" spc="-1" strike="noStrike">
-                <a:solidFill>
-                  <a:srgbClr val="000000"/>
-                </a:solidFill>
-                <a:latin typeface="Arial"/>
-              </a:rPr>
-              <a:t>Fourth Outline Level</a:t>
-            </a:r>
-            <a:endParaRPr b="0" lang="en-US" sz="2000" spc="-1" strike="noStrike">
-              <a:solidFill>
-                <a:srgbClr val="000000"/>
-              </a:solidFill>
-              <a:latin typeface="Arial"/>
-            </a:endParaRPr>
-          </a:p>
-          <a:p>
-            <a:pPr lvl="4" marL="2160000" indent="-216000">
-              <a:spcBef>
-                <a:spcPts val="283"/>
-              </a:spcBef>
-              <a:buClr>
-                <a:srgbClr val="000000"/>
-              </a:buClr>
-              <a:buSzPct val="45000"/>
-              <a:buFont typeface="Wingdings" charset="2"/>
-              <a:buChar char=""/>
-            </a:pPr>
-            <a:r>
-              <a:rPr b="0" lang="en-US" sz="2000" spc="-1" strike="noStrike">
-                <a:solidFill>
-                  <a:srgbClr val="000000"/>
-                </a:solidFill>
-                <a:latin typeface="Arial"/>
-              </a:rPr>
-              <a:t>Fifth Outline Level</a:t>
-            </a:r>
-            <a:endParaRPr b="0" lang="en-US" sz="2000" spc="-1" strike="noStrike">
-              <a:solidFill>
-                <a:srgbClr val="000000"/>
-              </a:solidFill>
-              <a:latin typeface="Arial"/>
-            </a:endParaRPr>
-          </a:p>
-          <a:p>
-            <a:pPr lvl="5" marL="2592000" indent="-216000">
-              <a:spcBef>
-                <a:spcPts val="283"/>
-              </a:spcBef>
-              <a:buClr>
-                <a:srgbClr val="000000"/>
-              </a:buClr>
-              <a:buSzPct val="45000"/>
-              <a:buFont typeface="Wingdings" charset="2"/>
-              <a:buChar char=""/>
-            </a:pPr>
-            <a:r>
-              <a:rPr b="0" lang="en-US" sz="2000" spc="-1" strike="noStrike">
-                <a:solidFill>
-                  <a:srgbClr val="000000"/>
-                </a:solidFill>
-                <a:latin typeface="Arial"/>
-              </a:rPr>
-              <a:t>Sixth Outline Level</a:t>
-            </a:r>
-            <a:endParaRPr b="0" lang="en-US" sz="2000" spc="-1" strike="noStrike">
-              <a:solidFill>
-                <a:srgbClr val="000000"/>
-              </a:solidFill>
-              <a:latin typeface="Arial"/>
-            </a:endParaRPr>
-          </a:p>
-          <a:p>
-            <a:pPr lvl="6" marL="3024000" indent="-216000">
-              <a:spcBef>
-                <a:spcPts val="283"/>
-              </a:spcBef>
-              <a:buClr>
-                <a:srgbClr val="000000"/>
-              </a:buClr>
-              <a:buSzPct val="45000"/>
-              <a:buFont typeface="Wingdings" charset="2"/>
-              <a:buChar char=""/>
-            </a:pPr>
-            <a:r>
-              <a:rPr b="0" lang="en-US" sz="2000" spc="-1" strike="noStrike">
-                <a:solidFill>
-                  <a:srgbClr val="000000"/>
-                </a:solidFill>
-                <a:latin typeface="Arial"/>
-              </a:rPr>
-              <a:t>Seventh Outline Level</a:t>
-            </a:r>
-            <a:endParaRPr b="0" lang="en-US" sz="2000" spc="-1" strike="noStrike">
-              <a:solidFill>
-                <a:srgbClr val="000000"/>
-              </a:solidFill>
-              <a:latin typeface="Arial"/>
-            </a:endParaRPr>
-          </a:p>
-        </p:txBody>
-      </p:sp>
-      <p:sp>
-        <p:nvSpPr>
-          <p:cNvPr id="2" name="PlaceHolder 3"/>
-          <p:cNvSpPr>
-            <a:spLocks noGrp="1"/>
-          </p:cNvSpPr>
-          <p:nvPr>
-            <p:ph type="dt" idx="1"/>
-          </p:nvPr>
-        </p:nvSpPr>
-        <p:spPr>
-          <a:xfrm>
-            <a:off x="504000" y="5165280"/>
-            <a:ext cx="2348280" cy="390600"/>
+            <p:ph type="ftr" idx="1"/>
+          </p:nvPr>
+        </p:nvSpPr>
+        <p:spPr>
+          <a:xfrm>
+            <a:off x="3447360" y="5165280"/>
+            <a:ext cx="3194640" cy="390240"/>
           </a:xfrm>
           <a:prstGeom prst="rect">
             <a:avLst/>
@@ -2841,8 +7630,14 @@
             <a:noAutofit/>
           </a:bodyPr>
           <a:lstStyle>
-            <a:lvl1pPr indent="0">
-              <a:buNone/>
+            <a:lvl1pPr indent="0" algn="ctr">
+              <a:lnSpc>
+                <a:spcPct val="100000"/>
+              </a:lnSpc>
+              <a:buNone/>
+              <a:tabLst>
+                <a:tab algn="l" pos="0"/>
+              </a:tabLst>
               <a:defRPr b="0" lang="en-US" sz="1400" spc="-1" strike="noStrike">
                 <a:solidFill>
                   <a:srgbClr val="000000"/>
@@ -2852,8 +7647,14 @@
             </a:lvl1pPr>
           </a:lstStyle>
           <a:p>
-            <a:pPr indent="0">
-              <a:buNone/>
+            <a:pPr indent="0" algn="ctr">
+              <a:lnSpc>
+                <a:spcPct val="100000"/>
+              </a:lnSpc>
+              <a:buNone/>
+              <a:tabLst>
+                <a:tab algn="l" pos="0"/>
+              </a:tabLst>
             </a:pPr>
             <a:r>
               <a:rPr b="0" lang="en-US" sz="1400" spc="-1" strike="noStrike">
@@ -2862,7 +7663,7 @@
                 </a:solidFill>
                 <a:latin typeface="Times New Roman"/>
               </a:rPr>
-              <a:t>&lt;date/time&gt;</a:t>
+              <a:t>&lt;footer&gt;</a:t>
             </a:r>
             <a:endParaRPr b="0" lang="en-US" sz="1400" spc="-1" strike="noStrike">
               <a:solidFill>
@@ -2875,18 +7676,18 @@
       </p:sp>
       <p:sp>
         <p:nvSpPr>
-          <p:cNvPr id="3" name="PlaceHolder 4"/>
-          <p:cNvSpPr>
-            <a:spLocks noGrp="1"/>
-          </p:cNvSpPr>
-          <p:nvPr>
-            <p:ph type="ftr" idx="2"/>
-          </p:nvPr>
-        </p:nvSpPr>
-        <p:spPr>
-          <a:xfrm>
-            <a:off x="3447360" y="5165280"/>
-            <a:ext cx="3195000" cy="390600"/>
+          <p:cNvPr id="2" name="PlaceHolder 3"/>
+          <p:cNvSpPr>
+            <a:spLocks noGrp="1"/>
+          </p:cNvSpPr>
+          <p:nvPr>
+            <p:ph type="sldNum" idx="2"/>
+          </p:nvPr>
+        </p:nvSpPr>
+        <p:spPr>
+          <a:xfrm>
+            <a:off x="7227360" y="5165280"/>
+            <a:ext cx="2347920" cy="390240"/>
           </a:xfrm>
           <a:prstGeom prst="rect">
             <a:avLst/>
@@ -2901,8 +7702,14 @@
             <a:noAutofit/>
           </a:bodyPr>
           <a:lstStyle>
-            <a:lvl1pPr indent="0" algn="ctr">
-              <a:buNone/>
+            <a:lvl1pPr indent="0" algn="r">
+              <a:lnSpc>
+                <a:spcPct val="100000"/>
+              </a:lnSpc>
+              <a:buNone/>
+              <a:tabLst>
+                <a:tab algn="l" pos="0"/>
+              </a:tabLst>
               <a:defRPr b="0" lang="en-US" sz="1400" spc="-1" strike="noStrike">
                 <a:solidFill>
                   <a:srgbClr val="000000"/>
@@ -2912,70 +7719,16 @@
             </a:lvl1pPr>
           </a:lstStyle>
           <a:p>
-            <a:pPr indent="0" algn="ctr">
-              <a:buNone/>
-            </a:pPr>
-            <a:r>
-              <a:rPr b="0" lang="en-US" sz="1400" spc="-1" strike="noStrike">
-                <a:solidFill>
-                  <a:srgbClr val="000000"/>
-                </a:solidFill>
-                <a:latin typeface="Times New Roman"/>
-              </a:rPr>
-              <a:t>&lt;footer&gt;</a:t>
-            </a:r>
-            <a:endParaRPr b="0" lang="en-US" sz="1400" spc="-1" strike="noStrike">
-              <a:solidFill>
-                <a:srgbClr val="000000"/>
-              </a:solidFill>
-              <a:latin typeface="Times New Roman"/>
-            </a:endParaRPr>
-          </a:p>
-        </p:txBody>
-      </p:sp>
-      <p:sp>
-        <p:nvSpPr>
-          <p:cNvPr id="4" name="PlaceHolder 5"/>
-          <p:cNvSpPr>
-            <a:spLocks noGrp="1"/>
-          </p:cNvSpPr>
-          <p:nvPr>
-            <p:ph type="sldNum" idx="3"/>
-          </p:nvPr>
-        </p:nvSpPr>
-        <p:spPr>
-          <a:xfrm>
-            <a:off x="7227360" y="5165280"/>
-            <a:ext cx="2348280" cy="390600"/>
-          </a:xfrm>
-          <a:prstGeom prst="rect">
-            <a:avLst/>
-          </a:prstGeom>
-          <a:noFill/>
-          <a:ln w="0">
-            <a:noFill/>
-          </a:ln>
-        </p:spPr>
-        <p:txBody>
-          <a:bodyPr lIns="0" rIns="0" tIns="0" bIns="0" anchor="t">
-            <a:noAutofit/>
-          </a:bodyPr>
-          <a:lstStyle>
-            <a:lvl1pPr indent="0" algn="r">
-              <a:buNone/>
-              <a:defRPr b="0" lang="en-US" sz="1400" spc="-1" strike="noStrike">
-                <a:solidFill>
-                  <a:srgbClr val="000000"/>
-                </a:solidFill>
-                <a:latin typeface="Times New Roman"/>
-              </a:defRPr>
-            </a:lvl1pPr>
-          </a:lstStyle>
-          <a:p>
             <a:pPr indent="0" algn="r">
-              <a:buNone/>
-            </a:pPr>
-            <a:fld id="{BD3E8F61-A106-47F7-871E-9680F514FFEE}" type="slidenum">
+              <a:lnSpc>
+                <a:spcPct val="100000"/>
+              </a:lnSpc>
+              <a:buNone/>
+              <a:tabLst>
+                <a:tab algn="l" pos="0"/>
+              </a:tabLst>
+            </a:pPr>
+            <a:fld id="{4B3CF9B2-7114-4344-B095-B3F954013A97}" type="slidenum">
               <a:rPr b="0" lang="en-US" sz="1400" spc="-1" strike="noStrike">
                 <a:solidFill>
                   <a:srgbClr val="000000"/>
@@ -2989,6 +7742,291 @@
                 <a:srgbClr val="000000"/>
               </a:solidFill>
               <a:latin typeface="Times New Roman"/>
+            </a:endParaRPr>
+          </a:p>
+        </p:txBody>
+      </p:sp>
+      <p:sp>
+        <p:nvSpPr>
+          <p:cNvPr id="3" name="PlaceHolder 4"/>
+          <p:cNvSpPr>
+            <a:spLocks noGrp="1"/>
+          </p:cNvSpPr>
+          <p:nvPr>
+            <p:ph type="dt" idx="3"/>
+          </p:nvPr>
+        </p:nvSpPr>
+        <p:spPr>
+          <a:xfrm>
+            <a:off x="504000" y="5165280"/>
+            <a:ext cx="2347920" cy="390240"/>
+          </a:xfrm>
+          <a:prstGeom prst="rect">
+            <a:avLst/>
+          </a:prstGeom>
+          <a:noFill/>
+          <a:ln w="0">
+            <a:noFill/>
+          </a:ln>
+        </p:spPr>
+        <p:txBody>
+          <a:bodyPr lIns="0" rIns="0" tIns="0" bIns="0" anchor="t">
+            <a:noAutofit/>
+          </a:bodyPr>
+          <a:lstStyle>
+            <a:lvl1pPr indent="0">
+              <a:buNone/>
+              <a:defRPr b="0" lang="en-US" sz="1400" spc="-1" strike="noStrike">
+                <a:solidFill>
+                  <a:srgbClr val="000000"/>
+                </a:solidFill>
+                <a:latin typeface="Times New Roman"/>
+              </a:defRPr>
+            </a:lvl1pPr>
+          </a:lstStyle>
+          <a:p>
+            <a:pPr indent="0">
+              <a:buNone/>
+            </a:pPr>
+            <a:r>
+              <a:rPr b="0" lang="en-US" sz="1400" spc="-1" strike="noStrike">
+                <a:solidFill>
+                  <a:srgbClr val="000000"/>
+                </a:solidFill>
+                <a:latin typeface="Times New Roman"/>
+              </a:rPr>
+              <a:t>&lt;date/time&gt;</a:t>
+            </a:r>
+            <a:endParaRPr b="0" lang="en-US" sz="1400" spc="-1" strike="noStrike">
+              <a:solidFill>
+                <a:srgbClr val="000000"/>
+              </a:solidFill>
+              <a:latin typeface="Times New Roman"/>
+            </a:endParaRPr>
+          </a:p>
+        </p:txBody>
+      </p:sp>
+      <p:sp>
+        <p:nvSpPr>
+          <p:cNvPr id="4" name="PlaceHolder 5"/>
+          <p:cNvSpPr>
+            <a:spLocks noGrp="1"/>
+          </p:cNvSpPr>
+          <p:nvPr>
+            <p:ph type="body"/>
+          </p:nvPr>
+        </p:nvSpPr>
+        <p:spPr>
+          <a:xfrm>
+            <a:off x="504000" y="1326600"/>
+            <a:ext cx="9072000" cy="3288600"/>
+          </a:xfrm>
+          <a:prstGeom prst="rect">
+            <a:avLst/>
+          </a:prstGeom>
+          <a:noFill/>
+          <a:ln w="0">
+            <a:noFill/>
+          </a:ln>
+        </p:spPr>
+        <p:txBody>
+          <a:bodyPr lIns="0" rIns="0" tIns="0" bIns="0" anchor="t">
+            <a:normAutofit/>
+          </a:bodyPr>
+          <a:p>
+            <a:pPr marL="432000" indent="-324000">
+              <a:spcBef>
+                <a:spcPts val="1417"/>
+              </a:spcBef>
+              <a:buClr>
+                <a:srgbClr val="000000"/>
+              </a:buClr>
+              <a:buSzPct val="45000"/>
+              <a:buFont typeface="Wingdings" charset="2"/>
+              <a:buChar char=""/>
+            </a:pPr>
+            <a:r>
+              <a:rPr b="0" lang="en-US" sz="3200" spc="-1" strike="noStrike">
+                <a:solidFill>
+                  <a:srgbClr val="000000"/>
+                </a:solidFill>
+                <a:latin typeface="Arial"/>
+              </a:rPr>
+              <a:t>Click to edit the outline text format</a:t>
+            </a:r>
+            <a:endParaRPr b="0" lang="en-US" sz="3200" spc="-1" strike="noStrike">
+              <a:solidFill>
+                <a:srgbClr val="000000"/>
+              </a:solidFill>
+              <a:latin typeface="Arial"/>
+            </a:endParaRPr>
+          </a:p>
+          <a:p>
+            <a:pPr lvl="1" marL="864000" indent="-324000">
+              <a:spcBef>
+                <a:spcPts val="1134"/>
+              </a:spcBef>
+              <a:buClr>
+                <a:srgbClr val="000000"/>
+              </a:buClr>
+              <a:buSzPct val="75000"/>
+              <a:buFont typeface="Symbol" charset="2"/>
+              <a:buChar char=""/>
+            </a:pPr>
+            <a:r>
+              <a:rPr b="0" lang="en-US" sz="2800" spc="-1" strike="noStrike">
+                <a:solidFill>
+                  <a:srgbClr val="000000"/>
+                </a:solidFill>
+                <a:latin typeface="Arial"/>
+              </a:rPr>
+              <a:t>Second Outline Level</a:t>
+            </a:r>
+            <a:endParaRPr b="0" lang="en-US" sz="2800" spc="-1" strike="noStrike">
+              <a:solidFill>
+                <a:srgbClr val="000000"/>
+              </a:solidFill>
+              <a:latin typeface="Arial"/>
+            </a:endParaRPr>
+          </a:p>
+          <a:p>
+            <a:pPr lvl="2" marL="1296000" indent="-288000">
+              <a:spcBef>
+                <a:spcPts val="850"/>
+              </a:spcBef>
+              <a:buClr>
+                <a:srgbClr val="000000"/>
+              </a:buClr>
+              <a:buSzPct val="45000"/>
+              <a:buFont typeface="Wingdings" charset="2"/>
+              <a:buChar char=""/>
+            </a:pPr>
+            <a:r>
+              <a:rPr b="0" lang="en-US" sz="2400" spc="-1" strike="noStrike">
+                <a:solidFill>
+                  <a:srgbClr val="000000"/>
+                </a:solidFill>
+                <a:latin typeface="Arial"/>
+              </a:rPr>
+              <a:t>Third Outline Level</a:t>
+            </a:r>
+            <a:endParaRPr b="0" lang="en-US" sz="2400" spc="-1" strike="noStrike">
+              <a:solidFill>
+                <a:srgbClr val="000000"/>
+              </a:solidFill>
+              <a:latin typeface="Arial"/>
+            </a:endParaRPr>
+          </a:p>
+          <a:p>
+            <a:pPr lvl="3" marL="1728000" indent="-216000">
+              <a:spcBef>
+                <a:spcPts val="567"/>
+              </a:spcBef>
+              <a:buClr>
+                <a:srgbClr val="000000"/>
+              </a:buClr>
+              <a:buSzPct val="75000"/>
+              <a:buFont typeface="Symbol" charset="2"/>
+              <a:buChar char=""/>
+            </a:pPr>
+            <a:r>
+              <a:rPr b="0" lang="en-US" sz="2000" spc="-1" strike="noStrike">
+                <a:solidFill>
+                  <a:srgbClr val="000000"/>
+                </a:solidFill>
+                <a:latin typeface="Arial"/>
+              </a:rPr>
+              <a:t>Fourth Outline Level</a:t>
+            </a:r>
+            <a:endParaRPr b="0" lang="en-US" sz="2000" spc="-1" strike="noStrike">
+              <a:solidFill>
+                <a:srgbClr val="000000"/>
+              </a:solidFill>
+              <a:latin typeface="Arial"/>
+            </a:endParaRPr>
+          </a:p>
+          <a:p>
+            <a:pPr lvl="4" marL="2160000" indent="-216000">
+              <a:spcBef>
+                <a:spcPts val="283"/>
+              </a:spcBef>
+              <a:buClr>
+                <a:srgbClr val="000000"/>
+              </a:buClr>
+              <a:buSzPct val="45000"/>
+              <a:buFont typeface="Wingdings" charset="2"/>
+              <a:buChar char=""/>
+            </a:pPr>
+            <a:r>
+              <a:rPr b="0" lang="en-US" sz="2000" spc="-1" strike="noStrike">
+                <a:solidFill>
+                  <a:srgbClr val="000000"/>
+                </a:solidFill>
+                <a:latin typeface="Arial"/>
+              </a:rPr>
+              <a:t>Fifth Outline Level</a:t>
+            </a:r>
+            <a:endParaRPr b="0" lang="en-US" sz="2000" spc="-1" strike="noStrike">
+              <a:solidFill>
+                <a:srgbClr val="000000"/>
+              </a:solidFill>
+              <a:latin typeface="Arial"/>
+            </a:endParaRPr>
+          </a:p>
+          <a:p>
+            <a:pPr lvl="5" marL="2592000" indent="-216000">
+              <a:spcBef>
+                <a:spcPts val="283"/>
+              </a:spcBef>
+              <a:buClr>
+                <a:srgbClr val="000000"/>
+              </a:buClr>
+              <a:buSzPct val="45000"/>
+              <a:buFont typeface="Wingdings" charset="2"/>
+              <a:buChar char=""/>
+            </a:pPr>
+            <a:r>
+              <a:rPr b="0" lang="en-US" sz="2000" spc="-1" strike="noStrike">
+                <a:solidFill>
+                  <a:srgbClr val="000000"/>
+                </a:solidFill>
+                <a:latin typeface="Arial"/>
+              </a:rPr>
+              <a:t>Sixth Outline Level</a:t>
+            </a:r>
+            <a:endParaRPr b="0" lang="en-US" sz="2000" spc="-1" strike="noStrike">
+              <a:solidFill>
+                <a:srgbClr val="000000"/>
+              </a:solidFill>
+              <a:latin typeface="Arial"/>
+            </a:endParaRPr>
+          </a:p>
+          <a:p>
+            <a:pPr lvl="6" marL="3024000" indent="-216000">
+              <a:spcBef>
+                <a:spcPts val="283"/>
+              </a:spcBef>
+              <a:buClr>
+                <a:srgbClr val="000000"/>
+              </a:buClr>
+              <a:buSzPct val="45000"/>
+              <a:buFont typeface="Wingdings" charset="2"/>
+              <a:buChar char=""/>
+            </a:pPr>
+            <a:r>
+              <a:rPr b="0" lang="en-US" sz="2000" spc="-1" strike="noStrike">
+                <a:solidFill>
+                  <a:srgbClr val="000000"/>
+                </a:solidFill>
+                <a:latin typeface="Arial"/>
+              </a:rPr>
+              <a:t>Seventh Outline Level</a:t>
+            </a:r>
+            <a:endParaRPr b="0" lang="en-US" sz="2000" spc="-1" strike="noStrike">
+              <a:solidFill>
+                <a:srgbClr val="000000"/>
+              </a:solidFill>
+              <a:latin typeface="Arial"/>
             </a:endParaRPr>
           </a:p>
         </p:txBody>
@@ -3009,6 +8047,1036 @@
     <p:sldLayoutId id="2147483658" r:id="rId11"/>
     <p:sldLayoutId id="2147483659" r:id="rId12"/>
     <p:sldLayoutId id="2147483660" r:id="rId13"/>
+  </p:sldLayoutIdLst>
+</p:sldMaster>
+</file>
+
+<file path=ppt/slideMasters/slideMaster2.xml><?xml version="1.0" encoding="utf-8"?>
+<p:sldMaster xmlns:a="http://schemas.openxmlformats.org/drawingml/2006/main" xmlns:p="http://schemas.openxmlformats.org/presentationml/2006/main" xmlns:r="http://schemas.openxmlformats.org/officeDocument/2006/relationships" xmlns:p14="http://schemas.microsoft.com/office/powerpoint/2010/main" xmlns:p15="http://schemas.microsoft.com/office/powerpoint/2012/main" xmlns:mc="http://schemas.openxmlformats.org/markup-compatibility/2006">
+  <p:cSld>
+    <p:spTree>
+      <p:nvGrpSpPr>
+        <p:cNvPr id="1" name=""/>
+        <p:cNvGrpSpPr/>
+        <p:nvPr/>
+      </p:nvGrpSpPr>
+      <p:grpSpPr>
+        <a:xfrm>
+          <a:off x="0" y="0"/>
+          <a:ext cx="0" cy="0"/>
+          <a:chOff x="0" y="0"/>
+          <a:chExt cx="0" cy="0"/>
+        </a:xfrm>
+      </p:grpSpPr>
+      <p:sp>
+        <p:nvSpPr>
+          <p:cNvPr id="41" name="PlaceHolder 1"/>
+          <p:cNvSpPr>
+            <a:spLocks noGrp="1"/>
+          </p:cNvSpPr>
+          <p:nvPr>
+            <p:ph type="title"/>
+          </p:nvPr>
+        </p:nvSpPr>
+        <p:spPr>
+          <a:xfrm>
+            <a:off x="504000" y="226080"/>
+            <a:ext cx="9071280" cy="946080"/>
+          </a:xfrm>
+          <a:prstGeom prst="rect">
+            <a:avLst/>
+          </a:prstGeom>
+          <a:noFill/>
+          <a:ln w="0">
+            <a:noFill/>
+          </a:ln>
+        </p:spPr>
+        <p:txBody>
+          <a:bodyPr lIns="0" rIns="0" tIns="0" bIns="0" anchor="ctr">
+            <a:noAutofit/>
+          </a:bodyPr>
+          <a:p>
+            <a:pPr indent="0">
+              <a:buNone/>
+            </a:pPr>
+            <a:r>
+              <a:rPr b="0" lang="en-US" sz="1800" spc="-1" strike="noStrike">
+                <a:solidFill>
+                  <a:srgbClr val="000000"/>
+                </a:solidFill>
+                <a:latin typeface="Arial"/>
+              </a:rPr>
+              <a:t>Click to edit the title text format</a:t>
+            </a:r>
+            <a:endParaRPr b="0" lang="en-US" sz="1800" spc="-1" strike="noStrike">
+              <a:solidFill>
+                <a:srgbClr val="000000"/>
+              </a:solidFill>
+              <a:latin typeface="Arial"/>
+            </a:endParaRPr>
+          </a:p>
+        </p:txBody>
+      </p:sp>
+      <p:sp>
+        <p:nvSpPr>
+          <p:cNvPr id="42" name="PlaceHolder 2"/>
+          <p:cNvSpPr>
+            <a:spLocks noGrp="1"/>
+          </p:cNvSpPr>
+          <p:nvPr>
+            <p:ph type="body"/>
+          </p:nvPr>
+        </p:nvSpPr>
+        <p:spPr>
+          <a:xfrm>
+            <a:off x="504000" y="1326600"/>
+            <a:ext cx="9071280" cy="3287880"/>
+          </a:xfrm>
+          <a:prstGeom prst="rect">
+            <a:avLst/>
+          </a:prstGeom>
+          <a:noFill/>
+          <a:ln w="0">
+            <a:noFill/>
+          </a:ln>
+        </p:spPr>
+        <p:txBody>
+          <a:bodyPr lIns="0" rIns="0" tIns="0" bIns="0" anchor="t">
+            <a:normAutofit/>
+          </a:bodyPr>
+          <a:p>
+            <a:pPr marL="432000" indent="-324000">
+              <a:spcBef>
+                <a:spcPts val="1417"/>
+              </a:spcBef>
+              <a:buClr>
+                <a:srgbClr val="000000"/>
+              </a:buClr>
+              <a:buSzPct val="45000"/>
+              <a:buFont typeface="Wingdings" charset="2"/>
+              <a:buChar char=""/>
+            </a:pPr>
+            <a:r>
+              <a:rPr b="0" lang="en-US" sz="1800" spc="-1" strike="noStrike">
+                <a:solidFill>
+                  <a:srgbClr val="000000"/>
+                </a:solidFill>
+                <a:latin typeface="Arial"/>
+              </a:rPr>
+              <a:t>Click to edit the outline text format</a:t>
+            </a:r>
+            <a:endParaRPr b="0" lang="en-US" sz="1800" spc="-1" strike="noStrike">
+              <a:solidFill>
+                <a:srgbClr val="000000"/>
+              </a:solidFill>
+              <a:latin typeface="Arial"/>
+            </a:endParaRPr>
+          </a:p>
+          <a:p>
+            <a:pPr lvl="1" marL="864000" indent="-324000">
+              <a:spcBef>
+                <a:spcPts val="1134"/>
+              </a:spcBef>
+              <a:buClr>
+                <a:srgbClr val="000000"/>
+              </a:buClr>
+              <a:buSzPct val="75000"/>
+              <a:buFont typeface="Symbol" charset="2"/>
+              <a:buChar char=""/>
+            </a:pPr>
+            <a:r>
+              <a:rPr b="0" lang="en-US" sz="1800" spc="-1" strike="noStrike">
+                <a:solidFill>
+                  <a:srgbClr val="000000"/>
+                </a:solidFill>
+                <a:latin typeface="Arial"/>
+              </a:rPr>
+              <a:t>Second Outline Level</a:t>
+            </a:r>
+            <a:endParaRPr b="0" lang="en-US" sz="1800" spc="-1" strike="noStrike">
+              <a:solidFill>
+                <a:srgbClr val="000000"/>
+              </a:solidFill>
+              <a:latin typeface="Arial"/>
+            </a:endParaRPr>
+          </a:p>
+          <a:p>
+            <a:pPr lvl="2" marL="1296000" indent="-288000">
+              <a:spcBef>
+                <a:spcPts val="850"/>
+              </a:spcBef>
+              <a:buClr>
+                <a:srgbClr val="000000"/>
+              </a:buClr>
+              <a:buSzPct val="45000"/>
+              <a:buFont typeface="Wingdings" charset="2"/>
+              <a:buChar char=""/>
+            </a:pPr>
+            <a:r>
+              <a:rPr b="0" lang="en-US" sz="1800" spc="-1" strike="noStrike">
+                <a:solidFill>
+                  <a:srgbClr val="000000"/>
+                </a:solidFill>
+                <a:latin typeface="Arial"/>
+              </a:rPr>
+              <a:t>Third Outline Level</a:t>
+            </a:r>
+            <a:endParaRPr b="0" lang="en-US" sz="1800" spc="-1" strike="noStrike">
+              <a:solidFill>
+                <a:srgbClr val="000000"/>
+              </a:solidFill>
+              <a:latin typeface="Arial"/>
+            </a:endParaRPr>
+          </a:p>
+          <a:p>
+            <a:pPr lvl="3" marL="1728000" indent="-216000">
+              <a:spcBef>
+                <a:spcPts val="567"/>
+              </a:spcBef>
+              <a:buClr>
+                <a:srgbClr val="000000"/>
+              </a:buClr>
+              <a:buSzPct val="75000"/>
+              <a:buFont typeface="Symbol" charset="2"/>
+              <a:buChar char=""/>
+            </a:pPr>
+            <a:r>
+              <a:rPr b="0" lang="en-US" sz="1800" spc="-1" strike="noStrike">
+                <a:solidFill>
+                  <a:srgbClr val="000000"/>
+                </a:solidFill>
+                <a:latin typeface="Arial"/>
+              </a:rPr>
+              <a:t>Fourth Outline Level</a:t>
+            </a:r>
+            <a:endParaRPr b="0" lang="en-US" sz="1800" spc="-1" strike="noStrike">
+              <a:solidFill>
+                <a:srgbClr val="000000"/>
+              </a:solidFill>
+              <a:latin typeface="Arial"/>
+            </a:endParaRPr>
+          </a:p>
+          <a:p>
+            <a:pPr lvl="4" marL="2160000" indent="-216000">
+              <a:spcBef>
+                <a:spcPts val="283"/>
+              </a:spcBef>
+              <a:buClr>
+                <a:srgbClr val="000000"/>
+              </a:buClr>
+              <a:buSzPct val="45000"/>
+              <a:buFont typeface="Wingdings" charset="2"/>
+              <a:buChar char=""/>
+            </a:pPr>
+            <a:r>
+              <a:rPr b="0" lang="en-US" sz="1800" spc="-1" strike="noStrike">
+                <a:solidFill>
+                  <a:srgbClr val="000000"/>
+                </a:solidFill>
+                <a:latin typeface="Arial"/>
+              </a:rPr>
+              <a:t>Fifth Outline Level</a:t>
+            </a:r>
+            <a:endParaRPr b="0" lang="en-US" sz="1800" spc="-1" strike="noStrike">
+              <a:solidFill>
+                <a:srgbClr val="000000"/>
+              </a:solidFill>
+              <a:latin typeface="Arial"/>
+            </a:endParaRPr>
+          </a:p>
+          <a:p>
+            <a:pPr lvl="5" marL="2592000" indent="-216000">
+              <a:spcBef>
+                <a:spcPts val="283"/>
+              </a:spcBef>
+              <a:buClr>
+                <a:srgbClr val="000000"/>
+              </a:buClr>
+              <a:buSzPct val="45000"/>
+              <a:buFont typeface="Wingdings" charset="2"/>
+              <a:buChar char=""/>
+            </a:pPr>
+            <a:r>
+              <a:rPr b="0" lang="en-US" sz="1800" spc="-1" strike="noStrike">
+                <a:solidFill>
+                  <a:srgbClr val="000000"/>
+                </a:solidFill>
+                <a:latin typeface="Arial"/>
+              </a:rPr>
+              <a:t>Sixth Outline Level</a:t>
+            </a:r>
+            <a:endParaRPr b="0" lang="en-US" sz="1800" spc="-1" strike="noStrike">
+              <a:solidFill>
+                <a:srgbClr val="000000"/>
+              </a:solidFill>
+              <a:latin typeface="Arial"/>
+            </a:endParaRPr>
+          </a:p>
+          <a:p>
+            <a:pPr lvl="6" marL="3024000" indent="-216000">
+              <a:spcBef>
+                <a:spcPts val="283"/>
+              </a:spcBef>
+              <a:buClr>
+                <a:srgbClr val="000000"/>
+              </a:buClr>
+              <a:buSzPct val="45000"/>
+              <a:buFont typeface="Wingdings" charset="2"/>
+              <a:buChar char=""/>
+            </a:pPr>
+            <a:r>
+              <a:rPr b="0" lang="en-US" sz="1800" spc="-1" strike="noStrike">
+                <a:solidFill>
+                  <a:srgbClr val="000000"/>
+                </a:solidFill>
+                <a:latin typeface="Arial"/>
+              </a:rPr>
+              <a:t>Seventh Outline Level</a:t>
+            </a:r>
+            <a:endParaRPr b="0" lang="en-US" sz="1800" spc="-1" strike="noStrike">
+              <a:solidFill>
+                <a:srgbClr val="000000"/>
+              </a:solidFill>
+              <a:latin typeface="Arial"/>
+            </a:endParaRPr>
+          </a:p>
+        </p:txBody>
+      </p:sp>
+      <p:sp>
+        <p:nvSpPr>
+          <p:cNvPr id="43" name="PlaceHolder 3"/>
+          <p:cNvSpPr>
+            <a:spLocks noGrp="1"/>
+          </p:cNvSpPr>
+          <p:nvPr>
+            <p:ph type="ftr" idx="4"/>
+          </p:nvPr>
+        </p:nvSpPr>
+        <p:spPr>
+          <a:xfrm>
+            <a:off x="3447360" y="5165280"/>
+            <a:ext cx="3194640" cy="390240"/>
+          </a:xfrm>
+          <a:prstGeom prst="rect">
+            <a:avLst/>
+          </a:prstGeom>
+          <a:noFill/>
+          <a:ln w="0">
+            <a:noFill/>
+          </a:ln>
+        </p:spPr>
+        <p:txBody>
+          <a:bodyPr lIns="0" rIns="0" tIns="0" bIns="0" anchor="t">
+            <a:noAutofit/>
+          </a:bodyPr>
+          <a:lstStyle>
+            <a:lvl1pPr indent="0" algn="ctr">
+              <a:lnSpc>
+                <a:spcPct val="100000"/>
+              </a:lnSpc>
+              <a:buNone/>
+              <a:tabLst>
+                <a:tab algn="l" pos="0"/>
+              </a:tabLst>
+              <a:defRPr b="0" lang="en-US" sz="1400" spc="-1" strike="noStrike">
+                <a:solidFill>
+                  <a:srgbClr val="000000"/>
+                </a:solidFill>
+                <a:latin typeface="Times New Roman"/>
+              </a:defRPr>
+            </a:lvl1pPr>
+          </a:lstStyle>
+          <a:p>
+            <a:pPr indent="0" algn="ctr">
+              <a:lnSpc>
+                <a:spcPct val="100000"/>
+              </a:lnSpc>
+              <a:buNone/>
+              <a:tabLst>
+                <a:tab algn="l" pos="0"/>
+              </a:tabLst>
+            </a:pPr>
+            <a:r>
+              <a:rPr b="0" lang="en-US" sz="1400" spc="-1" strike="noStrike">
+                <a:solidFill>
+                  <a:srgbClr val="000000"/>
+                </a:solidFill>
+                <a:latin typeface="Times New Roman"/>
+              </a:rPr>
+              <a:t>&lt;footer&gt;</a:t>
+            </a:r>
+            <a:endParaRPr b="0" lang="en-US" sz="1400" spc="-1" strike="noStrike">
+              <a:solidFill>
+                <a:srgbClr val="000000"/>
+              </a:solidFill>
+              <a:latin typeface="Times New Roman"/>
+            </a:endParaRPr>
+          </a:p>
+        </p:txBody>
+      </p:sp>
+      <p:sp>
+        <p:nvSpPr>
+          <p:cNvPr id="44" name="PlaceHolder 4"/>
+          <p:cNvSpPr>
+            <a:spLocks noGrp="1"/>
+          </p:cNvSpPr>
+          <p:nvPr>
+            <p:ph type="sldNum" idx="5"/>
+          </p:nvPr>
+        </p:nvSpPr>
+        <p:spPr>
+          <a:xfrm>
+            <a:off x="7227360" y="5165280"/>
+            <a:ext cx="2347920" cy="390240"/>
+          </a:xfrm>
+          <a:prstGeom prst="rect">
+            <a:avLst/>
+          </a:prstGeom>
+          <a:noFill/>
+          <a:ln w="0">
+            <a:noFill/>
+          </a:ln>
+        </p:spPr>
+        <p:txBody>
+          <a:bodyPr lIns="0" rIns="0" tIns="0" bIns="0" anchor="t">
+            <a:noAutofit/>
+          </a:bodyPr>
+          <a:lstStyle>
+            <a:lvl1pPr indent="0" algn="r">
+              <a:lnSpc>
+                <a:spcPct val="100000"/>
+              </a:lnSpc>
+              <a:buNone/>
+              <a:tabLst>
+                <a:tab algn="l" pos="0"/>
+              </a:tabLst>
+              <a:defRPr b="0" lang="en-US" sz="1400" spc="-1" strike="noStrike">
+                <a:solidFill>
+                  <a:srgbClr val="000000"/>
+                </a:solidFill>
+                <a:latin typeface="Times New Roman"/>
+              </a:defRPr>
+            </a:lvl1pPr>
+          </a:lstStyle>
+          <a:p>
+            <a:pPr indent="0" algn="r">
+              <a:lnSpc>
+                <a:spcPct val="100000"/>
+              </a:lnSpc>
+              <a:buNone/>
+              <a:tabLst>
+                <a:tab algn="l" pos="0"/>
+              </a:tabLst>
+            </a:pPr>
+            <a:fld id="{9B1271DE-C792-4BCC-A78D-C11B0ADB9F51}" type="slidenum">
+              <a:rPr b="0" lang="en-US" sz="1400" spc="-1" strike="noStrike">
+                <a:solidFill>
+                  <a:srgbClr val="000000"/>
+                </a:solidFill>
+                <a:latin typeface="Times New Roman"/>
+              </a:rPr>
+              <a:t>&lt;number&gt;</a:t>
+            </a:fld>
+            <a:endParaRPr b="0" lang="en-US" sz="1400" spc="-1" strike="noStrike">
+              <a:solidFill>
+                <a:srgbClr val="000000"/>
+              </a:solidFill>
+              <a:latin typeface="Times New Roman"/>
+            </a:endParaRPr>
+          </a:p>
+        </p:txBody>
+      </p:sp>
+      <p:sp>
+        <p:nvSpPr>
+          <p:cNvPr id="45" name="PlaceHolder 5"/>
+          <p:cNvSpPr>
+            <a:spLocks noGrp="1"/>
+          </p:cNvSpPr>
+          <p:nvPr>
+            <p:ph type="dt" idx="6"/>
+          </p:nvPr>
+        </p:nvSpPr>
+        <p:spPr>
+          <a:xfrm>
+            <a:off x="504000" y="5165280"/>
+            <a:ext cx="2347920" cy="390240"/>
+          </a:xfrm>
+          <a:prstGeom prst="rect">
+            <a:avLst/>
+          </a:prstGeom>
+          <a:noFill/>
+          <a:ln w="0">
+            <a:noFill/>
+          </a:ln>
+        </p:spPr>
+        <p:txBody>
+          <a:bodyPr lIns="0" rIns="0" tIns="0" bIns="0" anchor="t">
+            <a:noAutofit/>
+          </a:bodyPr>
+          <a:lstStyle>
+            <a:lvl1pPr indent="0">
+              <a:buNone/>
+              <a:defRPr b="0" lang="en-US" sz="1400" spc="-1" strike="noStrike">
+                <a:solidFill>
+                  <a:srgbClr val="000000"/>
+                </a:solidFill>
+                <a:latin typeface="Times New Roman"/>
+              </a:defRPr>
+            </a:lvl1pPr>
+          </a:lstStyle>
+          <a:p>
+            <a:pPr indent="0">
+              <a:buNone/>
+            </a:pPr>
+            <a:r>
+              <a:rPr b="0" lang="en-US" sz="1400" spc="-1" strike="noStrike">
+                <a:solidFill>
+                  <a:srgbClr val="000000"/>
+                </a:solidFill>
+                <a:latin typeface="Times New Roman"/>
+              </a:rPr>
+              <a:t>&lt;date/time&gt;</a:t>
+            </a:r>
+            <a:endParaRPr b="0" lang="en-US" sz="1400" spc="-1" strike="noStrike">
+              <a:solidFill>
+                <a:srgbClr val="000000"/>
+              </a:solidFill>
+              <a:latin typeface="Times New Roman"/>
+            </a:endParaRPr>
+          </a:p>
+        </p:txBody>
+      </p:sp>
+    </p:spTree>
+  </p:cSld>
+  <p:clrMap bg1="lt1" bg2="lt2" tx1="dk1" tx2="dk2" accent1="accent1" accent2="accent2" accent3="accent3" accent4="accent4" accent5="accent5" accent6="accent6" hlink="hlink" folHlink="folHlink"/>
+  <p:sldLayoutIdLst>
+    <p:sldLayoutId id="2147483662" r:id="rId2"/>
+    <p:sldLayoutId id="2147483663" r:id="rId3"/>
+    <p:sldLayoutId id="2147483664" r:id="rId4"/>
+    <p:sldLayoutId id="2147483665" r:id="rId5"/>
+    <p:sldLayoutId id="2147483666" r:id="rId6"/>
+    <p:sldLayoutId id="2147483667" r:id="rId7"/>
+    <p:sldLayoutId id="2147483668" r:id="rId8"/>
+    <p:sldLayoutId id="2147483669" r:id="rId9"/>
+    <p:sldLayoutId id="2147483670" r:id="rId10"/>
+    <p:sldLayoutId id="2147483671" r:id="rId11"/>
+    <p:sldLayoutId id="2147483672" r:id="rId12"/>
+    <p:sldLayoutId id="2147483673" r:id="rId13"/>
+  </p:sldLayoutIdLst>
+</p:sldMaster>
+</file>
+
+<file path=ppt/slideMasters/slideMaster3.xml><?xml version="1.0" encoding="utf-8"?>
+<p:sldMaster xmlns:a="http://schemas.openxmlformats.org/drawingml/2006/main" xmlns:p="http://schemas.openxmlformats.org/presentationml/2006/main" xmlns:r="http://schemas.openxmlformats.org/officeDocument/2006/relationships" xmlns:p14="http://schemas.microsoft.com/office/powerpoint/2010/main" xmlns:p15="http://schemas.microsoft.com/office/powerpoint/2012/main" xmlns:mc="http://schemas.openxmlformats.org/markup-compatibility/2006">
+  <p:cSld>
+    <p:spTree>
+      <p:nvGrpSpPr>
+        <p:cNvPr id="1" name=""/>
+        <p:cNvGrpSpPr/>
+        <p:nvPr/>
+      </p:nvGrpSpPr>
+      <p:grpSpPr>
+        <a:xfrm>
+          <a:off x="0" y="0"/>
+          <a:ext cx="0" cy="0"/>
+          <a:chOff x="0" y="0"/>
+          <a:chExt cx="0" cy="0"/>
+        </a:xfrm>
+      </p:grpSpPr>
+      <p:sp>
+        <p:nvSpPr>
+          <p:cNvPr id="82" name="PlaceHolder 1"/>
+          <p:cNvSpPr>
+            <a:spLocks noGrp="1"/>
+          </p:cNvSpPr>
+          <p:nvPr>
+            <p:ph type="title"/>
+          </p:nvPr>
+        </p:nvSpPr>
+        <p:spPr>
+          <a:xfrm>
+            <a:off x="504000" y="226080"/>
+            <a:ext cx="9071280" cy="946080"/>
+          </a:xfrm>
+          <a:prstGeom prst="rect">
+            <a:avLst/>
+          </a:prstGeom>
+          <a:noFill/>
+          <a:ln w="0">
+            <a:noFill/>
+          </a:ln>
+        </p:spPr>
+        <p:txBody>
+          <a:bodyPr lIns="0" rIns="0" tIns="0" bIns="0" anchor="ctr">
+            <a:noAutofit/>
+          </a:bodyPr>
+          <a:p>
+            <a:pPr indent="0">
+              <a:buNone/>
+            </a:pPr>
+            <a:r>
+              <a:rPr b="0" lang="en-US" sz="1800" spc="-1" strike="noStrike">
+                <a:solidFill>
+                  <a:srgbClr val="000000"/>
+                </a:solidFill>
+                <a:latin typeface="Arial"/>
+              </a:rPr>
+              <a:t>Click to edit the title text format</a:t>
+            </a:r>
+            <a:endParaRPr b="0" lang="en-US" sz="1800" spc="-1" strike="noStrike">
+              <a:solidFill>
+                <a:srgbClr val="000000"/>
+              </a:solidFill>
+              <a:latin typeface="Arial"/>
+            </a:endParaRPr>
+          </a:p>
+        </p:txBody>
+      </p:sp>
+      <p:sp>
+        <p:nvSpPr>
+          <p:cNvPr id="83" name="PlaceHolder 2"/>
+          <p:cNvSpPr>
+            <a:spLocks noGrp="1"/>
+          </p:cNvSpPr>
+          <p:nvPr>
+            <p:ph type="ftr" idx="7"/>
+          </p:nvPr>
+        </p:nvSpPr>
+        <p:spPr>
+          <a:xfrm>
+            <a:off x="3447360" y="5165280"/>
+            <a:ext cx="3194640" cy="390240"/>
+          </a:xfrm>
+          <a:prstGeom prst="rect">
+            <a:avLst/>
+          </a:prstGeom>
+          <a:noFill/>
+          <a:ln w="0">
+            <a:noFill/>
+          </a:ln>
+        </p:spPr>
+        <p:txBody>
+          <a:bodyPr lIns="0" rIns="0" tIns="0" bIns="0" anchor="t">
+            <a:noAutofit/>
+          </a:bodyPr>
+          <a:lstStyle>
+            <a:lvl1pPr indent="0" algn="ctr">
+              <a:lnSpc>
+                <a:spcPct val="100000"/>
+              </a:lnSpc>
+              <a:buNone/>
+              <a:tabLst>
+                <a:tab algn="l" pos="0"/>
+              </a:tabLst>
+              <a:defRPr b="0" lang="en-US" sz="1400" spc="-1" strike="noStrike">
+                <a:solidFill>
+                  <a:srgbClr val="000000"/>
+                </a:solidFill>
+                <a:latin typeface="Times New Roman"/>
+              </a:defRPr>
+            </a:lvl1pPr>
+          </a:lstStyle>
+          <a:p>
+            <a:pPr indent="0" algn="ctr">
+              <a:lnSpc>
+                <a:spcPct val="100000"/>
+              </a:lnSpc>
+              <a:buNone/>
+              <a:tabLst>
+                <a:tab algn="l" pos="0"/>
+              </a:tabLst>
+            </a:pPr>
+            <a:r>
+              <a:rPr b="0" lang="en-US" sz="1400" spc="-1" strike="noStrike">
+                <a:solidFill>
+                  <a:srgbClr val="000000"/>
+                </a:solidFill>
+                <a:latin typeface="Times New Roman"/>
+              </a:rPr>
+              <a:t>&lt;footer&gt;</a:t>
+            </a:r>
+            <a:endParaRPr b="0" lang="en-US" sz="1400" spc="-1" strike="noStrike">
+              <a:solidFill>
+                <a:srgbClr val="000000"/>
+              </a:solidFill>
+              <a:latin typeface="Times New Roman"/>
+            </a:endParaRPr>
+          </a:p>
+        </p:txBody>
+      </p:sp>
+      <p:sp>
+        <p:nvSpPr>
+          <p:cNvPr id="84" name="PlaceHolder 3"/>
+          <p:cNvSpPr>
+            <a:spLocks noGrp="1"/>
+          </p:cNvSpPr>
+          <p:nvPr>
+            <p:ph type="sldNum" idx="8"/>
+          </p:nvPr>
+        </p:nvSpPr>
+        <p:spPr>
+          <a:xfrm>
+            <a:off x="7227360" y="5165280"/>
+            <a:ext cx="2347920" cy="390240"/>
+          </a:xfrm>
+          <a:prstGeom prst="rect">
+            <a:avLst/>
+          </a:prstGeom>
+          <a:noFill/>
+          <a:ln w="0">
+            <a:noFill/>
+          </a:ln>
+        </p:spPr>
+        <p:txBody>
+          <a:bodyPr lIns="0" rIns="0" tIns="0" bIns="0" anchor="t">
+            <a:noAutofit/>
+          </a:bodyPr>
+          <a:lstStyle>
+            <a:lvl1pPr indent="0" algn="r">
+              <a:lnSpc>
+                <a:spcPct val="100000"/>
+              </a:lnSpc>
+              <a:buNone/>
+              <a:tabLst>
+                <a:tab algn="l" pos="0"/>
+              </a:tabLst>
+              <a:defRPr b="0" lang="en-US" sz="1400" spc="-1" strike="noStrike">
+                <a:solidFill>
+                  <a:srgbClr val="000000"/>
+                </a:solidFill>
+                <a:latin typeface="Times New Roman"/>
+              </a:defRPr>
+            </a:lvl1pPr>
+          </a:lstStyle>
+          <a:p>
+            <a:pPr indent="0" algn="r">
+              <a:lnSpc>
+                <a:spcPct val="100000"/>
+              </a:lnSpc>
+              <a:buNone/>
+              <a:tabLst>
+                <a:tab algn="l" pos="0"/>
+              </a:tabLst>
+            </a:pPr>
+            <a:fld id="{AD084ED9-B89E-4588-83C5-461FE5AFE6AF}" type="slidenum">
+              <a:rPr b="0" lang="en-US" sz="1400" spc="-1" strike="noStrike">
+                <a:solidFill>
+                  <a:srgbClr val="000000"/>
+                </a:solidFill>
+                <a:latin typeface="Times New Roman"/>
+              </a:rPr>
+              <a:t>&lt;number&gt;</a:t>
+            </a:fld>
+            <a:endParaRPr b="0" lang="en-US" sz="1400" spc="-1" strike="noStrike">
+              <a:solidFill>
+                <a:srgbClr val="000000"/>
+              </a:solidFill>
+              <a:latin typeface="Times New Roman"/>
+            </a:endParaRPr>
+          </a:p>
+        </p:txBody>
+      </p:sp>
+      <p:sp>
+        <p:nvSpPr>
+          <p:cNvPr id="85" name="PlaceHolder 4"/>
+          <p:cNvSpPr>
+            <a:spLocks noGrp="1"/>
+          </p:cNvSpPr>
+          <p:nvPr>
+            <p:ph type="dt" idx="9"/>
+          </p:nvPr>
+        </p:nvSpPr>
+        <p:spPr>
+          <a:xfrm>
+            <a:off x="504000" y="5165280"/>
+            <a:ext cx="2347920" cy="390240"/>
+          </a:xfrm>
+          <a:prstGeom prst="rect">
+            <a:avLst/>
+          </a:prstGeom>
+          <a:noFill/>
+          <a:ln w="0">
+            <a:noFill/>
+          </a:ln>
+        </p:spPr>
+        <p:txBody>
+          <a:bodyPr lIns="0" rIns="0" tIns="0" bIns="0" anchor="t">
+            <a:noAutofit/>
+          </a:bodyPr>
+          <a:lstStyle>
+            <a:lvl1pPr indent="0">
+              <a:buNone/>
+              <a:defRPr b="0" lang="en-US" sz="1400" spc="-1" strike="noStrike">
+                <a:solidFill>
+                  <a:srgbClr val="000000"/>
+                </a:solidFill>
+                <a:latin typeface="Times New Roman"/>
+              </a:defRPr>
+            </a:lvl1pPr>
+          </a:lstStyle>
+          <a:p>
+            <a:pPr indent="0">
+              <a:buNone/>
+            </a:pPr>
+            <a:r>
+              <a:rPr b="0" lang="en-US" sz="1400" spc="-1" strike="noStrike">
+                <a:solidFill>
+                  <a:srgbClr val="000000"/>
+                </a:solidFill>
+                <a:latin typeface="Times New Roman"/>
+              </a:rPr>
+              <a:t>&lt;date/time&gt;</a:t>
+            </a:r>
+            <a:endParaRPr b="0" lang="en-US" sz="1400" spc="-1" strike="noStrike">
+              <a:solidFill>
+                <a:srgbClr val="000000"/>
+              </a:solidFill>
+              <a:latin typeface="Times New Roman"/>
+            </a:endParaRPr>
+          </a:p>
+        </p:txBody>
+      </p:sp>
+      <p:sp>
+        <p:nvSpPr>
+          <p:cNvPr id="86" name="PlaceHolder 5"/>
+          <p:cNvSpPr>
+            <a:spLocks noGrp="1"/>
+          </p:cNvSpPr>
+          <p:nvPr>
+            <p:ph type="body"/>
+          </p:nvPr>
+        </p:nvSpPr>
+        <p:spPr>
+          <a:xfrm>
+            <a:off x="504000" y="1326600"/>
+            <a:ext cx="9072000" cy="3288600"/>
+          </a:xfrm>
+          <a:prstGeom prst="rect">
+            <a:avLst/>
+          </a:prstGeom>
+          <a:noFill/>
+          <a:ln w="0">
+            <a:noFill/>
+          </a:ln>
+        </p:spPr>
+        <p:txBody>
+          <a:bodyPr lIns="0" rIns="0" tIns="0" bIns="0" anchor="t">
+            <a:normAutofit/>
+          </a:bodyPr>
+          <a:p>
+            <a:pPr marL="432000" indent="-324000">
+              <a:spcBef>
+                <a:spcPts val="1417"/>
+              </a:spcBef>
+              <a:buClr>
+                <a:srgbClr val="000000"/>
+              </a:buClr>
+              <a:buSzPct val="45000"/>
+              <a:buFont typeface="Wingdings" charset="2"/>
+              <a:buChar char=""/>
+            </a:pPr>
+            <a:r>
+              <a:rPr b="0" lang="en-US" sz="3200" spc="-1" strike="noStrike">
+                <a:solidFill>
+                  <a:srgbClr val="000000"/>
+                </a:solidFill>
+                <a:latin typeface="Arial"/>
+              </a:rPr>
+              <a:t>Click to edit the outline text format</a:t>
+            </a:r>
+            <a:endParaRPr b="0" lang="en-US" sz="3200" spc="-1" strike="noStrike">
+              <a:solidFill>
+                <a:srgbClr val="000000"/>
+              </a:solidFill>
+              <a:latin typeface="Arial"/>
+            </a:endParaRPr>
+          </a:p>
+          <a:p>
+            <a:pPr lvl="1" marL="864000" indent="-324000">
+              <a:spcBef>
+                <a:spcPts val="1134"/>
+              </a:spcBef>
+              <a:buClr>
+                <a:srgbClr val="000000"/>
+              </a:buClr>
+              <a:buSzPct val="75000"/>
+              <a:buFont typeface="Symbol" charset="2"/>
+              <a:buChar char=""/>
+            </a:pPr>
+            <a:r>
+              <a:rPr b="0" lang="en-US" sz="2800" spc="-1" strike="noStrike">
+                <a:solidFill>
+                  <a:srgbClr val="000000"/>
+                </a:solidFill>
+                <a:latin typeface="Arial"/>
+              </a:rPr>
+              <a:t>Second Outline Level</a:t>
+            </a:r>
+            <a:endParaRPr b="0" lang="en-US" sz="2800" spc="-1" strike="noStrike">
+              <a:solidFill>
+                <a:srgbClr val="000000"/>
+              </a:solidFill>
+              <a:latin typeface="Arial"/>
+            </a:endParaRPr>
+          </a:p>
+          <a:p>
+            <a:pPr lvl="2" marL="1296000" indent="-288000">
+              <a:spcBef>
+                <a:spcPts val="850"/>
+              </a:spcBef>
+              <a:buClr>
+                <a:srgbClr val="000000"/>
+              </a:buClr>
+              <a:buSzPct val="45000"/>
+              <a:buFont typeface="Wingdings" charset="2"/>
+              <a:buChar char=""/>
+            </a:pPr>
+            <a:r>
+              <a:rPr b="0" lang="en-US" sz="2400" spc="-1" strike="noStrike">
+                <a:solidFill>
+                  <a:srgbClr val="000000"/>
+                </a:solidFill>
+                <a:latin typeface="Arial"/>
+              </a:rPr>
+              <a:t>Third Outline Level</a:t>
+            </a:r>
+            <a:endParaRPr b="0" lang="en-US" sz="2400" spc="-1" strike="noStrike">
+              <a:solidFill>
+                <a:srgbClr val="000000"/>
+              </a:solidFill>
+              <a:latin typeface="Arial"/>
+            </a:endParaRPr>
+          </a:p>
+          <a:p>
+            <a:pPr lvl="3" marL="1728000" indent="-216000">
+              <a:spcBef>
+                <a:spcPts val="567"/>
+              </a:spcBef>
+              <a:buClr>
+                <a:srgbClr val="000000"/>
+              </a:buClr>
+              <a:buSzPct val="75000"/>
+              <a:buFont typeface="Symbol" charset="2"/>
+              <a:buChar char=""/>
+            </a:pPr>
+            <a:r>
+              <a:rPr b="0" lang="en-US" sz="2000" spc="-1" strike="noStrike">
+                <a:solidFill>
+                  <a:srgbClr val="000000"/>
+                </a:solidFill>
+                <a:latin typeface="Arial"/>
+              </a:rPr>
+              <a:t>Fourth Outline Level</a:t>
+            </a:r>
+            <a:endParaRPr b="0" lang="en-US" sz="2000" spc="-1" strike="noStrike">
+              <a:solidFill>
+                <a:srgbClr val="000000"/>
+              </a:solidFill>
+              <a:latin typeface="Arial"/>
+            </a:endParaRPr>
+          </a:p>
+          <a:p>
+            <a:pPr lvl="4" marL="2160000" indent="-216000">
+              <a:spcBef>
+                <a:spcPts val="283"/>
+              </a:spcBef>
+              <a:buClr>
+                <a:srgbClr val="000000"/>
+              </a:buClr>
+              <a:buSzPct val="45000"/>
+              <a:buFont typeface="Wingdings" charset="2"/>
+              <a:buChar char=""/>
+            </a:pPr>
+            <a:r>
+              <a:rPr b="0" lang="en-US" sz="2000" spc="-1" strike="noStrike">
+                <a:solidFill>
+                  <a:srgbClr val="000000"/>
+                </a:solidFill>
+                <a:latin typeface="Arial"/>
+              </a:rPr>
+              <a:t>Fifth Outline Level</a:t>
+            </a:r>
+            <a:endParaRPr b="0" lang="en-US" sz="2000" spc="-1" strike="noStrike">
+              <a:solidFill>
+                <a:srgbClr val="000000"/>
+              </a:solidFill>
+              <a:latin typeface="Arial"/>
+            </a:endParaRPr>
+          </a:p>
+          <a:p>
+            <a:pPr lvl="5" marL="2592000" indent="-216000">
+              <a:spcBef>
+                <a:spcPts val="283"/>
+              </a:spcBef>
+              <a:buClr>
+                <a:srgbClr val="000000"/>
+              </a:buClr>
+              <a:buSzPct val="45000"/>
+              <a:buFont typeface="Wingdings" charset="2"/>
+              <a:buChar char=""/>
+            </a:pPr>
+            <a:r>
+              <a:rPr b="0" lang="en-US" sz="2000" spc="-1" strike="noStrike">
+                <a:solidFill>
+                  <a:srgbClr val="000000"/>
+                </a:solidFill>
+                <a:latin typeface="Arial"/>
+              </a:rPr>
+              <a:t>Sixth Outline Level</a:t>
+            </a:r>
+            <a:endParaRPr b="0" lang="en-US" sz="2000" spc="-1" strike="noStrike">
+              <a:solidFill>
+                <a:srgbClr val="000000"/>
+              </a:solidFill>
+              <a:latin typeface="Arial"/>
+            </a:endParaRPr>
+          </a:p>
+          <a:p>
+            <a:pPr lvl="6" marL="3024000" indent="-216000">
+              <a:spcBef>
+                <a:spcPts val="283"/>
+              </a:spcBef>
+              <a:buClr>
+                <a:srgbClr val="000000"/>
+              </a:buClr>
+              <a:buSzPct val="45000"/>
+              <a:buFont typeface="Wingdings" charset="2"/>
+              <a:buChar char=""/>
+            </a:pPr>
+            <a:r>
+              <a:rPr b="0" lang="en-US" sz="2000" spc="-1" strike="noStrike">
+                <a:solidFill>
+                  <a:srgbClr val="000000"/>
+                </a:solidFill>
+                <a:latin typeface="Arial"/>
+              </a:rPr>
+              <a:t>Seventh Outline Level</a:t>
+            </a:r>
+            <a:endParaRPr b="0" lang="en-US" sz="2000" spc="-1" strike="noStrike">
+              <a:solidFill>
+                <a:srgbClr val="000000"/>
+              </a:solidFill>
+              <a:latin typeface="Arial"/>
+            </a:endParaRPr>
+          </a:p>
+        </p:txBody>
+      </p:sp>
+    </p:spTree>
+  </p:cSld>
+  <p:clrMap bg1="lt1" bg2="lt2" tx1="dk1" tx2="dk2" accent1="accent1" accent2="accent2" accent3="accent3" accent4="accent4" accent5="accent5" accent6="accent6" hlink="hlink" folHlink="folHlink"/>
+  <p:sldLayoutIdLst>
+    <p:sldLayoutId id="2147483675" r:id="rId2"/>
+    <p:sldLayoutId id="2147483676" r:id="rId3"/>
+    <p:sldLayoutId id="2147483677" r:id="rId4"/>
+    <p:sldLayoutId id="2147483678" r:id="rId5"/>
+    <p:sldLayoutId id="2147483679" r:id="rId6"/>
+    <p:sldLayoutId id="2147483680" r:id="rId7"/>
+    <p:sldLayoutId id="2147483681" r:id="rId8"/>
+    <p:sldLayoutId id="2147483682" r:id="rId9"/>
+    <p:sldLayoutId id="2147483683" r:id="rId10"/>
+    <p:sldLayoutId id="2147483684" r:id="rId11"/>
+    <p:sldLayoutId id="2147483685" r:id="rId12"/>
+    <p:sldLayoutId id="2147483686" r:id="rId13"/>
   </p:sldLayoutIdLst>
 </p:sldMaster>
 </file>
@@ -3039,7 +9107,7 @@
       </p:grpSpPr>
       <p:sp>
         <p:nvSpPr>
-          <p:cNvPr id="41" name="PlaceHolder 1"/>
+          <p:cNvPr id="123" name="PlaceHolder 1"/>
           <p:cNvSpPr>
             <a:spLocks noGrp="1"/>
           </p:cNvSpPr>
@@ -3050,7 +9118,7 @@
         <p:spPr>
           <a:xfrm>
             <a:off x="504360" y="1190880"/>
-            <a:ext cx="9071640" cy="3288240"/>
+            <a:ext cx="9071280" cy="3287880"/>
           </a:xfrm>
           <a:prstGeom prst="rect">
             <a:avLst/>
@@ -3065,7 +9133,11 @@
             <a:noAutofit/>
           </a:bodyPr>
           <a:p>
-            <a:pPr algn="ctr"/>
+            <a:pPr algn="ctr">
+              <a:lnSpc>
+                <a:spcPct val="100000"/>
+              </a:lnSpc>
+            </a:pPr>
             <a:r>
               <a:rPr b="0" lang="en-US" sz="4200" spc="-1" strike="noStrike">
                 <a:solidFill>
@@ -3079,7 +9151,7 @@
               <a:solidFill>
                 <a:srgbClr val="ffffff"/>
               </a:solidFill>
-              <a:latin typeface="Bitstream Vera Sans"/>
+              <a:latin typeface="Arial"/>
             </a:endParaRPr>
           </a:p>
         </p:txBody>
@@ -3123,7 +9195,7 @@
       </p:grpSpPr>
       <p:pic>
         <p:nvPicPr>
-          <p:cNvPr id="42" name="" descr=""/>
+          <p:cNvPr id="124" name="" descr=""/>
           <p:cNvPicPr/>
           <p:nvPr/>
         </p:nvPicPr>
@@ -3134,7 +9206,7 @@
         <p:spPr>
           <a:xfrm>
             <a:off x="1445400" y="0"/>
-            <a:ext cx="8634600" cy="5669640"/>
+            <a:ext cx="8634240" cy="5669280"/>
           </a:xfrm>
           <a:prstGeom prst="rect">
             <a:avLst/>
@@ -3146,28 +9218,39 @@
       </p:pic>
       <p:sp>
         <p:nvSpPr>
-          <p:cNvPr id="43" name=""/>
-          <p:cNvSpPr txBox="1"/>
+          <p:cNvPr id="125" name=""/>
+          <p:cNvSpPr/>
           <p:nvPr/>
         </p:nvSpPr>
         <p:spPr>
           <a:xfrm>
             <a:off x="228600" y="714600"/>
-            <a:ext cx="1032480" cy="1416960"/>
-          </a:xfrm>
-          <a:prstGeom prst="rect">
-            <a:avLst/>
-          </a:prstGeom>
-          <a:noFill/>
-          <a:ln w="0">
-            <a:noFill/>
-          </a:ln>
-        </p:spPr>
+            <a:ext cx="1032120" cy="1416600"/>
+          </a:xfrm>
+          <a:prstGeom prst="rect">
+            <a:avLst/>
+          </a:prstGeom>
+          <a:noFill/>
+          <a:ln w="0">
+            <a:noFill/>
+          </a:ln>
+        </p:spPr>
+        <p:style>
+          <a:lnRef idx="0"/>
+          <a:fillRef idx="0"/>
+          <a:effectRef idx="0"/>
+          <a:fontRef idx="minor"/>
+        </p:style>
         <p:txBody>
           <a:bodyPr lIns="90000" rIns="90000" tIns="45000" bIns="45000" anchor="t">
             <a:noAutofit/>
           </a:bodyPr>
           <a:p>
+            <a:pPr>
+              <a:lnSpc>
+                <a:spcPct val="100000"/>
+              </a:lnSpc>
+            </a:pPr>
             <a:r>
               <a:rPr b="0" lang="en-US" sz="1800" spc="-1" strike="noStrike">
                 <a:solidFill>
@@ -3181,18 +9264,28 @@
               <a:solidFill>
                 <a:srgbClr val="ffffff"/>
               </a:solidFill>
-              <a:latin typeface="Bitstream Vera Sans"/>
-            </a:endParaRPr>
-          </a:p>
-          <a:p>
+              <a:latin typeface="Arial"/>
+            </a:endParaRPr>
+          </a:p>
+          <a:p>
+            <a:pPr>
+              <a:lnSpc>
+                <a:spcPct val="100000"/>
+              </a:lnSpc>
+            </a:pPr>
             <a:endParaRPr b="0" lang="en-US" sz="1800" spc="-1" strike="noStrike">
               <a:solidFill>
                 <a:srgbClr val="ffffff"/>
               </a:solidFill>
-              <a:latin typeface="Bitstream Vera Sans"/>
-            </a:endParaRPr>
-          </a:p>
-          <a:p>
+              <a:latin typeface="Arial"/>
+            </a:endParaRPr>
+          </a:p>
+          <a:p>
+            <a:pPr>
+              <a:lnSpc>
+                <a:spcPct val="100000"/>
+              </a:lnSpc>
+            </a:pPr>
             <a:r>
               <a:rPr b="0" lang="en-US" sz="1800" spc="-1" strike="noStrike">
                 <a:solidFill>
@@ -3206,10 +9299,15 @@
               <a:solidFill>
                 <a:srgbClr val="ffffff"/>
               </a:solidFill>
-              <a:latin typeface="Bitstream Vera Sans"/>
-            </a:endParaRPr>
-          </a:p>
-          <a:p>
+              <a:latin typeface="Arial"/>
+            </a:endParaRPr>
+          </a:p>
+          <a:p>
+            <a:pPr>
+              <a:lnSpc>
+                <a:spcPct val="100000"/>
+              </a:lnSpc>
+            </a:pPr>
             <a:r>
               <a:rPr b="0" lang="en-US" sz="1800" spc="-1" strike="noStrike">
                 <a:solidFill>
@@ -3223,10 +9321,15 @@
               <a:solidFill>
                 <a:srgbClr val="ffffff"/>
               </a:solidFill>
-              <a:latin typeface="Bitstream Vera Sans"/>
-            </a:endParaRPr>
-          </a:p>
-          <a:p>
+              <a:latin typeface="Arial"/>
+            </a:endParaRPr>
+          </a:p>
+          <a:p>
+            <a:pPr>
+              <a:lnSpc>
+                <a:spcPct val="100000"/>
+              </a:lnSpc>
+            </a:pPr>
             <a:r>
               <a:rPr b="0" lang="en-US" sz="1800" spc="-1" strike="noStrike">
                 <a:solidFill>
@@ -3240,7 +9343,7 @@
               <a:solidFill>
                 <a:srgbClr val="ffffff"/>
               </a:solidFill>
-              <a:latin typeface="Bitstream Vera Sans"/>
+              <a:latin typeface="Arial"/>
             </a:endParaRPr>
           </a:p>
         </p:txBody>
@@ -3284,28 +9387,39 @@
       </p:grpSpPr>
       <p:sp>
         <p:nvSpPr>
-          <p:cNvPr id="44" name=""/>
-          <p:cNvSpPr txBox="1"/>
+          <p:cNvPr id="126" name=""/>
+          <p:cNvSpPr/>
           <p:nvPr/>
         </p:nvSpPr>
         <p:spPr>
           <a:xfrm>
             <a:off x="228600" y="714600"/>
-            <a:ext cx="1076760" cy="1416960"/>
-          </a:xfrm>
-          <a:prstGeom prst="rect">
-            <a:avLst/>
-          </a:prstGeom>
-          <a:noFill/>
-          <a:ln w="0">
-            <a:noFill/>
-          </a:ln>
-        </p:spPr>
+            <a:ext cx="1076400" cy="1416600"/>
+          </a:xfrm>
+          <a:prstGeom prst="rect">
+            <a:avLst/>
+          </a:prstGeom>
+          <a:noFill/>
+          <a:ln w="0">
+            <a:noFill/>
+          </a:ln>
+        </p:spPr>
+        <p:style>
+          <a:lnRef idx="0"/>
+          <a:fillRef idx="0"/>
+          <a:effectRef idx="0"/>
+          <a:fontRef idx="minor"/>
+        </p:style>
         <p:txBody>
           <a:bodyPr lIns="90000" rIns="90000" tIns="45000" bIns="45000" anchor="t">
             <a:noAutofit/>
           </a:bodyPr>
           <a:p>
+            <a:pPr>
+              <a:lnSpc>
+                <a:spcPct val="100000"/>
+              </a:lnSpc>
+            </a:pPr>
             <a:r>
               <a:rPr b="0" lang="en-US" sz="1800" spc="-1" strike="noStrike">
                 <a:solidFill>
@@ -3319,18 +9433,28 @@
               <a:solidFill>
                 <a:srgbClr val="ffffff"/>
               </a:solidFill>
-              <a:latin typeface="Bitstream Vera Sans"/>
-            </a:endParaRPr>
-          </a:p>
-          <a:p>
+              <a:latin typeface="Arial"/>
+            </a:endParaRPr>
+          </a:p>
+          <a:p>
+            <a:pPr>
+              <a:lnSpc>
+                <a:spcPct val="100000"/>
+              </a:lnSpc>
+            </a:pPr>
             <a:endParaRPr b="0" lang="en-US" sz="1800" spc="-1" strike="noStrike">
               <a:solidFill>
                 <a:srgbClr val="ffffff"/>
               </a:solidFill>
-              <a:latin typeface="Bitstream Vera Sans"/>
-            </a:endParaRPr>
-          </a:p>
-          <a:p>
+              <a:latin typeface="Arial"/>
+            </a:endParaRPr>
+          </a:p>
+          <a:p>
+            <a:pPr>
+              <a:lnSpc>
+                <a:spcPct val="100000"/>
+              </a:lnSpc>
+            </a:pPr>
             <a:r>
               <a:rPr b="0" lang="en-US" sz="1800" spc="-1" strike="noStrike">
                 <a:solidFill>
@@ -3344,10 +9468,15 @@
               <a:solidFill>
                 <a:srgbClr val="ffffff"/>
               </a:solidFill>
-              <a:latin typeface="Bitstream Vera Sans"/>
-            </a:endParaRPr>
-          </a:p>
-          <a:p>
+              <a:latin typeface="Arial"/>
+            </a:endParaRPr>
+          </a:p>
+          <a:p>
+            <a:pPr>
+              <a:lnSpc>
+                <a:spcPct val="100000"/>
+              </a:lnSpc>
+            </a:pPr>
             <a:r>
               <a:rPr b="0" lang="en-US" sz="1800" spc="-1" strike="noStrike">
                 <a:solidFill>
@@ -3361,10 +9490,15 @@
               <a:solidFill>
                 <a:srgbClr val="ffffff"/>
               </a:solidFill>
-              <a:latin typeface="Bitstream Vera Sans"/>
-            </a:endParaRPr>
-          </a:p>
-          <a:p>
+              <a:latin typeface="Arial"/>
+            </a:endParaRPr>
+          </a:p>
+          <a:p>
+            <a:pPr>
+              <a:lnSpc>
+                <a:spcPct val="100000"/>
+              </a:lnSpc>
+            </a:pPr>
             <a:r>
               <a:rPr b="0" lang="en-US" sz="1800" spc="-1" strike="noStrike">
                 <a:solidFill>
@@ -3378,14 +9512,14 @@
               <a:solidFill>
                 <a:srgbClr val="ffffff"/>
               </a:solidFill>
-              <a:latin typeface="Bitstream Vera Sans"/>
+              <a:latin typeface="Arial"/>
             </a:endParaRPr>
           </a:p>
         </p:txBody>
       </p:sp>
       <p:pic>
         <p:nvPicPr>
-          <p:cNvPr id="45" name="" descr=""/>
+          <p:cNvPr id="127" name="" descr=""/>
           <p:cNvPicPr/>
           <p:nvPr/>
         </p:nvPicPr>
@@ -3396,7 +9530,7 @@
         <p:spPr>
           <a:xfrm>
             <a:off x="1940760" y="0"/>
-            <a:ext cx="8139240" cy="5669640"/>
+            <a:ext cx="8138880" cy="5669280"/>
           </a:xfrm>
           <a:prstGeom prst="rect">
             <a:avLst/>
@@ -3445,7 +9579,7 @@
       </p:grpSpPr>
       <p:sp>
         <p:nvSpPr>
-          <p:cNvPr id="46" name="PlaceHolder 1"/>
+          <p:cNvPr id="128" name="PlaceHolder 1"/>
           <p:cNvSpPr>
             <a:spLocks noGrp="1"/>
           </p:cNvSpPr>
@@ -3456,7 +9590,7 @@
         <p:spPr>
           <a:xfrm>
             <a:off x="504000" y="226080"/>
-            <a:ext cx="9071640" cy="946440"/>
+            <a:ext cx="9071280" cy="946080"/>
           </a:xfrm>
           <a:prstGeom prst="rect">
             <a:avLst/>
@@ -3472,7 +9606,13 @@
           </a:bodyPr>
           <a:p>
             <a:pPr indent="0">
-              <a:buNone/>
+              <a:lnSpc>
+                <a:spcPct val="100000"/>
+              </a:lnSpc>
+              <a:buNone/>
+              <a:tabLst>
+                <a:tab algn="l" pos="0"/>
+              </a:tabLst>
             </a:pPr>
             <a:r>
               <a:rPr b="0" lang="en-US" sz="4400" spc="-1" strike="noStrike">
@@ -3487,14 +9627,14 @@
               <a:solidFill>
                 <a:srgbClr val="ffffff"/>
               </a:solidFill>
-              <a:latin typeface="Bitstream Vera Sans"/>
-            </a:endParaRPr>
-          </a:p>
-        </p:txBody>
-      </p:sp>
-      <p:sp>
-        <p:nvSpPr>
-          <p:cNvPr id="47" name="PlaceHolder 2"/>
+              <a:latin typeface="Arial"/>
+            </a:endParaRPr>
+          </a:p>
+        </p:txBody>
+      </p:sp>
+      <p:sp>
+        <p:nvSpPr>
+          <p:cNvPr id="129" name="PlaceHolder 2"/>
           <p:cNvSpPr>
             <a:spLocks noGrp="1"/>
           </p:cNvSpPr>
@@ -3505,7 +9645,7 @@
         <p:spPr>
           <a:xfrm>
             <a:off x="504000" y="1326600"/>
-            <a:ext cx="9071640" cy="3288240"/>
+            <a:ext cx="9071280" cy="3287880"/>
           </a:xfrm>
           <a:prstGeom prst="rect">
             <a:avLst/>
@@ -3521,6 +9661,9 @@
           </a:bodyPr>
           <a:p>
             <a:pPr marL="216000" indent="-216000">
+              <a:lnSpc>
+                <a:spcPct val="100000"/>
+              </a:lnSpc>
               <a:buClr>
                 <a:srgbClr val="ffffff"/>
               </a:buClr>
@@ -3529,7 +9672,7 @@
               <a:buChar char=""/>
             </a:pPr>
             <a:r>
-              <a:rPr b="0" lang="en-US" sz="3200" spc="-1" strike="noStrike">
+              <a:rPr b="0" lang="en-US" sz="1800" spc="-1" strike="noStrike">
                 <a:solidFill>
                   <a:srgbClr val="ffffff"/>
                 </a:solidFill>
@@ -3537,7 +9680,7 @@
               </a:rPr>
               <a:t>PoE &amp; Direct Power Redundancy</a:t>
             </a:r>
-            <a:endParaRPr b="0" lang="en-US" sz="3200" spc="-1" strike="noStrike">
+            <a:endParaRPr b="0" lang="en-US" sz="1800" spc="-1" strike="noStrike">
               <a:solidFill>
                 <a:srgbClr val="ffffff"/>
               </a:solidFill>
@@ -3546,6 +9689,9 @@
           </a:p>
           <a:p>
             <a:pPr marL="216000" indent="-216000">
+              <a:lnSpc>
+                <a:spcPct val="100000"/>
+              </a:lnSpc>
               <a:buClr>
                 <a:srgbClr val="ffffff"/>
               </a:buClr>
@@ -3554,7 +9700,7 @@
               <a:buChar char=""/>
             </a:pPr>
             <a:r>
-              <a:rPr b="0" lang="en-US" sz="3200" spc="-1" strike="noStrike">
+              <a:rPr b="0" lang="en-US" sz="1800" spc="-1" strike="noStrike">
                 <a:solidFill>
                   <a:srgbClr val="ffffff"/>
                 </a:solidFill>
@@ -3563,7 +9709,7 @@
               <a:t>CAN Start/Stop (Integrated 120 </a:t>
             </a:r>
             <a:r>
-              <a:rPr b="0" lang="en-US" sz="3200" spc="-1" strike="noStrike">
+              <a:rPr b="0" lang="en-US" sz="1800" spc="-1" strike="noStrike">
                 <a:solidFill>
                   <a:srgbClr val="ffffff"/>
                 </a:solidFill>
@@ -3573,7 +9719,7 @@
               <a:t>Ω</a:t>
             </a:r>
             <a:r>
-              <a:rPr b="0" lang="en-US" sz="3200" spc="-1" strike="noStrike">
+              <a:rPr b="0" lang="en-US" sz="1800" spc="-1" strike="noStrike">
                 <a:solidFill>
                   <a:srgbClr val="ffffff"/>
                 </a:solidFill>
@@ -3582,7 +9728,7 @@
               </a:rPr>
               <a:t>)</a:t>
             </a:r>
-            <a:endParaRPr b="0" lang="en-US" sz="3200" spc="-1" strike="noStrike">
+            <a:endParaRPr b="0" lang="en-US" sz="1800" spc="-1" strike="noStrike">
               <a:solidFill>
                 <a:srgbClr val="ffffff"/>
               </a:solidFill>
@@ -3591,6 +9737,9 @@
           </a:p>
           <a:p>
             <a:pPr marL="216000" indent="-216000">
+              <a:lnSpc>
+                <a:spcPct val="100000"/>
+              </a:lnSpc>
               <a:buClr>
                 <a:srgbClr val="ffffff"/>
               </a:buClr>
@@ -3599,7 +9748,7 @@
               <a:buChar char=""/>
             </a:pPr>
             <a:r>
-              <a:rPr b="0" lang="en-US" sz="3200" spc="-1" strike="noStrike">
+              <a:rPr b="0" lang="en-US" sz="1800" spc="-1" strike="noStrike">
                 <a:solidFill>
                   <a:srgbClr val="ffffff"/>
                 </a:solidFill>
@@ -3608,7 +9757,7 @@
               </a:rPr>
               <a:t>Ethernet Switch</a:t>
             </a:r>
-            <a:endParaRPr b="0" lang="en-US" sz="3200" spc="-1" strike="noStrike">
+            <a:endParaRPr b="0" lang="en-US" sz="1800" spc="-1" strike="noStrike">
               <a:solidFill>
                 <a:srgbClr val="ffffff"/>
               </a:solidFill>
@@ -3617,6 +9766,9 @@
           </a:p>
           <a:p>
             <a:pPr lvl="1" marL="432000" indent="-216000">
+              <a:lnSpc>
+                <a:spcPct val="100000"/>
+              </a:lnSpc>
               <a:buClr>
                 <a:srgbClr val="ffffff"/>
               </a:buClr>
@@ -3625,7 +9777,7 @@
               <a:buChar char=""/>
             </a:pPr>
             <a:r>
-              <a:rPr b="0" lang="en-US" sz="3200" spc="-1" strike="noStrike">
+              <a:rPr b="0" lang="en-US" sz="1800" spc="-1" strike="noStrike">
                 <a:solidFill>
                   <a:srgbClr val="ffffff"/>
                 </a:solidFill>
@@ -3634,16 +9786,65 @@
               </a:rPr>
               <a:t>RPi, etc.</a:t>
             </a:r>
-            <a:r>
-              <a:rPr b="0" lang="en-US" sz="3200" spc="-1" strike="noStrike">
+            <a:endParaRPr b="0" lang="en-US" sz="1800" spc="-1" strike="noStrike">
+              <a:solidFill>
+                <a:srgbClr val="ffffff"/>
+              </a:solidFill>
+              <a:latin typeface="Arial"/>
+            </a:endParaRPr>
+          </a:p>
+          <a:p>
+            <a:pPr lvl="1" marL="432000" indent="-216000">
+              <a:lnSpc>
+                <a:spcPct val="100000"/>
+              </a:lnSpc>
+              <a:buClr>
+                <a:srgbClr val="ffffff"/>
+              </a:buClr>
+              <a:buSzPct val="45000"/>
+              <a:buFont typeface="Wingdings" charset="2"/>
+              <a:buChar char=""/>
+            </a:pPr>
+            <a:r>
+              <a:rPr b="0" lang="en-US" sz="1800" spc="-1" strike="noStrike">
                 <a:solidFill>
                   <a:srgbClr val="ffffff"/>
                 </a:solidFill>
                 <a:latin typeface="Arial"/>
+                <a:ea typeface="Times New Roman"/>
               </a:rPr>
-              <a:t> </a:t>
-            </a:r>
-            <a:endParaRPr b="0" lang="en-US" sz="3200" spc="-1" strike="noStrike">
+              <a:t>Ethernet Extension Through Switch </a:t>
+            </a:r>
+            <a:endParaRPr b="0" lang="en-US" sz="1800" spc="-1" strike="noStrike">
+              <a:solidFill>
+                <a:srgbClr val="ffffff"/>
+              </a:solidFill>
+              <a:latin typeface="Arial"/>
+            </a:endParaRPr>
+          </a:p>
+          <a:p>
+            <a:pPr lvl="2" marL="648000" indent="-216000">
+              <a:lnSpc>
+                <a:spcPct val="100000"/>
+              </a:lnSpc>
+              <a:buClr>
+                <a:srgbClr val="ffffff"/>
+              </a:buClr>
+              <a:buSzPct val="45000"/>
+              <a:buFont typeface="Wingdings" charset="2"/>
+              <a:buChar char=""/>
+            </a:pPr>
+            <a:r>
+              <a:rPr b="0" lang="en-US" sz="1800" spc="-1" strike="noStrike">
+                <a:solidFill>
+                  <a:srgbClr val="ffffff"/>
+                </a:solidFill>
+                <a:latin typeface="Arial"/>
+                <a:ea typeface="Times New Roman"/>
+              </a:rPr>
+              <a:t>Better for Accessibility</a:t>
+            </a:r>
+            <a:endParaRPr b="0" lang="en-US" sz="1800" spc="-1" strike="noStrike">
               <a:solidFill>
                 <a:srgbClr val="ffffff"/>
               </a:solidFill>
@@ -3691,19 +9892,19 @@
       </p:grpSpPr>
       <p:pic>
         <p:nvPicPr>
-          <p:cNvPr id="48" name="" descr=""/>
+          <p:cNvPr id="130" name="" descr=""/>
           <p:cNvPicPr/>
           <p:nvPr/>
         </p:nvPicPr>
         <p:blipFill>
           <a:blip r:embed="rId1"/>
-          <a:srcRect l="0" t="0" r="36931" b="0"/>
+          <a:srcRect l="0" t="0" r="36927" b="0"/>
           <a:stretch/>
         </p:blipFill>
         <p:spPr>
           <a:xfrm>
             <a:off x="4186800" y="1371600"/>
-            <a:ext cx="5871240" cy="3657600"/>
+            <a:ext cx="5870880" cy="3657240"/>
           </a:xfrm>
           <a:prstGeom prst="rect">
             <a:avLst/>
@@ -3715,7 +9916,7 @@
       </p:pic>
       <p:sp>
         <p:nvSpPr>
-          <p:cNvPr id="49" name="PlaceHolder 1"/>
+          <p:cNvPr id="131" name="PlaceHolder 1"/>
           <p:cNvSpPr>
             <a:spLocks noGrp="1"/>
           </p:cNvSpPr>
@@ -3726,7 +9927,7 @@
         <p:spPr>
           <a:xfrm>
             <a:off x="504000" y="226080"/>
-            <a:ext cx="9071640" cy="946440"/>
+            <a:ext cx="9071280" cy="946080"/>
           </a:xfrm>
           <a:prstGeom prst="rect">
             <a:avLst/>
@@ -3742,7 +9943,13 @@
           </a:bodyPr>
           <a:p>
             <a:pPr indent="0">
-              <a:buNone/>
+              <a:lnSpc>
+                <a:spcPct val="100000"/>
+              </a:lnSpc>
+              <a:buNone/>
+              <a:tabLst>
+                <a:tab algn="l" pos="0"/>
+              </a:tabLst>
             </a:pPr>
             <a:r>
               <a:rPr b="0" lang="en-US" sz="4400" spc="-1" strike="noStrike">
@@ -3757,35 +9964,46 @@
               <a:solidFill>
                 <a:srgbClr val="ffffff"/>
               </a:solidFill>
-              <a:latin typeface="Bitstream Vera Sans"/>
-            </a:endParaRPr>
-          </a:p>
-        </p:txBody>
-      </p:sp>
-      <p:sp>
-        <p:nvSpPr>
-          <p:cNvPr id="50" name=""/>
-          <p:cNvSpPr txBox="1"/>
+              <a:latin typeface="Arial"/>
+            </a:endParaRPr>
+          </a:p>
+        </p:txBody>
+      </p:sp>
+      <p:sp>
+        <p:nvSpPr>
+          <p:cNvPr id="132" name=""/>
+          <p:cNvSpPr/>
           <p:nvPr/>
         </p:nvSpPr>
         <p:spPr>
           <a:xfrm>
             <a:off x="457200" y="1600200"/>
-            <a:ext cx="3657600" cy="2478240"/>
-          </a:xfrm>
-          <a:prstGeom prst="rect">
-            <a:avLst/>
-          </a:prstGeom>
-          <a:noFill/>
-          <a:ln w="0">
-            <a:noFill/>
-          </a:ln>
-        </p:spPr>
+            <a:ext cx="3657240" cy="2477880"/>
+          </a:xfrm>
+          <a:prstGeom prst="rect">
+            <a:avLst/>
+          </a:prstGeom>
+          <a:noFill/>
+          <a:ln w="0">
+            <a:noFill/>
+          </a:ln>
+        </p:spPr>
+        <p:style>
+          <a:lnRef idx="0"/>
+          <a:fillRef idx="0"/>
+          <a:effectRef idx="0"/>
+          <a:fontRef idx="minor"/>
+        </p:style>
         <p:txBody>
           <a:bodyPr lIns="90000" rIns="90000" tIns="45000" bIns="45000" anchor="t">
             <a:noAutofit/>
           </a:bodyPr>
           <a:p>
+            <a:pPr>
+              <a:lnSpc>
+                <a:spcPct val="100000"/>
+              </a:lnSpc>
+            </a:pPr>
             <a:r>
               <a:rPr b="0" lang="en-US" sz="1800" spc="-1" strike="noStrike">
                 <a:solidFill>
@@ -3799,18 +10017,28 @@
               <a:solidFill>
                 <a:srgbClr val="ffffff"/>
               </a:solidFill>
-              <a:latin typeface="Bitstream Vera Sans"/>
-            </a:endParaRPr>
-          </a:p>
-          <a:p>
+              <a:latin typeface="Arial"/>
+            </a:endParaRPr>
+          </a:p>
+          <a:p>
+            <a:pPr>
+              <a:lnSpc>
+                <a:spcPct val="100000"/>
+              </a:lnSpc>
+            </a:pPr>
             <a:endParaRPr b="0" lang="en-US" sz="1800" spc="-1" strike="noStrike">
               <a:solidFill>
                 <a:srgbClr val="ffffff"/>
               </a:solidFill>
-              <a:latin typeface="Bitstream Vera Sans"/>
-            </a:endParaRPr>
-          </a:p>
-          <a:p>
+              <a:latin typeface="Arial"/>
+            </a:endParaRPr>
+          </a:p>
+          <a:p>
+            <a:pPr>
+              <a:lnSpc>
+                <a:spcPct val="100000"/>
+              </a:lnSpc>
+            </a:pPr>
             <a:r>
               <a:rPr b="0" lang="en-US" sz="1800" spc="-1" strike="noStrike">
                 <a:solidFill>
@@ -3824,18 +10052,28 @@
               <a:solidFill>
                 <a:srgbClr val="ffffff"/>
               </a:solidFill>
-              <a:latin typeface="Bitstream Vera Sans"/>
-            </a:endParaRPr>
-          </a:p>
-          <a:p>
+              <a:latin typeface="Arial"/>
+            </a:endParaRPr>
+          </a:p>
+          <a:p>
+            <a:pPr>
+              <a:lnSpc>
+                <a:spcPct val="100000"/>
+              </a:lnSpc>
+            </a:pPr>
             <a:endParaRPr b="0" lang="en-US" sz="1800" spc="-1" strike="noStrike">
               <a:solidFill>
                 <a:srgbClr val="ffffff"/>
               </a:solidFill>
-              <a:latin typeface="Bitstream Vera Sans"/>
-            </a:endParaRPr>
-          </a:p>
-          <a:p>
+              <a:latin typeface="Arial"/>
+            </a:endParaRPr>
+          </a:p>
+          <a:p>
+            <a:pPr>
+              <a:lnSpc>
+                <a:spcPct val="100000"/>
+              </a:lnSpc>
+            </a:pPr>
             <a:r>
               <a:rPr b="0" lang="en-US" sz="1800" spc="-1" strike="noStrike">
                 <a:solidFill>
@@ -3849,7 +10087,7 @@
               <a:solidFill>
                 <a:srgbClr val="ffffff"/>
               </a:solidFill>
-              <a:latin typeface="Bitstream Vera Sans"/>
+              <a:latin typeface="Arial"/>
             </a:endParaRPr>
           </a:p>
         </p:txBody>
@@ -3872,10 +10110,416 @@
   <a:themeElements>
     <a:clrScheme name="Office">
       <a:dk1>
-        <a:sysClr val="windowText" lastClr="000000"/>
+        <a:srgbClr val="000000"/>
       </a:dk1>
       <a:lt1>
-        <a:sysClr val="window" lastClr="FFFFFF"/>
+        <a:srgbClr val="ffffff"/>
+      </a:lt1>
+      <a:dk2>
+        <a:srgbClr val="1f497d"/>
+      </a:dk2>
+      <a:lt2>
+        <a:srgbClr val="eeece1"/>
+      </a:lt2>
+      <a:accent1>
+        <a:srgbClr val="4f81bd"/>
+      </a:accent1>
+      <a:accent2>
+        <a:srgbClr val="c0504d"/>
+      </a:accent2>
+      <a:accent3>
+        <a:srgbClr val="9bbb59"/>
+      </a:accent3>
+      <a:accent4>
+        <a:srgbClr val="8064a2"/>
+      </a:accent4>
+      <a:accent5>
+        <a:srgbClr val="4bacc6"/>
+      </a:accent5>
+      <a:accent6>
+        <a:srgbClr val="f79646"/>
+      </a:accent6>
+      <a:hlink>
+        <a:srgbClr val="0000ff"/>
+      </a:hlink>
+      <a:folHlink>
+        <a:srgbClr val="800080"/>
+      </a:folHlink>
+    </a:clrScheme>
+    <a:fontScheme name="Office">
+      <a:majorFont>
+        <a:latin typeface="Arial"/>
+        <a:ea typeface="DejaVu Sans"/>
+        <a:cs typeface="DejaVu Sans"/>
+      </a:majorFont>
+      <a:minorFont>
+        <a:latin typeface="Arial"/>
+        <a:ea typeface="DejaVu Sans"/>
+        <a:cs typeface="DejaVu Sans"/>
+      </a:minorFont>
+    </a:fontScheme>
+    <a:fmtScheme name="Office">
+      <a:fillStyleLst>
+        <a:solidFill>
+          <a:schemeClr val="phClr"/>
+        </a:solidFill>
+        <a:gradFill rotWithShape="1">
+          <a:gsLst>
+            <a:gs pos="0">
+              <a:schemeClr val="phClr">
+                <a:tint val="50000"/>
+                <a:satMod val="300000"/>
+              </a:schemeClr>
+            </a:gs>
+            <a:gs pos="35000">
+              <a:schemeClr val="phClr">
+                <a:tint val="37000"/>
+                <a:satMod val="300000"/>
+              </a:schemeClr>
+            </a:gs>
+            <a:gs pos="100000">
+              <a:schemeClr val="phClr">
+                <a:tint val="15000"/>
+                <a:satMod val="350000"/>
+              </a:schemeClr>
+            </a:gs>
+          </a:gsLst>
+          <a:lin ang="16200000" scaled="1"/>
+        </a:gradFill>
+        <a:gradFill rotWithShape="1">
+          <a:gsLst>
+            <a:gs pos="0">
+              <a:schemeClr val="phClr">
+                <a:shade val="51000"/>
+                <a:satMod val="130000"/>
+              </a:schemeClr>
+            </a:gs>
+            <a:gs pos="80000">
+              <a:schemeClr val="phClr">
+                <a:shade val="93000"/>
+                <a:satMod val="130000"/>
+              </a:schemeClr>
+            </a:gs>
+            <a:gs pos="100000">
+              <a:schemeClr val="phClr">
+                <a:shade val="94000"/>
+                <a:satMod val="135000"/>
+              </a:schemeClr>
+            </a:gs>
+          </a:gsLst>
+          <a:lin ang="16200000" scaled="0"/>
+        </a:gradFill>
+      </a:fillStyleLst>
+      <a:lnStyleLst>
+        <a:ln w="6350" cap="flat" cmpd="sng" algn="ctr">
+          <a:solidFill>
+            <a:schemeClr val="phClr">
+              <a:shade val="95000"/>
+              <a:satMod val="105000"/>
+            </a:schemeClr>
+          </a:solidFill>
+          <a:prstDash val="solid"/>
+          <a:miter/>
+        </a:ln>
+        <a:ln w="12700" cap="flat" cmpd="sng" algn="ctr">
+          <a:solidFill>
+            <a:schemeClr val="phClr"/>
+          </a:solidFill>
+          <a:prstDash val="solid"/>
+          <a:miter/>
+        </a:ln>
+        <a:ln w="19050" cap="flat" cmpd="sng" algn="ctr">
+          <a:solidFill>
+            <a:schemeClr val="phClr"/>
+          </a:solidFill>
+          <a:prstDash val="solid"/>
+          <a:miter/>
+        </a:ln>
+      </a:lnStyleLst>
+      <a:effectStyleLst>
+        <a:effectStyle>
+          <a:effectLst/>
+        </a:effectStyle>
+        <a:effectStyle>
+          <a:effectLst/>
+        </a:effectStyle>
+        <a:effectStyle>
+          <a:effectLst>
+            <a:outerShdw blurRad="40000" dist="23000" dir="5400000" rotWithShape="0">
+              <a:srgbClr val="000000">
+                <a:alpha val="35000"/>
+              </a:srgbClr>
+            </a:outerShdw>
+          </a:effectLst>
+        </a:effectStyle>
+      </a:effectStyleLst>
+      <a:bgFillStyleLst>
+        <a:solidFill>
+          <a:schemeClr val="phClr"/>
+        </a:solidFill>
+        <a:gradFill rotWithShape="1">
+          <a:gsLst>
+            <a:gs pos="0">
+              <a:schemeClr val="phClr">
+                <a:tint val="40000"/>
+                <a:satMod val="350000"/>
+              </a:schemeClr>
+            </a:gs>
+            <a:gs pos="40000">
+              <a:schemeClr val="phClr">
+                <a:tint val="45000"/>
+                <a:shade val="99000"/>
+                <a:satMod val="350000"/>
+              </a:schemeClr>
+            </a:gs>
+            <a:gs pos="100000">
+              <a:schemeClr val="phClr">
+                <a:shade val="20000"/>
+                <a:satMod val="255000"/>
+              </a:schemeClr>
+            </a:gs>
+          </a:gsLst>
+          <a:path path="circle">
+            <a:fillToRect l="50000" t="-80000" r="50000" b="180000"/>
+          </a:path>
+        </a:gradFill>
+        <a:gradFill rotWithShape="1">
+          <a:gsLst>
+            <a:gs pos="0">
+              <a:schemeClr val="phClr">
+                <a:tint val="80000"/>
+                <a:satMod val="300000"/>
+              </a:schemeClr>
+            </a:gs>
+            <a:gs pos="100000">
+              <a:schemeClr val="phClr">
+                <a:shade val="30000"/>
+                <a:satMod val="200000"/>
+              </a:schemeClr>
+            </a:gs>
+          </a:gsLst>
+          <a:path path="circle">
+            <a:fillToRect l="50000" t="50000" r="50000" b="50000"/>
+          </a:path>
+        </a:gradFill>
+      </a:bgFillStyleLst>
+    </a:fmtScheme>
+  </a:themeElements>
+</a:theme>
+</file>
+
+<file path=ppt/theme/theme2.xml><?xml version="1.0" encoding="utf-8"?>
+<a:theme xmlns:a="http://schemas.openxmlformats.org/drawingml/2006/main" name="Office Theme">
+  <a:themeElements>
+    <a:clrScheme name="Office">
+      <a:dk1>
+        <a:srgbClr val="000000"/>
+      </a:dk1>
+      <a:lt1>
+        <a:srgbClr val="ffffff"/>
+      </a:lt1>
+      <a:dk2>
+        <a:srgbClr val="1f497d"/>
+      </a:dk2>
+      <a:lt2>
+        <a:srgbClr val="eeece1"/>
+      </a:lt2>
+      <a:accent1>
+        <a:srgbClr val="4f81bd"/>
+      </a:accent1>
+      <a:accent2>
+        <a:srgbClr val="c0504d"/>
+      </a:accent2>
+      <a:accent3>
+        <a:srgbClr val="9bbb59"/>
+      </a:accent3>
+      <a:accent4>
+        <a:srgbClr val="8064a2"/>
+      </a:accent4>
+      <a:accent5>
+        <a:srgbClr val="4bacc6"/>
+      </a:accent5>
+      <a:accent6>
+        <a:srgbClr val="f79646"/>
+      </a:accent6>
+      <a:hlink>
+        <a:srgbClr val="0000ff"/>
+      </a:hlink>
+      <a:folHlink>
+        <a:srgbClr val="800080"/>
+      </a:folHlink>
+    </a:clrScheme>
+    <a:fontScheme name="Office">
+      <a:majorFont>
+        <a:latin typeface="Arial"/>
+        <a:ea typeface="DejaVu Sans"/>
+        <a:cs typeface="DejaVu Sans"/>
+      </a:majorFont>
+      <a:minorFont>
+        <a:latin typeface="Arial"/>
+        <a:ea typeface="DejaVu Sans"/>
+        <a:cs typeface="DejaVu Sans"/>
+      </a:minorFont>
+    </a:fontScheme>
+    <a:fmtScheme name="Office">
+      <a:fillStyleLst>
+        <a:solidFill>
+          <a:schemeClr val="phClr"/>
+        </a:solidFill>
+        <a:gradFill rotWithShape="1">
+          <a:gsLst>
+            <a:gs pos="0">
+              <a:schemeClr val="phClr">
+                <a:tint val="50000"/>
+                <a:satMod val="300000"/>
+              </a:schemeClr>
+            </a:gs>
+            <a:gs pos="35000">
+              <a:schemeClr val="phClr">
+                <a:tint val="37000"/>
+                <a:satMod val="300000"/>
+              </a:schemeClr>
+            </a:gs>
+            <a:gs pos="100000">
+              <a:schemeClr val="phClr">
+                <a:tint val="15000"/>
+                <a:satMod val="350000"/>
+              </a:schemeClr>
+            </a:gs>
+          </a:gsLst>
+          <a:lin ang="16200000" scaled="1"/>
+        </a:gradFill>
+        <a:gradFill rotWithShape="1">
+          <a:gsLst>
+            <a:gs pos="0">
+              <a:schemeClr val="phClr">
+                <a:shade val="51000"/>
+                <a:satMod val="130000"/>
+              </a:schemeClr>
+            </a:gs>
+            <a:gs pos="80000">
+              <a:schemeClr val="phClr">
+                <a:shade val="93000"/>
+                <a:satMod val="130000"/>
+              </a:schemeClr>
+            </a:gs>
+            <a:gs pos="100000">
+              <a:schemeClr val="phClr">
+                <a:shade val="94000"/>
+                <a:satMod val="135000"/>
+              </a:schemeClr>
+            </a:gs>
+          </a:gsLst>
+          <a:lin ang="16200000" scaled="0"/>
+        </a:gradFill>
+      </a:fillStyleLst>
+      <a:lnStyleLst>
+        <a:ln w="6350" cap="flat" cmpd="sng" algn="ctr">
+          <a:solidFill>
+            <a:schemeClr val="phClr">
+              <a:shade val="95000"/>
+              <a:satMod val="105000"/>
+            </a:schemeClr>
+          </a:solidFill>
+          <a:prstDash val="solid"/>
+          <a:miter/>
+        </a:ln>
+        <a:ln w="12700" cap="flat" cmpd="sng" algn="ctr">
+          <a:solidFill>
+            <a:schemeClr val="phClr"/>
+          </a:solidFill>
+          <a:prstDash val="solid"/>
+          <a:miter/>
+        </a:ln>
+        <a:ln w="19050" cap="flat" cmpd="sng" algn="ctr">
+          <a:solidFill>
+            <a:schemeClr val="phClr"/>
+          </a:solidFill>
+          <a:prstDash val="solid"/>
+          <a:miter/>
+        </a:ln>
+      </a:lnStyleLst>
+      <a:effectStyleLst>
+        <a:effectStyle>
+          <a:effectLst/>
+        </a:effectStyle>
+        <a:effectStyle>
+          <a:effectLst/>
+        </a:effectStyle>
+        <a:effectStyle>
+          <a:effectLst>
+            <a:outerShdw blurRad="40000" dist="23000" dir="5400000" rotWithShape="0">
+              <a:srgbClr val="000000">
+                <a:alpha val="35000"/>
+              </a:srgbClr>
+            </a:outerShdw>
+          </a:effectLst>
+        </a:effectStyle>
+      </a:effectStyleLst>
+      <a:bgFillStyleLst>
+        <a:solidFill>
+          <a:schemeClr val="phClr"/>
+        </a:solidFill>
+        <a:gradFill rotWithShape="1">
+          <a:gsLst>
+            <a:gs pos="0">
+              <a:schemeClr val="phClr">
+                <a:tint val="40000"/>
+                <a:satMod val="350000"/>
+              </a:schemeClr>
+            </a:gs>
+            <a:gs pos="40000">
+              <a:schemeClr val="phClr">
+                <a:tint val="45000"/>
+                <a:shade val="99000"/>
+                <a:satMod val="350000"/>
+              </a:schemeClr>
+            </a:gs>
+            <a:gs pos="100000">
+              <a:schemeClr val="phClr">
+                <a:shade val="20000"/>
+                <a:satMod val="255000"/>
+              </a:schemeClr>
+            </a:gs>
+          </a:gsLst>
+          <a:path path="circle">
+            <a:fillToRect l="50000" t="-80000" r="50000" b="180000"/>
+          </a:path>
+        </a:gradFill>
+        <a:gradFill rotWithShape="1">
+          <a:gsLst>
+            <a:gs pos="0">
+              <a:schemeClr val="phClr">
+                <a:tint val="80000"/>
+                <a:satMod val="300000"/>
+              </a:schemeClr>
+            </a:gs>
+            <a:gs pos="100000">
+              <a:schemeClr val="phClr">
+                <a:shade val="30000"/>
+                <a:satMod val="200000"/>
+              </a:schemeClr>
+            </a:gs>
+          </a:gsLst>
+          <a:path path="circle">
+            <a:fillToRect l="50000" t="50000" r="50000" b="50000"/>
+          </a:path>
+        </a:gradFill>
+      </a:bgFillStyleLst>
+    </a:fmtScheme>
+  </a:themeElements>
+</a:theme>
+</file>
+
+<file path=ppt/theme/theme3.xml><?xml version="1.0" encoding="utf-8"?>
+<a:theme xmlns:a="http://schemas.openxmlformats.org/drawingml/2006/main" name="Office Theme">
+  <a:themeElements>
+    <a:clrScheme name="Office">
+      <a:dk1>
+        <a:srgbClr val="000000"/>
+      </a:dk1>
+      <a:lt1>
+        <a:srgbClr val="ffffff"/>
       </a:lt1>
       <a:dk2>
         <a:srgbClr val="1f497d"/>
